--- a/ProgressiveWebApp/PWA.pptx
+++ b/ProgressiveWebApp/PWA.pptx
@@ -5,7 +5,7 @@
     <p:sldMasterId id="2147483660" r:id="rId1"/>
   </p:sldMasterIdLst>
   <p:notesMasterIdLst>
-    <p:notesMasterId r:id="rId16"/>
+    <p:notesMasterId r:id="rId17"/>
   </p:notesMasterIdLst>
   <p:sldIdLst>
     <p:sldId id="256" r:id="rId2"/>
@@ -22,6 +22,7 @@
     <p:sldId id="267" r:id="rId13"/>
     <p:sldId id="269" r:id="rId14"/>
     <p:sldId id="268" r:id="rId15"/>
+    <p:sldId id="270" r:id="rId16"/>
   </p:sldIdLst>
   <p:sldSz cx="12192000" cy="6858000"/>
   <p:notesSz cx="6858000" cy="9144000"/>
@@ -5822,7 +5823,7 @@
           <p:cNvPr id="2" name="Title 1">
             <a:extLst>
               <a:ext uri="{FF2B5EF4-FFF2-40B4-BE49-F238E27FC236}">
-                <a16:creationId xmlns="" xmlns:a16="http://schemas.microsoft.com/office/drawing/2014/main" id="{1DEC1DD5-CABD-4CE3-BAAC-EDF7607001A4}"/>
+                <a16:creationId xmlns:a16="http://schemas.microsoft.com/office/drawing/2014/main" xmlns="" id="{1DEC1DD5-CABD-4CE3-BAAC-EDF7607001A4}"/>
               </a:ext>
             </a:extLst>
           </p:cNvPr>
@@ -5850,7 +5851,7 @@
           <p:cNvPr id="3" name="Subtitle 2">
             <a:extLst>
               <a:ext uri="{FF2B5EF4-FFF2-40B4-BE49-F238E27FC236}">
-                <a16:creationId xmlns="" xmlns:a16="http://schemas.microsoft.com/office/drawing/2014/main" id="{B6A676DF-C18E-4D54-8352-938FA317F453}"/>
+                <a16:creationId xmlns:a16="http://schemas.microsoft.com/office/drawing/2014/main" xmlns="" id="{B6A676DF-C18E-4D54-8352-938FA317F453}"/>
               </a:ext>
             </a:extLst>
           </p:cNvPr>
@@ -5905,7 +5906,7 @@
           <p:cNvPr id="2" name="Title 1">
             <a:extLst>
               <a:ext uri="{FF2B5EF4-FFF2-40B4-BE49-F238E27FC236}">
-                <a16:creationId xmlns="" xmlns:a16="http://schemas.microsoft.com/office/drawing/2014/main" id="{4C563FB7-B9B0-4A8B-A4AB-449E119AE454}"/>
+                <a16:creationId xmlns:a16="http://schemas.microsoft.com/office/drawing/2014/main" xmlns="" id="{4C563FB7-B9B0-4A8B-A4AB-449E119AE454}"/>
               </a:ext>
             </a:extLst>
           </p:cNvPr>
@@ -5938,7 +5939,7 @@
           <p:cNvPr id="6" name="Content Placeholder 5">
             <a:extLst>
               <a:ext uri="{FF2B5EF4-FFF2-40B4-BE49-F238E27FC236}">
-                <a16:creationId xmlns="" xmlns:a16="http://schemas.microsoft.com/office/drawing/2014/main" id="{DEE54AF1-098B-421B-B35F-D03D5723B00C}"/>
+                <a16:creationId xmlns:a16="http://schemas.microsoft.com/office/drawing/2014/main" xmlns="" id="{DEE54AF1-098B-421B-B35F-D03D5723B00C}"/>
               </a:ext>
             </a:extLst>
           </p:cNvPr>
@@ -6003,7 +6004,7 @@
           <p:cNvPr id="2" name="Title 1">
             <a:extLst>
               <a:ext uri="{FF2B5EF4-FFF2-40B4-BE49-F238E27FC236}">
-                <a16:creationId xmlns="" xmlns:a16="http://schemas.microsoft.com/office/drawing/2014/main" id="{1CE5E76C-50B9-4A9E-A76E-FDB8153F0A7A}"/>
+                <a16:creationId xmlns:a16="http://schemas.microsoft.com/office/drawing/2014/main" xmlns="" id="{1CE5E76C-50B9-4A9E-A76E-FDB8153F0A7A}"/>
               </a:ext>
             </a:extLst>
           </p:cNvPr>
@@ -6040,7 +6041,7 @@
           <p:cNvPr id="3" name="Content Placeholder 2">
             <a:extLst>
               <a:ext uri="{FF2B5EF4-FFF2-40B4-BE49-F238E27FC236}">
-                <a16:creationId xmlns="" xmlns:a16="http://schemas.microsoft.com/office/drawing/2014/main" id="{48F2C5EF-27DF-4405-B689-B76C63BA4D19}"/>
+                <a16:creationId xmlns:a16="http://schemas.microsoft.com/office/drawing/2014/main" xmlns="" id="{48F2C5EF-27DF-4405-B689-B76C63BA4D19}"/>
               </a:ext>
             </a:extLst>
           </p:cNvPr>
@@ -6102,7 +6103,7 @@
           <p:cNvPr id="9" name="Picture 8">
             <a:extLst>
               <a:ext uri="{FF2B5EF4-FFF2-40B4-BE49-F238E27FC236}">
-                <a16:creationId xmlns="" xmlns:a16="http://schemas.microsoft.com/office/drawing/2014/main" id="{CD2C4364-711E-460D-9CEB-9A4EB69FCDD5}"/>
+                <a16:creationId xmlns:a16="http://schemas.microsoft.com/office/drawing/2014/main" xmlns="" id="{CD2C4364-711E-460D-9CEB-9A4EB69FCDD5}"/>
               </a:ext>
             </a:extLst>
           </p:cNvPr>
@@ -6326,7 +6327,7 @@
           <p:cNvPr id="2" name="Title 1">
             <a:extLst>
               <a:ext uri="{FF2B5EF4-FFF2-40B4-BE49-F238E27FC236}">
-                <a16:creationId xmlns="" xmlns:a16="http://schemas.microsoft.com/office/drawing/2014/main" id="{9A417A89-8E44-44F6-B308-9426FD4B50F0}"/>
+                <a16:creationId xmlns:a16="http://schemas.microsoft.com/office/drawing/2014/main" xmlns="" id="{9A417A89-8E44-44F6-B308-9426FD4B50F0}"/>
               </a:ext>
             </a:extLst>
           </p:cNvPr>
@@ -6359,7 +6360,7 @@
           <p:cNvPr id="3" name="Content Placeholder 2">
             <a:extLst>
               <a:ext uri="{FF2B5EF4-FFF2-40B4-BE49-F238E27FC236}">
-                <a16:creationId xmlns="" xmlns:a16="http://schemas.microsoft.com/office/drawing/2014/main" id="{351E42AA-F625-464F-91D8-85ACA3C07519}"/>
+                <a16:creationId xmlns:a16="http://schemas.microsoft.com/office/drawing/2014/main" xmlns="" id="{351E42AA-F625-464F-91D8-85ACA3C07519}"/>
               </a:ext>
             </a:extLst>
           </p:cNvPr>
@@ -6521,6 +6522,196 @@
 </p:sld>
 </file>
 
+<file path=ppt/slides/slide15.xml><?xml version="1.0" encoding="utf-8"?>
+<p:sld xmlns:a="http://schemas.openxmlformats.org/drawingml/2006/main" xmlns:r="http://schemas.openxmlformats.org/officeDocument/2006/relationships" xmlns:p="http://schemas.openxmlformats.org/presentationml/2006/main">
+  <p:cSld>
+    <p:spTree>
+      <p:nvGrpSpPr>
+        <p:cNvPr id="1" name=""/>
+        <p:cNvGrpSpPr/>
+        <p:nvPr/>
+      </p:nvGrpSpPr>
+      <p:grpSpPr>
+        <a:xfrm>
+          <a:off x="0" y="0"/>
+          <a:ext cx="0" cy="0"/>
+          <a:chOff x="0" y="0"/>
+          <a:chExt cx="0" cy="0"/>
+        </a:xfrm>
+      </p:grpSpPr>
+      <p:sp>
+        <p:nvSpPr>
+          <p:cNvPr id="2" name="Title 1"/>
+          <p:cNvSpPr>
+            <a:spLocks noGrp="1"/>
+          </p:cNvSpPr>
+          <p:nvPr>
+            <p:ph type="title"/>
+          </p:nvPr>
+        </p:nvSpPr>
+        <p:spPr/>
+        <p:txBody>
+          <a:bodyPr/>
+          <a:lstStyle/>
+          <a:p>
+            <a:r>
+              <a:rPr lang="en-US" dirty="0" smtClean="0"/>
+              <a:t>Background sync &amp; Index DB</a:t>
+            </a:r>
+            <a:endParaRPr lang="en-US" dirty="0"/>
+          </a:p>
+        </p:txBody>
+      </p:sp>
+      <p:sp>
+        <p:nvSpPr>
+          <p:cNvPr id="3" name="Content Placeholder 2"/>
+          <p:cNvSpPr>
+            <a:spLocks noGrp="1"/>
+          </p:cNvSpPr>
+          <p:nvPr>
+            <p:ph idx="1"/>
+          </p:nvPr>
+        </p:nvSpPr>
+        <p:spPr/>
+        <p:txBody>
+          <a:bodyPr>
+            <a:normAutofit/>
+          </a:bodyPr>
+          <a:lstStyle/>
+          <a:p>
+            <a:r>
+              <a:rPr lang="en-US" dirty="0" err="1">
+                <a:solidFill>
+                  <a:schemeClr val="tx1"/>
+                </a:solidFill>
+              </a:rPr>
+              <a:t>BackgroundSync</a:t>
+            </a:r>
+            <a:r>
+              <a:rPr lang="en-US" dirty="0">
+                <a:solidFill>
+                  <a:schemeClr val="tx1"/>
+                </a:solidFill>
+              </a:rPr>
+              <a:t> is a new web API that lets you defer actions until the user has stable connectivity, which makes it great for ensuring that whatever the user wants to send is sent when they regain </a:t>
+            </a:r>
+            <a:r>
+              <a:rPr lang="en-US" dirty="0" smtClean="0">
+                <a:solidFill>
+                  <a:schemeClr val="tx1"/>
+                </a:solidFill>
+              </a:rPr>
+              <a:t>connectivity</a:t>
+            </a:r>
+          </a:p>
+          <a:p>
+            <a:endParaRPr lang="en-US" dirty="0" smtClean="0">
+              <a:solidFill>
+                <a:schemeClr val="tx1"/>
+              </a:solidFill>
+            </a:endParaRPr>
+          </a:p>
+          <a:p>
+            <a:r>
+              <a:rPr lang="en-US" dirty="0" err="1">
+                <a:solidFill>
+                  <a:schemeClr val="tx1"/>
+                </a:solidFill>
+              </a:rPr>
+              <a:t>IndexedDB</a:t>
+            </a:r>
+            <a:r>
+              <a:rPr lang="en-US" dirty="0">
+                <a:solidFill>
+                  <a:schemeClr val="tx1"/>
+                </a:solidFill>
+              </a:rPr>
+              <a:t> is a low-level API for client-side storage of significant amounts of </a:t>
+            </a:r>
+            <a:r>
+              <a:rPr lang="en-US" dirty="0" smtClean="0">
+                <a:solidFill>
+                  <a:schemeClr val="tx1"/>
+                </a:solidFill>
+              </a:rPr>
+              <a:t>structured data</a:t>
+            </a:r>
+            <a:r>
+              <a:rPr lang="en-US" dirty="0">
+                <a:solidFill>
+                  <a:schemeClr val="tx1"/>
+                </a:solidFill>
+              </a:rPr>
+              <a:t>, including files or blobs. This API uses indexes to enable </a:t>
+            </a:r>
+            <a:r>
+              <a:rPr lang="en-US" dirty="0" smtClean="0">
+                <a:solidFill>
+                  <a:schemeClr val="tx1"/>
+                </a:solidFill>
+              </a:rPr>
+              <a:t>high-performance searches </a:t>
+            </a:r>
+            <a:r>
+              <a:rPr lang="en-US" dirty="0">
+                <a:solidFill>
+                  <a:schemeClr val="tx1"/>
+                </a:solidFill>
+              </a:rPr>
+              <a:t>of this data. </a:t>
+            </a:r>
+            <a:r>
+              <a:rPr lang="en-US" dirty="0" err="1" smtClean="0">
+                <a:solidFill>
+                  <a:schemeClr val="tx1"/>
+                </a:solidFill>
+              </a:rPr>
+              <a:t>IndexedDB</a:t>
+            </a:r>
+            <a:r>
+              <a:rPr lang="en-US" dirty="0" smtClean="0">
+                <a:solidFill>
+                  <a:schemeClr val="tx1"/>
+                </a:solidFill>
+              </a:rPr>
+              <a:t> it’s </a:t>
+            </a:r>
+            <a:r>
+              <a:rPr lang="en-US" dirty="0">
+                <a:solidFill>
+                  <a:schemeClr val="tx1"/>
+                </a:solidFill>
+              </a:rPr>
+              <a:t>a better solution when it comes to large amounts of data.</a:t>
+            </a:r>
+            <a:endParaRPr lang="en-US" dirty="0">
+              <a:solidFill>
+                <a:schemeClr val="tx1"/>
+              </a:solidFill>
+            </a:endParaRPr>
+          </a:p>
+          <a:p>
+            <a:endParaRPr lang="en-US" dirty="0">
+              <a:solidFill>
+                <a:schemeClr val="tx1"/>
+              </a:solidFill>
+            </a:endParaRPr>
+          </a:p>
+        </p:txBody>
+      </p:sp>
+    </p:spTree>
+    <p:extLst>
+      <p:ext uri="{BB962C8B-B14F-4D97-AF65-F5344CB8AC3E}">
+        <p14:creationId xmlns:p14="http://schemas.microsoft.com/office/powerpoint/2010/main" val="2463583031"/>
+      </p:ext>
+    </p:extLst>
+  </p:cSld>
+  <p:clrMapOvr>
+    <a:masterClrMapping/>
+  </p:clrMapOvr>
+</p:sld>
+</file>
+
 <file path=ppt/slides/slide2.xml><?xml version="1.0" encoding="utf-8"?>
 <p:sld xmlns:a="http://schemas.openxmlformats.org/drawingml/2006/main" xmlns:r="http://schemas.openxmlformats.org/officeDocument/2006/relationships" xmlns:p="http://schemas.openxmlformats.org/presentationml/2006/main">
   <p:cSld>
@@ -6543,7 +6734,7 @@
           <p:cNvPr id="2" name="Title 1">
             <a:extLst>
               <a:ext uri="{FF2B5EF4-FFF2-40B4-BE49-F238E27FC236}">
-                <a16:creationId xmlns="" xmlns:a16="http://schemas.microsoft.com/office/drawing/2014/main" id="{43C726DE-43AE-4074-8247-C32968E8AF52}"/>
+                <a16:creationId xmlns:a16="http://schemas.microsoft.com/office/drawing/2014/main" xmlns="" id="{43C726DE-43AE-4074-8247-C32968E8AF52}"/>
               </a:ext>
             </a:extLst>
           </p:cNvPr>
@@ -6571,7 +6762,7 @@
           <p:cNvPr id="3" name="Content Placeholder 2">
             <a:extLst>
               <a:ext uri="{FF2B5EF4-FFF2-40B4-BE49-F238E27FC236}">
-                <a16:creationId xmlns="" xmlns:a16="http://schemas.microsoft.com/office/drawing/2014/main" id="{10E3FC0C-076C-491D-8372-24DDAECA570D}"/>
+                <a16:creationId xmlns:a16="http://schemas.microsoft.com/office/drawing/2014/main" xmlns="" id="{10E3FC0C-076C-491D-8372-24DDAECA570D}"/>
               </a:ext>
             </a:extLst>
           </p:cNvPr>
@@ -6751,7 +6942,7 @@
           <p:cNvPr id="2" name="Title 1">
             <a:extLst>
               <a:ext uri="{FF2B5EF4-FFF2-40B4-BE49-F238E27FC236}">
-                <a16:creationId xmlns="" xmlns:a16="http://schemas.microsoft.com/office/drawing/2014/main" id="{5B8E0E3C-7724-4C66-AFF5-DEE7E703DFD6}"/>
+                <a16:creationId xmlns:a16="http://schemas.microsoft.com/office/drawing/2014/main" xmlns="" id="{5B8E0E3C-7724-4C66-AFF5-DEE7E703DFD6}"/>
               </a:ext>
             </a:extLst>
           </p:cNvPr>
@@ -6797,7 +6988,7 @@
           <p:cNvPr id="3" name="Content Placeholder 2">
             <a:extLst>
               <a:ext uri="{FF2B5EF4-FFF2-40B4-BE49-F238E27FC236}">
-                <a16:creationId xmlns="" xmlns:a16="http://schemas.microsoft.com/office/drawing/2014/main" id="{4CC45F13-5C9B-49D4-8F3B-059D4CBDC62B}"/>
+                <a16:creationId xmlns:a16="http://schemas.microsoft.com/office/drawing/2014/main" xmlns="" id="{4CC45F13-5C9B-49D4-8F3B-059D4CBDC62B}"/>
               </a:ext>
             </a:extLst>
           </p:cNvPr>
@@ -6966,7 +7157,7 @@
           <p:cNvPr id="2" name="Title 1">
             <a:extLst>
               <a:ext uri="{FF2B5EF4-FFF2-40B4-BE49-F238E27FC236}">
-                <a16:creationId xmlns="" xmlns:a16="http://schemas.microsoft.com/office/drawing/2014/main" id="{FD1776FB-59EC-4639-A7DF-71C67569EBF1}"/>
+                <a16:creationId xmlns:a16="http://schemas.microsoft.com/office/drawing/2014/main" xmlns="" id="{FD1776FB-59EC-4639-A7DF-71C67569EBF1}"/>
               </a:ext>
             </a:extLst>
           </p:cNvPr>
@@ -6999,7 +7190,7 @@
           <p:cNvPr id="3" name="Content Placeholder 2">
             <a:extLst>
               <a:ext uri="{FF2B5EF4-FFF2-40B4-BE49-F238E27FC236}">
-                <a16:creationId xmlns="" xmlns:a16="http://schemas.microsoft.com/office/drawing/2014/main" id="{04FF6E83-715A-4753-898C-0F8BC4606043}"/>
+                <a16:creationId xmlns:a16="http://schemas.microsoft.com/office/drawing/2014/main" xmlns="" id="{04FF6E83-715A-4753-898C-0F8BC4606043}"/>
               </a:ext>
             </a:extLst>
           </p:cNvPr>
@@ -7101,7 +7292,7 @@
           <p:cNvPr id="2" name="Title 1">
             <a:extLst>
               <a:ext uri="{FF2B5EF4-FFF2-40B4-BE49-F238E27FC236}">
-                <a16:creationId xmlns="" xmlns:a16="http://schemas.microsoft.com/office/drawing/2014/main" id="{3F2B6B2B-52E3-44A1-B06E-81EDEADA04F5}"/>
+                <a16:creationId xmlns:a16="http://schemas.microsoft.com/office/drawing/2014/main" xmlns="" id="{3F2B6B2B-52E3-44A1-B06E-81EDEADA04F5}"/>
               </a:ext>
             </a:extLst>
           </p:cNvPr>
@@ -7138,7 +7329,7 @@
           <p:cNvPr id="3" name="Content Placeholder 2">
             <a:extLst>
               <a:ext uri="{FF2B5EF4-FFF2-40B4-BE49-F238E27FC236}">
-                <a16:creationId xmlns="" xmlns:a16="http://schemas.microsoft.com/office/drawing/2014/main" id="{89426F1F-F7A3-44F6-B515-7260B22129D5}"/>
+                <a16:creationId xmlns:a16="http://schemas.microsoft.com/office/drawing/2014/main" xmlns="" id="{89426F1F-F7A3-44F6-B515-7260B22129D5}"/>
               </a:ext>
             </a:extLst>
           </p:cNvPr>
@@ -7210,7 +7401,7 @@
           <p:cNvPr id="2" name="Title 1">
             <a:extLst>
               <a:ext uri="{FF2B5EF4-FFF2-40B4-BE49-F238E27FC236}">
-                <a16:creationId xmlns="" xmlns:a16="http://schemas.microsoft.com/office/drawing/2014/main" id="{5998A157-FCD1-4C27-8F6E-F674ED02688B}"/>
+                <a16:creationId xmlns:a16="http://schemas.microsoft.com/office/drawing/2014/main" xmlns="" id="{5998A157-FCD1-4C27-8F6E-F674ED02688B}"/>
               </a:ext>
             </a:extLst>
           </p:cNvPr>
@@ -7243,7 +7434,7 @@
           <p:cNvPr id="3" name="Content Placeholder 2">
             <a:extLst>
               <a:ext uri="{FF2B5EF4-FFF2-40B4-BE49-F238E27FC236}">
-                <a16:creationId xmlns="" xmlns:a16="http://schemas.microsoft.com/office/drawing/2014/main" id="{267068F6-BE1B-4F5F-92E0-84E8573583EA}"/>
+                <a16:creationId xmlns:a16="http://schemas.microsoft.com/office/drawing/2014/main" xmlns="" id="{267068F6-BE1B-4F5F-92E0-84E8573583EA}"/>
               </a:ext>
             </a:extLst>
           </p:cNvPr>
@@ -7418,7 +7609,7 @@
           <p:cNvPr id="2" name="Title 1">
             <a:extLst>
               <a:ext uri="{FF2B5EF4-FFF2-40B4-BE49-F238E27FC236}">
-                <a16:creationId xmlns="" xmlns:a16="http://schemas.microsoft.com/office/drawing/2014/main" id="{9CB72FEE-B902-40F9-AACA-EC55CA6C6720}"/>
+                <a16:creationId xmlns:a16="http://schemas.microsoft.com/office/drawing/2014/main" xmlns="" id="{9CB72FEE-B902-40F9-AACA-EC55CA6C6720}"/>
               </a:ext>
             </a:extLst>
           </p:cNvPr>
@@ -7451,7 +7642,7 @@
           <p:cNvPr id="5" name="Content Placeholder 4">
             <a:extLst>
               <a:ext uri="{FF2B5EF4-FFF2-40B4-BE49-F238E27FC236}">
-                <a16:creationId xmlns="" xmlns:a16="http://schemas.microsoft.com/office/drawing/2014/main" id="{0EEE8D40-76BA-4EA2-AD2D-6D9B6259AE63}"/>
+                <a16:creationId xmlns:a16="http://schemas.microsoft.com/office/drawing/2014/main" xmlns="" id="{0EEE8D40-76BA-4EA2-AD2D-6D9B6259AE63}"/>
               </a:ext>
             </a:extLst>
           </p:cNvPr>
@@ -7721,7 +7912,7 @@
           <p:cNvPr id="2" name="Title 1">
             <a:extLst>
               <a:ext uri="{FF2B5EF4-FFF2-40B4-BE49-F238E27FC236}">
-                <a16:creationId xmlns="" xmlns:a16="http://schemas.microsoft.com/office/drawing/2014/main" id="{C8B43DA7-2345-408B-AB8C-F23698E6052C}"/>
+                <a16:creationId xmlns:a16="http://schemas.microsoft.com/office/drawing/2014/main" xmlns="" id="{C8B43DA7-2345-408B-AB8C-F23698E6052C}"/>
               </a:ext>
             </a:extLst>
           </p:cNvPr>
@@ -7746,7 +7937,7 @@
           <p:cNvPr id="4" name="Content Placeholder 3">
             <a:extLst>
               <a:ext uri="{FF2B5EF4-FFF2-40B4-BE49-F238E27FC236}">
-                <a16:creationId xmlns="" xmlns:a16="http://schemas.microsoft.com/office/drawing/2014/main" id="{416C16D3-06DA-434A-A615-91B440249FC7}"/>
+                <a16:creationId xmlns:a16="http://schemas.microsoft.com/office/drawing/2014/main" xmlns="" id="{416C16D3-06DA-434A-A615-91B440249FC7}"/>
               </a:ext>
             </a:extLst>
           </p:cNvPr>

--- a/ProgressiveWebApp/PWA.pptx
+++ b/ProgressiveWebApp/PWA.pptx
@@ -5,7 +5,7 @@
     <p:sldMasterId id="2147483660" r:id="rId1"/>
   </p:sldMasterIdLst>
   <p:notesMasterIdLst>
-    <p:notesMasterId r:id="rId17"/>
+    <p:notesMasterId r:id="rId18"/>
   </p:notesMasterIdLst>
   <p:sldIdLst>
     <p:sldId id="256" r:id="rId2"/>
@@ -23,6 +23,7 @@
     <p:sldId id="269" r:id="rId14"/>
     <p:sldId id="268" r:id="rId15"/>
     <p:sldId id="270" r:id="rId16"/>
+    <p:sldId id="271" r:id="rId17"/>
   </p:sldIdLst>
   <p:sldSz cx="12192000" cy="6858000"/>
   <p:notesSz cx="6858000" cy="9144000"/>
@@ -6703,6 +6704,111 @@
     <p:extLst>
       <p:ext uri="{BB962C8B-B14F-4D97-AF65-F5344CB8AC3E}">
         <p14:creationId xmlns:p14="http://schemas.microsoft.com/office/powerpoint/2010/main" val="2463583031"/>
+      </p:ext>
+    </p:extLst>
+  </p:cSld>
+  <p:clrMapOvr>
+    <a:masterClrMapping/>
+  </p:clrMapOvr>
+  <p:timing>
+    <p:tnLst>
+      <p:par>
+        <p:cTn id="1" dur="indefinite" restart="never" nodeType="tmRoot"/>
+      </p:par>
+    </p:tnLst>
+  </p:timing>
+</p:sld>
+</file>
+
+<file path=ppt/slides/slide16.xml><?xml version="1.0" encoding="utf-8"?>
+<p:sld xmlns:a="http://schemas.openxmlformats.org/drawingml/2006/main" xmlns:r="http://schemas.openxmlformats.org/officeDocument/2006/relationships" xmlns:p="http://schemas.openxmlformats.org/presentationml/2006/main">
+  <p:cSld>
+    <p:spTree>
+      <p:nvGrpSpPr>
+        <p:cNvPr id="1" name=""/>
+        <p:cNvGrpSpPr/>
+        <p:nvPr/>
+      </p:nvGrpSpPr>
+      <p:grpSpPr>
+        <a:xfrm>
+          <a:off x="0" y="0"/>
+          <a:ext cx="0" cy="0"/>
+          <a:chOff x="0" y="0"/>
+          <a:chExt cx="0" cy="0"/>
+        </a:xfrm>
+      </p:grpSpPr>
+      <p:sp>
+        <p:nvSpPr>
+          <p:cNvPr id="2" name="Title 1"/>
+          <p:cNvSpPr>
+            <a:spLocks noGrp="1"/>
+          </p:cNvSpPr>
+          <p:nvPr>
+            <p:ph type="title"/>
+          </p:nvPr>
+        </p:nvSpPr>
+        <p:spPr>
+          <a:xfrm>
+            <a:off x="649488" y="5204962"/>
+            <a:ext cx="8534400" cy="1507067"/>
+          </a:xfrm>
+        </p:spPr>
+        <p:txBody>
+          <a:bodyPr/>
+          <a:lstStyle/>
+          <a:p>
+            <a:r>
+              <a:rPr lang="en-US" dirty="0"/>
+              <a:t>The retry logic</a:t>
+            </a:r>
+            <a:br>
+              <a:rPr lang="en-US" dirty="0"/>
+            </a:br>
+            <a:r>
+              <a:rPr lang="en-US" dirty="0"/>
+              <a:t>for </a:t>
+            </a:r>
+            <a:r>
+              <a:rPr lang="en-US" dirty="0" err="1"/>
+              <a:t>BackgroundSync</a:t>
+            </a:r>
+            <a:endParaRPr lang="en-US" dirty="0"/>
+          </a:p>
+        </p:txBody>
+      </p:sp>
+      <p:pic>
+        <p:nvPicPr>
+          <p:cNvPr id="4" name="Content Placeholder 3"/>
+          <p:cNvPicPr>
+            <a:picLocks noGrp="1" noChangeAspect="1"/>
+          </p:cNvPicPr>
+          <p:nvPr>
+            <p:ph idx="1"/>
+          </p:nvPr>
+        </p:nvPicPr>
+        <p:blipFill>
+          <a:blip r:embed="rId2">
+            <a:extLst>
+              <a:ext uri="{28A0092B-C50C-407E-A947-70E740481C1C}">
+                <a14:useLocalDpi xmlns:a14="http://schemas.microsoft.com/office/drawing/2010/main" val="0"/>
+              </a:ext>
+            </a:extLst>
+          </a:blip>
+          <a:stretch>
+            <a:fillRect/>
+          </a:stretch>
+        </p:blipFill>
+        <p:spPr>
+          <a:xfrm>
+            <a:off x="649488" y="176513"/>
+            <a:ext cx="9681898" cy="4926123"/>
+          </a:xfrm>
+        </p:spPr>
+      </p:pic>
+    </p:spTree>
+    <p:extLst>
+      <p:ext uri="{BB962C8B-B14F-4D97-AF65-F5344CB8AC3E}">
+        <p14:creationId xmlns:p14="http://schemas.microsoft.com/office/powerpoint/2010/main" val="3440268268"/>
       </p:ext>
     </p:extLst>
   </p:cSld>

--- a/ProgressiveWebApp/PWA.pptx
+++ b/ProgressiveWebApp/PWA.pptx
@@ -6815,6 +6815,13 @@
   <p:clrMapOvr>
     <a:masterClrMapping/>
   </p:clrMapOvr>
+  <p:timing>
+    <p:tnLst>
+      <p:par>
+        <p:cTn id="1" dur="indefinite" restart="never" nodeType="tmRoot"/>
+      </p:par>
+    </p:tnLst>
+  </p:timing>
 </p:sld>
 </file>
 

--- a/ProgressiveWebApp/PWA.pptx
+++ b/ProgressiveWebApp/PWA.pptx
@@ -212,7 +212,7 @@
           <a:p>
             <a:fld id="{C72D6864-BB37-41A0-8C8D-E8C9E6E86ABA}" type="datetimeFigureOut">
               <a:rPr lang="en-US" smtClean="0"/>
-              <a:t>1/16/2019</a:t>
+              <a:t>2/25/2019</a:t>
             </a:fld>
             <a:endParaRPr lang="en-US"/>
           </a:p>
@@ -754,7 +754,7 @@
           <a:p>
             <a:fld id="{C04051DA-BB6C-4F90-AE63-86FA0FBECCA9}" type="datetimeFigureOut">
               <a:rPr lang="en-US" smtClean="0"/>
-              <a:t>1/16/2019</a:t>
+              <a:t>2/25/2019</a:t>
             </a:fld>
             <a:endParaRPr lang="en-US"/>
           </a:p>
@@ -1190,7 +1190,7 @@
           <a:p>
             <a:fld id="{C04051DA-BB6C-4F90-AE63-86FA0FBECCA9}" type="datetimeFigureOut">
               <a:rPr lang="en-US" smtClean="0"/>
-              <a:t>1/16/2019</a:t>
+              <a:t>2/25/2019</a:t>
             </a:fld>
             <a:endParaRPr lang="en-US"/>
           </a:p>
@@ -1440,7 +1440,7 @@
           <a:p>
             <a:fld id="{C04051DA-BB6C-4F90-AE63-86FA0FBECCA9}" type="datetimeFigureOut">
               <a:rPr lang="en-US" smtClean="0"/>
-              <a:t>1/16/2019</a:t>
+              <a:t>2/25/2019</a:t>
             </a:fld>
             <a:endParaRPr lang="en-US"/>
           </a:p>
@@ -1748,7 +1748,7 @@
           <a:p>
             <a:fld id="{C04051DA-BB6C-4F90-AE63-86FA0FBECCA9}" type="datetimeFigureOut">
               <a:rPr lang="en-US" smtClean="0"/>
-              <a:t>1/16/2019</a:t>
+              <a:t>2/25/2019</a:t>
             </a:fld>
             <a:endParaRPr lang="en-US"/>
           </a:p>
@@ -2066,7 +2066,7 @@
           <a:p>
             <a:fld id="{C04051DA-BB6C-4F90-AE63-86FA0FBECCA9}" type="datetimeFigureOut">
               <a:rPr lang="en-US" smtClean="0"/>
-              <a:t>1/16/2019</a:t>
+              <a:t>2/25/2019</a:t>
             </a:fld>
             <a:endParaRPr lang="en-US"/>
           </a:p>
@@ -2368,7 +2368,7 @@
           <a:p>
             <a:fld id="{C04051DA-BB6C-4F90-AE63-86FA0FBECCA9}" type="datetimeFigureOut">
               <a:rPr lang="en-US" smtClean="0"/>
-              <a:t>1/16/2019</a:t>
+              <a:t>2/25/2019</a:t>
             </a:fld>
             <a:endParaRPr lang="en-US"/>
           </a:p>
@@ -2735,7 +2735,7 @@
           <a:p>
             <a:fld id="{C04051DA-BB6C-4F90-AE63-86FA0FBECCA9}" type="datetimeFigureOut">
               <a:rPr lang="en-US" smtClean="0"/>
-              <a:t>1/16/2019</a:t>
+              <a:t>2/25/2019</a:t>
             </a:fld>
             <a:endParaRPr lang="en-US"/>
           </a:p>
@@ -2909,7 +2909,7 @@
           <a:p>
             <a:fld id="{C04051DA-BB6C-4F90-AE63-86FA0FBECCA9}" type="datetimeFigureOut">
               <a:rPr lang="en-US" smtClean="0"/>
-              <a:t>1/16/2019</a:t>
+              <a:t>2/25/2019</a:t>
             </a:fld>
             <a:endParaRPr lang="en-US"/>
           </a:p>
@@ -3089,7 +3089,7 @@
           <a:p>
             <a:fld id="{C04051DA-BB6C-4F90-AE63-86FA0FBECCA9}" type="datetimeFigureOut">
               <a:rPr lang="en-US" smtClean="0"/>
-              <a:t>1/16/2019</a:t>
+              <a:t>2/25/2019</a:t>
             </a:fld>
             <a:endParaRPr lang="en-US"/>
           </a:p>
@@ -3259,7 +3259,7 @@
           <a:p>
             <a:fld id="{C04051DA-BB6C-4F90-AE63-86FA0FBECCA9}" type="datetimeFigureOut">
               <a:rPr lang="en-US" smtClean="0"/>
-              <a:t>1/16/2019</a:t>
+              <a:t>2/25/2019</a:t>
             </a:fld>
             <a:endParaRPr lang="en-US"/>
           </a:p>
@@ -3509,7 +3509,7 @@
           <a:p>
             <a:fld id="{C04051DA-BB6C-4F90-AE63-86FA0FBECCA9}" type="datetimeFigureOut">
               <a:rPr lang="en-US" smtClean="0"/>
-              <a:t>1/16/2019</a:t>
+              <a:t>2/25/2019</a:t>
             </a:fld>
             <a:endParaRPr lang="en-US"/>
           </a:p>
@@ -3745,7 +3745,7 @@
           <a:p>
             <a:fld id="{C04051DA-BB6C-4F90-AE63-86FA0FBECCA9}" type="datetimeFigureOut">
               <a:rPr lang="en-US" smtClean="0"/>
-              <a:t>1/16/2019</a:t>
+              <a:t>2/25/2019</a:t>
             </a:fld>
             <a:endParaRPr lang="en-US"/>
           </a:p>
@@ -4127,7 +4127,7 @@
           <a:p>
             <a:fld id="{C04051DA-BB6C-4F90-AE63-86FA0FBECCA9}" type="datetimeFigureOut">
               <a:rPr lang="en-US" smtClean="0"/>
-              <a:t>1/16/2019</a:t>
+              <a:t>2/25/2019</a:t>
             </a:fld>
             <a:endParaRPr lang="en-US"/>
           </a:p>
@@ -4245,7 +4245,7 @@
           <a:p>
             <a:fld id="{C04051DA-BB6C-4F90-AE63-86FA0FBECCA9}" type="datetimeFigureOut">
               <a:rPr lang="en-US" smtClean="0"/>
-              <a:t>1/16/2019</a:t>
+              <a:t>2/25/2019</a:t>
             </a:fld>
             <a:endParaRPr lang="en-US"/>
           </a:p>
@@ -4340,7 +4340,7 @@
           <a:p>
             <a:fld id="{C04051DA-BB6C-4F90-AE63-86FA0FBECCA9}" type="datetimeFigureOut">
               <a:rPr lang="en-US" smtClean="0"/>
-              <a:t>1/16/2019</a:t>
+              <a:t>2/25/2019</a:t>
             </a:fld>
             <a:endParaRPr lang="en-US"/>
           </a:p>
@@ -4595,7 +4595,7 @@
           <a:p>
             <a:fld id="{C04051DA-BB6C-4F90-AE63-86FA0FBECCA9}" type="datetimeFigureOut">
               <a:rPr lang="en-US" smtClean="0"/>
-              <a:t>1/16/2019</a:t>
+              <a:t>2/25/2019</a:t>
             </a:fld>
             <a:endParaRPr lang="en-US"/>
           </a:p>
@@ -4878,7 +4878,7 @@
           <a:p>
             <a:fld id="{C04051DA-BB6C-4F90-AE63-86FA0FBECCA9}" type="datetimeFigureOut">
               <a:rPr lang="en-US" smtClean="0"/>
-              <a:t>1/16/2019</a:t>
+              <a:t>2/25/2019</a:t>
             </a:fld>
             <a:endParaRPr lang="en-US"/>
           </a:p>
@@ -5284,7 +5284,7 @@
           <a:p>
             <a:fld id="{C04051DA-BB6C-4F90-AE63-86FA0FBECCA9}" type="datetimeFigureOut">
               <a:rPr lang="en-US" smtClean="0"/>
-              <a:t>1/16/2019</a:t>
+              <a:t>2/25/2019</a:t>
             </a:fld>
             <a:endParaRPr lang="en-US"/>
           </a:p>
@@ -5824,7 +5824,7 @@
           <p:cNvPr id="2" name="Title 1">
             <a:extLst>
               <a:ext uri="{FF2B5EF4-FFF2-40B4-BE49-F238E27FC236}">
-                <a16:creationId xmlns:a16="http://schemas.microsoft.com/office/drawing/2014/main" xmlns="" id="{1DEC1DD5-CABD-4CE3-BAAC-EDF7607001A4}"/>
+                <a16:creationId xmlns:a16="http://schemas.microsoft.com/office/drawing/2014/main" id="{1DEC1DD5-CABD-4CE3-BAAC-EDF7607001A4}"/>
               </a:ext>
             </a:extLst>
           </p:cNvPr>
@@ -5852,7 +5852,7 @@
           <p:cNvPr id="3" name="Subtitle 2">
             <a:extLst>
               <a:ext uri="{FF2B5EF4-FFF2-40B4-BE49-F238E27FC236}">
-                <a16:creationId xmlns:a16="http://schemas.microsoft.com/office/drawing/2014/main" xmlns="" id="{B6A676DF-C18E-4D54-8352-938FA317F453}"/>
+                <a16:creationId xmlns:a16="http://schemas.microsoft.com/office/drawing/2014/main" id="{B6A676DF-C18E-4D54-8352-938FA317F453}"/>
               </a:ext>
             </a:extLst>
           </p:cNvPr>
@@ -5882,6 +5882,18 @@
   <p:clrMapOvr>
     <a:masterClrMapping/>
   </p:clrMapOvr>
+  <mc:AlternateContent xmlns:mc="http://schemas.openxmlformats.org/markup-compatibility/2006">
+    <mc:Choice xmlns:p159="http://schemas.microsoft.com/office/powerpoint/2015/09/main" Requires="p159">
+      <p:transition spd="slow">
+        <p159:morph option="byObject"/>
+      </p:transition>
+    </mc:Choice>
+    <mc:Fallback>
+      <p:transition spd="slow">
+        <p:fade/>
+      </p:transition>
+    </mc:Fallback>
+  </mc:AlternateContent>
 </p:sld>
 </file>
 
@@ -5907,7 +5919,7 @@
           <p:cNvPr id="2" name="Title 1">
             <a:extLst>
               <a:ext uri="{FF2B5EF4-FFF2-40B4-BE49-F238E27FC236}">
-                <a16:creationId xmlns:a16="http://schemas.microsoft.com/office/drawing/2014/main" xmlns="" id="{4C563FB7-B9B0-4A8B-A4AB-449E119AE454}"/>
+                <a16:creationId xmlns:a16="http://schemas.microsoft.com/office/drawing/2014/main" id="{4C563FB7-B9B0-4A8B-A4AB-449E119AE454}"/>
               </a:ext>
             </a:extLst>
           </p:cNvPr>
@@ -5940,7 +5952,7 @@
           <p:cNvPr id="6" name="Content Placeholder 5">
             <a:extLst>
               <a:ext uri="{FF2B5EF4-FFF2-40B4-BE49-F238E27FC236}">
-                <a16:creationId xmlns:a16="http://schemas.microsoft.com/office/drawing/2014/main" xmlns="" id="{DEE54AF1-098B-421B-B35F-D03D5723B00C}"/>
+                <a16:creationId xmlns:a16="http://schemas.microsoft.com/office/drawing/2014/main" id="{DEE54AF1-098B-421B-B35F-D03D5723B00C}"/>
               </a:ext>
             </a:extLst>
           </p:cNvPr>
@@ -5980,6 +5992,18 @@
   <p:clrMapOvr>
     <a:masterClrMapping/>
   </p:clrMapOvr>
+  <mc:AlternateContent xmlns:mc="http://schemas.openxmlformats.org/markup-compatibility/2006">
+    <mc:Choice xmlns:p159="http://schemas.microsoft.com/office/powerpoint/2015/09/main" Requires="p159">
+      <p:transition spd="slow">
+        <p159:morph option="byObject"/>
+      </p:transition>
+    </mc:Choice>
+    <mc:Fallback>
+      <p:transition spd="slow">
+        <p:fade/>
+      </p:transition>
+    </mc:Fallback>
+  </mc:AlternateContent>
 </p:sld>
 </file>
 
@@ -6005,7 +6029,7 @@
           <p:cNvPr id="2" name="Title 1">
             <a:extLst>
               <a:ext uri="{FF2B5EF4-FFF2-40B4-BE49-F238E27FC236}">
-                <a16:creationId xmlns:a16="http://schemas.microsoft.com/office/drawing/2014/main" xmlns="" id="{1CE5E76C-50B9-4A9E-A76E-FDB8153F0A7A}"/>
+                <a16:creationId xmlns:a16="http://schemas.microsoft.com/office/drawing/2014/main" id="{1CE5E76C-50B9-4A9E-A76E-FDB8153F0A7A}"/>
               </a:ext>
             </a:extLst>
           </p:cNvPr>
@@ -6042,7 +6066,7 @@
           <p:cNvPr id="3" name="Content Placeholder 2">
             <a:extLst>
               <a:ext uri="{FF2B5EF4-FFF2-40B4-BE49-F238E27FC236}">
-                <a16:creationId xmlns:a16="http://schemas.microsoft.com/office/drawing/2014/main" xmlns="" id="{48F2C5EF-27DF-4405-B689-B76C63BA4D19}"/>
+                <a16:creationId xmlns:a16="http://schemas.microsoft.com/office/drawing/2014/main" id="{48F2C5EF-27DF-4405-B689-B76C63BA4D19}"/>
               </a:ext>
             </a:extLst>
           </p:cNvPr>
@@ -6104,7 +6128,7 @@
           <p:cNvPr id="9" name="Picture 8">
             <a:extLst>
               <a:ext uri="{FF2B5EF4-FFF2-40B4-BE49-F238E27FC236}">
-                <a16:creationId xmlns:a16="http://schemas.microsoft.com/office/drawing/2014/main" xmlns="" id="{CD2C4364-711E-460D-9CEB-9A4EB69FCDD5}"/>
+                <a16:creationId xmlns:a16="http://schemas.microsoft.com/office/drawing/2014/main" id="{CD2C4364-711E-460D-9CEB-9A4EB69FCDD5}"/>
               </a:ext>
             </a:extLst>
           </p:cNvPr>
@@ -6145,6 +6169,18 @@
   <p:clrMapOvr>
     <a:masterClrMapping/>
   </p:clrMapOvr>
+  <mc:AlternateContent xmlns:mc="http://schemas.openxmlformats.org/markup-compatibility/2006">
+    <mc:Choice xmlns:p159="http://schemas.microsoft.com/office/powerpoint/2015/09/main" Requires="p159">
+      <p:transition spd="slow">
+        <p159:morph option="byObject"/>
+      </p:transition>
+    </mc:Choice>
+    <mc:Fallback>
+      <p:transition spd="slow">
+        <p:fade/>
+      </p:transition>
+    </mc:Fallback>
+  </mc:AlternateContent>
 </p:sld>
 </file>
 
@@ -6221,6 +6257,18 @@
   <p:clrMapOvr>
     <a:masterClrMapping/>
   </p:clrMapOvr>
+  <mc:AlternateContent xmlns:mc="http://schemas.openxmlformats.org/markup-compatibility/2006">
+    <mc:Choice xmlns:p159="http://schemas.microsoft.com/office/powerpoint/2015/09/main" Requires="p159">
+      <p:transition spd="slow">
+        <p159:morph option="byObject"/>
+      </p:transition>
+    </mc:Choice>
+    <mc:Fallback>
+      <p:transition spd="slow">
+        <p:fade/>
+      </p:transition>
+    </mc:Fallback>
+  </mc:AlternateContent>
 </p:sld>
 </file>
 
@@ -6257,10 +6305,9 @@
           <a:lstStyle/>
           <a:p>
             <a:r>
-              <a:rPr lang="en-US" dirty="0" smtClean="0"/>
+              <a:rPr lang="en-US" dirty="0"/>
               <a:t>PUSH NOTIFICATION</a:t>
             </a:r>
-            <a:endParaRPr lang="en-US" dirty="0"/>
           </a:p>
         </p:txBody>
       </p:sp>
@@ -6303,6 +6350,18 @@
   <p:clrMapOvr>
     <a:masterClrMapping/>
   </p:clrMapOvr>
+  <mc:AlternateContent xmlns:mc="http://schemas.openxmlformats.org/markup-compatibility/2006">
+    <mc:Choice xmlns:p159="http://schemas.microsoft.com/office/powerpoint/2015/09/main" Requires="p159">
+      <p:transition spd="slow">
+        <p159:morph option="byObject"/>
+      </p:transition>
+    </mc:Choice>
+    <mc:Fallback>
+      <p:transition spd="slow">
+        <p:fade/>
+      </p:transition>
+    </mc:Fallback>
+  </mc:AlternateContent>
 </p:sld>
 </file>
 
@@ -6328,7 +6387,7 @@
           <p:cNvPr id="2" name="Title 1">
             <a:extLst>
               <a:ext uri="{FF2B5EF4-FFF2-40B4-BE49-F238E27FC236}">
-                <a16:creationId xmlns:a16="http://schemas.microsoft.com/office/drawing/2014/main" xmlns="" id="{9A417A89-8E44-44F6-B308-9426FD4B50F0}"/>
+                <a16:creationId xmlns:a16="http://schemas.microsoft.com/office/drawing/2014/main" id="{9A417A89-8E44-44F6-B308-9426FD4B50F0}"/>
               </a:ext>
             </a:extLst>
           </p:cNvPr>
@@ -6361,7 +6420,7 @@
           <p:cNvPr id="3" name="Content Placeholder 2">
             <a:extLst>
               <a:ext uri="{FF2B5EF4-FFF2-40B4-BE49-F238E27FC236}">
-                <a16:creationId xmlns:a16="http://schemas.microsoft.com/office/drawing/2014/main" xmlns="" id="{351E42AA-F625-464F-91D8-85ACA3C07519}"/>
+                <a16:creationId xmlns:a16="http://schemas.microsoft.com/office/drawing/2014/main" id="{351E42AA-F625-464F-91D8-85ACA3C07519}"/>
               </a:ext>
             </a:extLst>
           </p:cNvPr>
@@ -6387,14 +6446,6 @@
             <a:pPr marL="0" indent="0">
               <a:buNone/>
             </a:pPr>
-            <a:r>
-              <a:rPr lang="en-US" dirty="0">
-                <a:solidFill>
-                  <a:schemeClr val="tx1"/>
-                </a:solidFill>
-              </a:rPr>
-              <a:t/>
-            </a:r>
             <a:br>
               <a:rPr lang="en-US" dirty="0">
                 <a:solidFill>
@@ -6432,22 +6483,14 @@
           <a:lstStyle/>
           <a:p>
             <a:r>
-              <a:rPr lang="en-US" smtClean="0"/>
-              <a:t>* VAPID </a:t>
-            </a:r>
-            <a:r>
               <a:rPr lang="en-US" dirty="0"/>
-              <a:t>protocol: is short for Voluntary Application Server Identification. It’s a specification that defines a handshake between your app server and the push service and allows the push service to confirm which site is sending messages.</a:t>
+              <a:t>* VAPID protocol: is short for Voluntary Application Server Identification. It’s a specification that defines a handshake between your app server and the push service and allows the push service to confirm which site is sending messages.</a:t>
             </a:r>
           </a:p>
           <a:p>
             <a:r>
               <a:rPr lang="en-US" dirty="0"/>
-              <a:t>Push Notification Implementation step</a:t>
-            </a:r>
-            <a:r>
-              <a:rPr lang="en-US" dirty="0" smtClean="0"/>
-              <a:t>:</a:t>
+              <a:t>Push Notification Implementation step:</a:t>
             </a:r>
           </a:p>
           <a:p>
@@ -6480,11 +6523,7 @@
             </a:pPr>
             <a:r>
               <a:rPr lang="en-US" dirty="0"/>
-              <a:t>The service worker JavaScript file that will receive a "push event" when the push arrives on the device. It's in this JavaScript that you'll be able to show a notification</a:t>
-            </a:r>
-            <a:r>
-              <a:rPr lang="en-US" dirty="0" smtClean="0"/>
-              <a:t>.</a:t>
+              <a:t>The service worker JavaScript file that will receive a "push event" when the push arrives on the device. It's in this JavaScript that you'll be able to show a notification.</a:t>
             </a:r>
           </a:p>
           <a:p>
@@ -6496,10 +6535,9 @@
           </a:p>
           <a:p>
             <a:r>
-              <a:rPr lang="en-US" dirty="0" smtClean="0"/>
+              <a:rPr lang="en-US" dirty="0"/>
               <a:t>* Demo</a:t>
             </a:r>
-            <a:endParaRPr lang="en-US" dirty="0"/>
           </a:p>
         </p:txBody>
       </p:sp>
@@ -6513,10 +6551,143 @@
   <p:clrMapOvr>
     <a:masterClrMapping/>
   </p:clrMapOvr>
+  <mc:AlternateContent xmlns:mc="http://schemas.openxmlformats.org/markup-compatibility/2006">
+    <mc:Choice xmlns:p159="http://schemas.microsoft.com/office/powerpoint/2015/09/main" Requires="p159">
+      <p:transition spd="slow">
+        <p159:morph option="byObject"/>
+      </p:transition>
+    </mc:Choice>
+    <mc:Fallback>
+      <p:transition spd="slow">
+        <p:fade/>
+      </p:transition>
+    </mc:Fallback>
+  </mc:AlternateContent>
   <p:timing>
     <p:tnLst>
       <p:par>
-        <p:cTn id="1" dur="indefinite" restart="never" nodeType="tmRoot"/>
+        <p:cTn id="1" dur="indefinite" restart="never" nodeType="tmRoot">
+          <p:childTnLst>
+            <p:seq concurrent="1" nextAc="seek">
+              <p:cTn id="2" dur="indefinite" nodeType="mainSeq">
+                <p:childTnLst>
+                  <p:par>
+                    <p:cTn id="3" fill="hold">
+                      <p:stCondLst>
+                        <p:cond delay="indefinite"/>
+                      </p:stCondLst>
+                      <p:childTnLst>
+                        <p:par>
+                          <p:cTn id="4" fill="hold">
+                            <p:stCondLst>
+                              <p:cond delay="0"/>
+                            </p:stCondLst>
+                            <p:childTnLst>
+                              <p:par>
+                                <p:cTn id="5" presetID="1" presetClass="entr" presetSubtype="0" fill="hold" nodeType="clickEffect">
+                                  <p:stCondLst>
+                                    <p:cond delay="0"/>
+                                  </p:stCondLst>
+                                  <p:childTnLst>
+                                    <p:set>
+                                      <p:cBhvr>
+                                        <p:cTn id="6" dur="1" fill="hold">
+                                          <p:stCondLst>
+                                            <p:cond delay="0"/>
+                                          </p:stCondLst>
+                                        </p:cTn>
+                                        <p:tgtEl>
+                                          <p:spTgt spid="6">
+                                            <p:txEl>
+                                              <p:pRg st="4" end="4"/>
+                                            </p:txEl>
+                                          </p:spTgt>
+                                        </p:tgtEl>
+                                        <p:attrNameLst>
+                                          <p:attrName>style.visibility</p:attrName>
+                                        </p:attrNameLst>
+                                      </p:cBhvr>
+                                      <p:to>
+                                        <p:strVal val="visible"/>
+                                      </p:to>
+                                    </p:set>
+                                  </p:childTnLst>
+                                </p:cTn>
+                              </p:par>
+                            </p:childTnLst>
+                          </p:cTn>
+                        </p:par>
+                      </p:childTnLst>
+                    </p:cTn>
+                  </p:par>
+                  <p:par>
+                    <p:cTn id="7" fill="hold">
+                      <p:stCondLst>
+                        <p:cond delay="indefinite"/>
+                      </p:stCondLst>
+                      <p:childTnLst>
+                        <p:par>
+                          <p:cTn id="8" fill="hold">
+                            <p:stCondLst>
+                              <p:cond delay="0"/>
+                            </p:stCondLst>
+                            <p:childTnLst>
+                              <p:par>
+                                <p:cTn id="9" presetID="1" presetClass="entr" presetSubtype="0" fill="hold" nodeType="clickEffect">
+                                  <p:stCondLst>
+                                    <p:cond delay="0"/>
+                                  </p:stCondLst>
+                                  <p:childTnLst>
+                                    <p:set>
+                                      <p:cBhvr>
+                                        <p:cTn id="10" dur="1" fill="hold">
+                                          <p:stCondLst>
+                                            <p:cond delay="0"/>
+                                          </p:stCondLst>
+                                        </p:cTn>
+                                        <p:tgtEl>
+                                          <p:spTgt spid="6">
+                                            <p:txEl>
+                                              <p:pRg st="5" end="5"/>
+                                            </p:txEl>
+                                          </p:spTgt>
+                                        </p:tgtEl>
+                                        <p:attrNameLst>
+                                          <p:attrName>style.visibility</p:attrName>
+                                        </p:attrNameLst>
+                                      </p:cBhvr>
+                                      <p:to>
+                                        <p:strVal val="visible"/>
+                                      </p:to>
+                                    </p:set>
+                                  </p:childTnLst>
+                                </p:cTn>
+                              </p:par>
+                            </p:childTnLst>
+                          </p:cTn>
+                        </p:par>
+                      </p:childTnLst>
+                    </p:cTn>
+                  </p:par>
+                </p:childTnLst>
+              </p:cTn>
+              <p:prevCondLst>
+                <p:cond evt="onPrev" delay="0">
+                  <p:tgtEl>
+                    <p:sldTgt/>
+                  </p:tgtEl>
+                </p:cond>
+              </p:prevCondLst>
+              <p:nextCondLst>
+                <p:cond evt="onNext" delay="0">
+                  <p:tgtEl>
+                    <p:sldTgt/>
+                  </p:tgtEl>
+                </p:cond>
+              </p:nextCondLst>
+            </p:seq>
+          </p:childTnLst>
+        </p:cTn>
       </p:par>
     </p:tnLst>
   </p:timing>
@@ -6556,10 +6727,9 @@
           <a:lstStyle/>
           <a:p>
             <a:r>
-              <a:rPr lang="en-US" dirty="0" smtClean="0"/>
+              <a:rPr lang="en-US" dirty="0"/>
               <a:t>Background sync &amp; Index DB</a:t>
             </a:r>
-            <a:endParaRPr lang="en-US" dirty="0"/>
           </a:p>
         </p:txBody>
       </p:sp>
@@ -6594,102 +6764,49 @@
                   <a:schemeClr val="tx1"/>
                 </a:solidFill>
               </a:rPr>
-              <a:t> is a new web API that lets you defer actions until the user has stable connectivity, which makes it great for ensuring that whatever the user wants to send is sent when they regain </a:t>
-            </a:r>
-            <a:r>
-              <a:rPr lang="en-US" dirty="0" smtClean="0">
-                <a:solidFill>
-                  <a:schemeClr val="tx1"/>
-                </a:solidFill>
-              </a:rPr>
-              <a:t>connectivity</a:t>
-            </a:r>
-          </a:p>
-          <a:p>
-            <a:endParaRPr lang="en-US" dirty="0" smtClean="0">
-              <a:solidFill>
-                <a:schemeClr val="tx1"/>
-              </a:solidFill>
-            </a:endParaRPr>
-          </a:p>
-          <a:p>
-            <a:r>
-              <a:rPr lang="en-US" dirty="0" err="1">
-                <a:solidFill>
-                  <a:schemeClr val="tx1"/>
-                </a:solidFill>
-              </a:rPr>
-              <a:t>IndexedDB</a:t>
-            </a:r>
-            <a:r>
-              <a:rPr lang="en-US" dirty="0">
-                <a:solidFill>
-                  <a:schemeClr val="tx1"/>
-                </a:solidFill>
-              </a:rPr>
-              <a:t> is a low-level API for client-side storage of significant amounts of </a:t>
-            </a:r>
-            <a:r>
-              <a:rPr lang="en-US" dirty="0" smtClean="0">
-                <a:solidFill>
-                  <a:schemeClr val="tx1"/>
-                </a:solidFill>
-              </a:rPr>
-              <a:t>structured data</a:t>
-            </a:r>
-            <a:r>
-              <a:rPr lang="en-US" dirty="0">
-                <a:solidFill>
-                  <a:schemeClr val="tx1"/>
-                </a:solidFill>
-              </a:rPr>
-              <a:t>, including files or blobs. This API uses indexes to enable </a:t>
-            </a:r>
-            <a:r>
-              <a:rPr lang="en-US" dirty="0" smtClean="0">
-                <a:solidFill>
-                  <a:schemeClr val="tx1"/>
-                </a:solidFill>
-              </a:rPr>
-              <a:t>high-performance searches </a:t>
-            </a:r>
-            <a:r>
-              <a:rPr lang="en-US" dirty="0">
-                <a:solidFill>
-                  <a:schemeClr val="tx1"/>
-                </a:solidFill>
-              </a:rPr>
-              <a:t>of this data. </a:t>
-            </a:r>
-            <a:r>
-              <a:rPr lang="en-US" dirty="0" err="1" smtClean="0">
-                <a:solidFill>
-                  <a:schemeClr val="tx1"/>
-                </a:solidFill>
-              </a:rPr>
-              <a:t>IndexedDB</a:t>
-            </a:r>
-            <a:r>
-              <a:rPr lang="en-US" dirty="0" smtClean="0">
-                <a:solidFill>
-                  <a:schemeClr val="tx1"/>
-                </a:solidFill>
-              </a:rPr>
-              <a:t> it’s </a:t>
-            </a:r>
-            <a:r>
-              <a:rPr lang="en-US" dirty="0">
-                <a:solidFill>
-                  <a:schemeClr val="tx1"/>
-                </a:solidFill>
-              </a:rPr>
-              <a:t>a better solution when it comes to large amounts of data.</a:t>
-            </a:r>
+              <a:t> is a new web API that lets you defer actions until the user has stable connectivity, which makes it great for ensuring that whatever the user wants to send is sent when they regain connectivity</a:t>
+            </a:r>
+          </a:p>
+          <a:p>
             <a:endParaRPr lang="en-US" dirty="0">
               <a:solidFill>
                 <a:schemeClr val="tx1"/>
               </a:solidFill>
             </a:endParaRPr>
+          </a:p>
+          <a:p>
+            <a:r>
+              <a:rPr lang="en-US" dirty="0" err="1">
+                <a:solidFill>
+                  <a:schemeClr val="tx1"/>
+                </a:solidFill>
+              </a:rPr>
+              <a:t>IndexedDB</a:t>
+            </a:r>
+            <a:r>
+              <a:rPr lang="en-US" dirty="0">
+                <a:solidFill>
+                  <a:schemeClr val="tx1"/>
+                </a:solidFill>
+              </a:rPr>
+              <a:t> is a low-level API for client-side storage of significant amounts of structured data, including files or blobs. This API uses indexes to enable high-performance searches of this data. </a:t>
+            </a:r>
+            <a:r>
+              <a:rPr lang="en-US" dirty="0" err="1">
+                <a:solidFill>
+                  <a:schemeClr val="tx1"/>
+                </a:solidFill>
+              </a:rPr>
+              <a:t>IndexedDB</a:t>
+            </a:r>
+            <a:r>
+              <a:rPr lang="en-US" dirty="0">
+                <a:solidFill>
+                  <a:schemeClr val="tx1"/>
+                </a:solidFill>
+              </a:rPr>
+              <a:t> it’s a better solution when it comes to large amounts of data.</a:t>
+            </a:r>
           </a:p>
           <a:p>
             <a:endParaRPr lang="en-US" dirty="0">
@@ -6710,12 +6827,99 @@
   <p:clrMapOvr>
     <a:masterClrMapping/>
   </p:clrMapOvr>
+  <mc:AlternateContent xmlns:mc="http://schemas.openxmlformats.org/markup-compatibility/2006">
+    <mc:Choice xmlns:p159="http://schemas.microsoft.com/office/powerpoint/2015/09/main" Requires="p159">
+      <p:transition spd="slow">
+        <p159:morph option="byObject"/>
+      </p:transition>
+    </mc:Choice>
+    <mc:Fallback>
+      <p:transition spd="slow">
+        <p:fade/>
+      </p:transition>
+    </mc:Fallback>
+  </mc:AlternateContent>
   <p:timing>
     <p:tnLst>
       <p:par>
-        <p:cTn id="1" dur="indefinite" restart="never" nodeType="tmRoot"/>
+        <p:cTn id="1" dur="indefinite" restart="never" nodeType="tmRoot">
+          <p:childTnLst>
+            <p:seq concurrent="1" nextAc="seek">
+              <p:cTn id="2" dur="indefinite" nodeType="mainSeq">
+                <p:childTnLst>
+                  <p:par>
+                    <p:cTn id="3" fill="hold">
+                      <p:stCondLst>
+                        <p:cond delay="indefinite"/>
+                      </p:stCondLst>
+                      <p:childTnLst>
+                        <p:par>
+                          <p:cTn id="4" fill="hold">
+                            <p:stCondLst>
+                              <p:cond delay="0"/>
+                            </p:stCondLst>
+                            <p:childTnLst>
+                              <p:par>
+                                <p:cTn id="5" presetID="1" presetClass="entr" presetSubtype="0" fill="hold" grpId="0" nodeType="clickEffect">
+                                  <p:stCondLst>
+                                    <p:cond delay="0"/>
+                                  </p:stCondLst>
+                                  <p:childTnLst>
+                                    <p:set>
+                                      <p:cBhvr>
+                                        <p:cTn id="6" dur="1" fill="hold">
+                                          <p:stCondLst>
+                                            <p:cond delay="0"/>
+                                          </p:stCondLst>
+                                        </p:cTn>
+                                        <p:tgtEl>
+                                          <p:spTgt spid="3">
+                                            <p:txEl>
+                                              <p:pRg st="2" end="2"/>
+                                            </p:txEl>
+                                          </p:spTgt>
+                                        </p:tgtEl>
+                                        <p:attrNameLst>
+                                          <p:attrName>style.visibility</p:attrName>
+                                        </p:attrNameLst>
+                                      </p:cBhvr>
+                                      <p:to>
+                                        <p:strVal val="visible"/>
+                                      </p:to>
+                                    </p:set>
+                                  </p:childTnLst>
+                                </p:cTn>
+                              </p:par>
+                            </p:childTnLst>
+                          </p:cTn>
+                        </p:par>
+                      </p:childTnLst>
+                    </p:cTn>
+                  </p:par>
+                </p:childTnLst>
+              </p:cTn>
+              <p:prevCondLst>
+                <p:cond evt="onPrev" delay="0">
+                  <p:tgtEl>
+                    <p:sldTgt/>
+                  </p:tgtEl>
+                </p:cond>
+              </p:prevCondLst>
+              <p:nextCondLst>
+                <p:cond evt="onNext" delay="0">
+                  <p:tgtEl>
+                    <p:sldTgt/>
+                  </p:tgtEl>
+                </p:cond>
+              </p:nextCondLst>
+            </p:seq>
+          </p:childTnLst>
+        </p:cTn>
       </p:par>
     </p:tnLst>
+    <p:bldLst>
+      <p:bldP spid="3" grpId="0" uiExpand="1" build="p"/>
+    </p:bldLst>
   </p:timing>
 </p:sld>
 </file>
@@ -6815,13 +7019,18 @@
   <p:clrMapOvr>
     <a:masterClrMapping/>
   </p:clrMapOvr>
-  <p:timing>
-    <p:tnLst>
-      <p:par>
-        <p:cTn id="1" dur="indefinite" restart="never" nodeType="tmRoot"/>
-      </p:par>
-    </p:tnLst>
-  </p:timing>
+  <mc:AlternateContent xmlns:mc="http://schemas.openxmlformats.org/markup-compatibility/2006">
+    <mc:Choice xmlns:p159="http://schemas.microsoft.com/office/powerpoint/2015/09/main" Requires="p159">
+      <p:transition spd="slow">
+        <p159:morph option="byObject"/>
+      </p:transition>
+    </mc:Choice>
+    <mc:Fallback>
+      <p:transition spd="slow">
+        <p:fade/>
+      </p:transition>
+    </mc:Fallback>
+  </mc:AlternateContent>
 </p:sld>
 </file>
 
@@ -6847,7 +7056,7 @@
           <p:cNvPr id="2" name="Title 1">
             <a:extLst>
               <a:ext uri="{FF2B5EF4-FFF2-40B4-BE49-F238E27FC236}">
-                <a16:creationId xmlns:a16="http://schemas.microsoft.com/office/drawing/2014/main" xmlns="" id="{43C726DE-43AE-4074-8247-C32968E8AF52}"/>
+                <a16:creationId xmlns:a16="http://schemas.microsoft.com/office/drawing/2014/main" id="{43C726DE-43AE-4074-8247-C32968E8AF52}"/>
               </a:ext>
             </a:extLst>
           </p:cNvPr>
@@ -6875,7 +7084,7 @@
           <p:cNvPr id="3" name="Content Placeholder 2">
             <a:extLst>
               <a:ext uri="{FF2B5EF4-FFF2-40B4-BE49-F238E27FC236}">
-                <a16:creationId xmlns:a16="http://schemas.microsoft.com/office/drawing/2014/main" xmlns="" id="{10E3FC0C-076C-491D-8372-24DDAECA570D}"/>
+                <a16:creationId xmlns:a16="http://schemas.microsoft.com/office/drawing/2014/main" id="{10E3FC0C-076C-491D-8372-24DDAECA570D}"/>
               </a:ext>
             </a:extLst>
           </p:cNvPr>
@@ -7030,6 +7239,492 @@
   <p:clrMapOvr>
     <a:masterClrMapping/>
   </p:clrMapOvr>
+  <mc:AlternateContent xmlns:mc="http://schemas.openxmlformats.org/markup-compatibility/2006">
+    <mc:Choice xmlns:p159="http://schemas.microsoft.com/office/powerpoint/2015/09/main" Requires="p159">
+      <p:transition spd="slow">
+        <p159:morph option="byObject"/>
+      </p:transition>
+    </mc:Choice>
+    <mc:Fallback>
+      <p:transition spd="slow">
+        <p:fade/>
+      </p:transition>
+    </mc:Fallback>
+  </mc:AlternateContent>
+  <p:timing>
+    <p:tnLst>
+      <p:par>
+        <p:cTn id="1" dur="indefinite" restart="never" nodeType="tmRoot">
+          <p:childTnLst>
+            <p:seq concurrent="1" nextAc="seek">
+              <p:cTn id="2" dur="indefinite" nodeType="mainSeq">
+                <p:childTnLst>
+                  <p:par>
+                    <p:cTn id="3" fill="hold">
+                      <p:stCondLst>
+                        <p:cond delay="indefinite"/>
+                      </p:stCondLst>
+                      <p:childTnLst>
+                        <p:par>
+                          <p:cTn id="4" fill="hold">
+                            <p:stCondLst>
+                              <p:cond delay="0"/>
+                            </p:stCondLst>
+                            <p:childTnLst>
+                              <p:par>
+                                <p:cTn id="5" presetID="1" presetClass="entr" presetSubtype="0" fill="hold" grpId="0" nodeType="clickEffect">
+                                  <p:stCondLst>
+                                    <p:cond delay="0"/>
+                                  </p:stCondLst>
+                                  <p:childTnLst>
+                                    <p:set>
+                                      <p:cBhvr>
+                                        <p:cTn id="6" dur="1" fill="hold">
+                                          <p:stCondLst>
+                                            <p:cond delay="0"/>
+                                          </p:stCondLst>
+                                        </p:cTn>
+                                        <p:tgtEl>
+                                          <p:spTgt spid="3">
+                                            <p:txEl>
+                                              <p:pRg st="1" end="1"/>
+                                            </p:txEl>
+                                          </p:spTgt>
+                                        </p:tgtEl>
+                                        <p:attrNameLst>
+                                          <p:attrName>style.visibility</p:attrName>
+                                        </p:attrNameLst>
+                                      </p:cBhvr>
+                                      <p:to>
+                                        <p:strVal val="visible"/>
+                                      </p:to>
+                                    </p:set>
+                                  </p:childTnLst>
+                                </p:cTn>
+                              </p:par>
+                            </p:childTnLst>
+                          </p:cTn>
+                        </p:par>
+                      </p:childTnLst>
+                    </p:cTn>
+                  </p:par>
+                  <p:par>
+                    <p:cTn id="7" fill="hold">
+                      <p:stCondLst>
+                        <p:cond delay="indefinite"/>
+                      </p:stCondLst>
+                      <p:childTnLst>
+                        <p:par>
+                          <p:cTn id="8" fill="hold">
+                            <p:stCondLst>
+                              <p:cond delay="0"/>
+                            </p:stCondLst>
+                            <p:childTnLst>
+                              <p:par>
+                                <p:cTn id="9" presetID="1" presetClass="entr" presetSubtype="0" fill="hold" grpId="0" nodeType="clickEffect">
+                                  <p:stCondLst>
+                                    <p:cond delay="0"/>
+                                  </p:stCondLst>
+                                  <p:childTnLst>
+                                    <p:set>
+                                      <p:cBhvr>
+                                        <p:cTn id="10" dur="1" fill="hold">
+                                          <p:stCondLst>
+                                            <p:cond delay="0"/>
+                                          </p:stCondLst>
+                                        </p:cTn>
+                                        <p:tgtEl>
+                                          <p:spTgt spid="3">
+                                            <p:txEl>
+                                              <p:pRg st="2" end="2"/>
+                                            </p:txEl>
+                                          </p:spTgt>
+                                        </p:tgtEl>
+                                        <p:attrNameLst>
+                                          <p:attrName>style.visibility</p:attrName>
+                                        </p:attrNameLst>
+                                      </p:cBhvr>
+                                      <p:to>
+                                        <p:strVal val="visible"/>
+                                      </p:to>
+                                    </p:set>
+                                  </p:childTnLst>
+                                </p:cTn>
+                              </p:par>
+                            </p:childTnLst>
+                          </p:cTn>
+                        </p:par>
+                      </p:childTnLst>
+                    </p:cTn>
+                  </p:par>
+                  <p:par>
+                    <p:cTn id="11" fill="hold">
+                      <p:stCondLst>
+                        <p:cond delay="indefinite"/>
+                      </p:stCondLst>
+                      <p:childTnLst>
+                        <p:par>
+                          <p:cTn id="12" fill="hold">
+                            <p:stCondLst>
+                              <p:cond delay="0"/>
+                            </p:stCondLst>
+                            <p:childTnLst>
+                              <p:par>
+                                <p:cTn id="13" presetID="1" presetClass="entr" presetSubtype="0" fill="hold" grpId="0" nodeType="clickEffect">
+                                  <p:stCondLst>
+                                    <p:cond delay="0"/>
+                                  </p:stCondLst>
+                                  <p:childTnLst>
+                                    <p:set>
+                                      <p:cBhvr>
+                                        <p:cTn id="14" dur="1" fill="hold">
+                                          <p:stCondLst>
+                                            <p:cond delay="0"/>
+                                          </p:stCondLst>
+                                        </p:cTn>
+                                        <p:tgtEl>
+                                          <p:spTgt spid="3">
+                                            <p:txEl>
+                                              <p:pRg st="3" end="3"/>
+                                            </p:txEl>
+                                          </p:spTgt>
+                                        </p:tgtEl>
+                                        <p:attrNameLst>
+                                          <p:attrName>style.visibility</p:attrName>
+                                        </p:attrNameLst>
+                                      </p:cBhvr>
+                                      <p:to>
+                                        <p:strVal val="visible"/>
+                                      </p:to>
+                                    </p:set>
+                                  </p:childTnLst>
+                                </p:cTn>
+                              </p:par>
+                            </p:childTnLst>
+                          </p:cTn>
+                        </p:par>
+                      </p:childTnLst>
+                    </p:cTn>
+                  </p:par>
+                  <p:par>
+                    <p:cTn id="15" fill="hold">
+                      <p:stCondLst>
+                        <p:cond delay="indefinite"/>
+                      </p:stCondLst>
+                      <p:childTnLst>
+                        <p:par>
+                          <p:cTn id="16" fill="hold">
+                            <p:stCondLst>
+                              <p:cond delay="0"/>
+                            </p:stCondLst>
+                            <p:childTnLst>
+                              <p:par>
+                                <p:cTn id="17" presetID="1" presetClass="entr" presetSubtype="0" fill="hold" grpId="0" nodeType="clickEffect">
+                                  <p:stCondLst>
+                                    <p:cond delay="0"/>
+                                  </p:stCondLst>
+                                  <p:childTnLst>
+                                    <p:set>
+                                      <p:cBhvr>
+                                        <p:cTn id="18" dur="1" fill="hold">
+                                          <p:stCondLst>
+                                            <p:cond delay="0"/>
+                                          </p:stCondLst>
+                                        </p:cTn>
+                                        <p:tgtEl>
+                                          <p:spTgt spid="3">
+                                            <p:txEl>
+                                              <p:pRg st="4" end="4"/>
+                                            </p:txEl>
+                                          </p:spTgt>
+                                        </p:tgtEl>
+                                        <p:attrNameLst>
+                                          <p:attrName>style.visibility</p:attrName>
+                                        </p:attrNameLst>
+                                      </p:cBhvr>
+                                      <p:to>
+                                        <p:strVal val="visible"/>
+                                      </p:to>
+                                    </p:set>
+                                  </p:childTnLst>
+                                </p:cTn>
+                              </p:par>
+                            </p:childTnLst>
+                          </p:cTn>
+                        </p:par>
+                      </p:childTnLst>
+                    </p:cTn>
+                  </p:par>
+                  <p:par>
+                    <p:cTn id="19" fill="hold">
+                      <p:stCondLst>
+                        <p:cond delay="indefinite"/>
+                      </p:stCondLst>
+                      <p:childTnLst>
+                        <p:par>
+                          <p:cTn id="20" fill="hold">
+                            <p:stCondLst>
+                              <p:cond delay="0"/>
+                            </p:stCondLst>
+                            <p:childTnLst>
+                              <p:par>
+                                <p:cTn id="21" presetID="1" presetClass="entr" presetSubtype="0" fill="hold" grpId="0" nodeType="clickEffect">
+                                  <p:stCondLst>
+                                    <p:cond delay="0"/>
+                                  </p:stCondLst>
+                                  <p:childTnLst>
+                                    <p:set>
+                                      <p:cBhvr>
+                                        <p:cTn id="22" dur="1" fill="hold">
+                                          <p:stCondLst>
+                                            <p:cond delay="0"/>
+                                          </p:stCondLst>
+                                        </p:cTn>
+                                        <p:tgtEl>
+                                          <p:spTgt spid="3">
+                                            <p:txEl>
+                                              <p:pRg st="5" end="5"/>
+                                            </p:txEl>
+                                          </p:spTgt>
+                                        </p:tgtEl>
+                                        <p:attrNameLst>
+                                          <p:attrName>style.visibility</p:attrName>
+                                        </p:attrNameLst>
+                                      </p:cBhvr>
+                                      <p:to>
+                                        <p:strVal val="visible"/>
+                                      </p:to>
+                                    </p:set>
+                                  </p:childTnLst>
+                                </p:cTn>
+                              </p:par>
+                            </p:childTnLst>
+                          </p:cTn>
+                        </p:par>
+                      </p:childTnLst>
+                    </p:cTn>
+                  </p:par>
+                  <p:par>
+                    <p:cTn id="23" fill="hold">
+                      <p:stCondLst>
+                        <p:cond delay="indefinite"/>
+                      </p:stCondLst>
+                      <p:childTnLst>
+                        <p:par>
+                          <p:cTn id="24" fill="hold">
+                            <p:stCondLst>
+                              <p:cond delay="0"/>
+                            </p:stCondLst>
+                            <p:childTnLst>
+                              <p:par>
+                                <p:cTn id="25" presetID="1" presetClass="entr" presetSubtype="0" fill="hold" grpId="0" nodeType="clickEffect">
+                                  <p:stCondLst>
+                                    <p:cond delay="0"/>
+                                  </p:stCondLst>
+                                  <p:childTnLst>
+                                    <p:set>
+                                      <p:cBhvr>
+                                        <p:cTn id="26" dur="1" fill="hold">
+                                          <p:stCondLst>
+                                            <p:cond delay="0"/>
+                                          </p:stCondLst>
+                                        </p:cTn>
+                                        <p:tgtEl>
+                                          <p:spTgt spid="3">
+                                            <p:txEl>
+                                              <p:pRg st="6" end="6"/>
+                                            </p:txEl>
+                                          </p:spTgt>
+                                        </p:tgtEl>
+                                        <p:attrNameLst>
+                                          <p:attrName>style.visibility</p:attrName>
+                                        </p:attrNameLst>
+                                      </p:cBhvr>
+                                      <p:to>
+                                        <p:strVal val="visible"/>
+                                      </p:to>
+                                    </p:set>
+                                  </p:childTnLst>
+                                </p:cTn>
+                              </p:par>
+                            </p:childTnLst>
+                          </p:cTn>
+                        </p:par>
+                      </p:childTnLst>
+                    </p:cTn>
+                  </p:par>
+                  <p:par>
+                    <p:cTn id="27" fill="hold">
+                      <p:stCondLst>
+                        <p:cond delay="indefinite"/>
+                      </p:stCondLst>
+                      <p:childTnLst>
+                        <p:par>
+                          <p:cTn id="28" fill="hold">
+                            <p:stCondLst>
+                              <p:cond delay="0"/>
+                            </p:stCondLst>
+                            <p:childTnLst>
+                              <p:par>
+                                <p:cTn id="29" presetID="1" presetClass="entr" presetSubtype="0" fill="hold" grpId="0" nodeType="clickEffect">
+                                  <p:stCondLst>
+                                    <p:cond delay="0"/>
+                                  </p:stCondLst>
+                                  <p:childTnLst>
+                                    <p:set>
+                                      <p:cBhvr>
+                                        <p:cTn id="30" dur="1" fill="hold">
+                                          <p:stCondLst>
+                                            <p:cond delay="0"/>
+                                          </p:stCondLst>
+                                        </p:cTn>
+                                        <p:tgtEl>
+                                          <p:spTgt spid="3">
+                                            <p:txEl>
+                                              <p:pRg st="7" end="7"/>
+                                            </p:txEl>
+                                          </p:spTgt>
+                                        </p:tgtEl>
+                                        <p:attrNameLst>
+                                          <p:attrName>style.visibility</p:attrName>
+                                        </p:attrNameLst>
+                                      </p:cBhvr>
+                                      <p:to>
+                                        <p:strVal val="visible"/>
+                                      </p:to>
+                                    </p:set>
+                                  </p:childTnLst>
+                                </p:cTn>
+                              </p:par>
+                            </p:childTnLst>
+                          </p:cTn>
+                        </p:par>
+                      </p:childTnLst>
+                    </p:cTn>
+                  </p:par>
+                  <p:par>
+                    <p:cTn id="31" fill="hold">
+                      <p:stCondLst>
+                        <p:cond delay="indefinite"/>
+                      </p:stCondLst>
+                      <p:childTnLst>
+                        <p:par>
+                          <p:cTn id="32" fill="hold">
+                            <p:stCondLst>
+                              <p:cond delay="0"/>
+                            </p:stCondLst>
+                            <p:childTnLst>
+                              <p:par>
+                                <p:cTn id="33" presetID="1" presetClass="entr" presetSubtype="0" fill="hold" grpId="0" nodeType="clickEffect">
+                                  <p:stCondLst>
+                                    <p:cond delay="0"/>
+                                  </p:stCondLst>
+                                  <p:childTnLst>
+                                    <p:set>
+                                      <p:cBhvr>
+                                        <p:cTn id="34" dur="1" fill="hold">
+                                          <p:stCondLst>
+                                            <p:cond delay="0"/>
+                                          </p:stCondLst>
+                                        </p:cTn>
+                                        <p:tgtEl>
+                                          <p:spTgt spid="3">
+                                            <p:txEl>
+                                              <p:pRg st="8" end="8"/>
+                                            </p:txEl>
+                                          </p:spTgt>
+                                        </p:tgtEl>
+                                        <p:attrNameLst>
+                                          <p:attrName>style.visibility</p:attrName>
+                                        </p:attrNameLst>
+                                      </p:cBhvr>
+                                      <p:to>
+                                        <p:strVal val="visible"/>
+                                      </p:to>
+                                    </p:set>
+                                  </p:childTnLst>
+                                </p:cTn>
+                              </p:par>
+                            </p:childTnLst>
+                          </p:cTn>
+                        </p:par>
+                      </p:childTnLst>
+                    </p:cTn>
+                  </p:par>
+                  <p:par>
+                    <p:cTn id="35" fill="hold">
+                      <p:stCondLst>
+                        <p:cond delay="indefinite"/>
+                      </p:stCondLst>
+                      <p:childTnLst>
+                        <p:par>
+                          <p:cTn id="36" fill="hold">
+                            <p:stCondLst>
+                              <p:cond delay="0"/>
+                            </p:stCondLst>
+                            <p:childTnLst>
+                              <p:par>
+                                <p:cTn id="37" presetID="1" presetClass="entr" presetSubtype="0" fill="hold" grpId="0" nodeType="clickEffect">
+                                  <p:stCondLst>
+                                    <p:cond delay="0"/>
+                                  </p:stCondLst>
+                                  <p:childTnLst>
+                                    <p:set>
+                                      <p:cBhvr>
+                                        <p:cTn id="38" dur="1" fill="hold">
+                                          <p:stCondLst>
+                                            <p:cond delay="0"/>
+                                          </p:stCondLst>
+                                        </p:cTn>
+                                        <p:tgtEl>
+                                          <p:spTgt spid="3">
+                                            <p:txEl>
+                                              <p:pRg st="9" end="9"/>
+                                            </p:txEl>
+                                          </p:spTgt>
+                                        </p:tgtEl>
+                                        <p:attrNameLst>
+                                          <p:attrName>style.visibility</p:attrName>
+                                        </p:attrNameLst>
+                                      </p:cBhvr>
+                                      <p:to>
+                                        <p:strVal val="visible"/>
+                                      </p:to>
+                                    </p:set>
+                                  </p:childTnLst>
+                                </p:cTn>
+                              </p:par>
+                            </p:childTnLst>
+                          </p:cTn>
+                        </p:par>
+                      </p:childTnLst>
+                    </p:cTn>
+                  </p:par>
+                </p:childTnLst>
+              </p:cTn>
+              <p:prevCondLst>
+                <p:cond evt="onPrev" delay="0">
+                  <p:tgtEl>
+                    <p:sldTgt/>
+                  </p:tgtEl>
+                </p:cond>
+              </p:prevCondLst>
+              <p:nextCondLst>
+                <p:cond evt="onNext" delay="0">
+                  <p:tgtEl>
+                    <p:sldTgt/>
+                  </p:tgtEl>
+                </p:cond>
+              </p:nextCondLst>
+            </p:seq>
+          </p:childTnLst>
+        </p:cTn>
+      </p:par>
+    </p:tnLst>
+    <p:bldLst>
+      <p:bldP spid="3" grpId="0" uiExpand="1" build="p"/>
+    </p:bldLst>
+  </p:timing>
 </p:sld>
 </file>
 
@@ -7055,7 +7750,7 @@
           <p:cNvPr id="2" name="Title 1">
             <a:extLst>
               <a:ext uri="{FF2B5EF4-FFF2-40B4-BE49-F238E27FC236}">
-                <a16:creationId xmlns:a16="http://schemas.microsoft.com/office/drawing/2014/main" xmlns="" id="{5B8E0E3C-7724-4C66-AFF5-DEE7E703DFD6}"/>
+                <a16:creationId xmlns:a16="http://schemas.microsoft.com/office/drawing/2014/main" id="{5B8E0E3C-7724-4C66-AFF5-DEE7E703DFD6}"/>
               </a:ext>
             </a:extLst>
           </p:cNvPr>
@@ -7101,7 +7796,7 @@
           <p:cNvPr id="3" name="Content Placeholder 2">
             <a:extLst>
               <a:ext uri="{FF2B5EF4-FFF2-40B4-BE49-F238E27FC236}">
-                <a16:creationId xmlns:a16="http://schemas.microsoft.com/office/drawing/2014/main" xmlns="" id="{4CC45F13-5C9B-49D4-8F3B-059D4CBDC62B}"/>
+                <a16:creationId xmlns:a16="http://schemas.microsoft.com/office/drawing/2014/main" id="{4CC45F13-5C9B-49D4-8F3B-059D4CBDC62B}"/>
               </a:ext>
             </a:extLst>
           </p:cNvPr>
@@ -7245,6 +7940,247 @@
   <p:clrMapOvr>
     <a:masterClrMapping/>
   </p:clrMapOvr>
+  <mc:AlternateContent xmlns:mc="http://schemas.openxmlformats.org/markup-compatibility/2006">
+    <mc:Choice xmlns:p159="http://schemas.microsoft.com/office/powerpoint/2015/09/main" Requires="p159">
+      <p:transition spd="slow">
+        <p159:morph option="byObject"/>
+      </p:transition>
+    </mc:Choice>
+    <mc:Fallback>
+      <p:transition spd="slow">
+        <p:fade/>
+      </p:transition>
+    </mc:Fallback>
+  </mc:AlternateContent>
+  <p:timing>
+    <p:tnLst>
+      <p:par>
+        <p:cTn id="1" dur="indefinite" restart="never" nodeType="tmRoot">
+          <p:childTnLst>
+            <p:seq concurrent="1" nextAc="seek">
+              <p:cTn id="2" dur="indefinite" nodeType="mainSeq">
+                <p:childTnLst>
+                  <p:par>
+                    <p:cTn id="3" fill="hold">
+                      <p:stCondLst>
+                        <p:cond delay="indefinite"/>
+                      </p:stCondLst>
+                      <p:childTnLst>
+                        <p:par>
+                          <p:cTn id="4" fill="hold">
+                            <p:stCondLst>
+                              <p:cond delay="0"/>
+                            </p:stCondLst>
+                            <p:childTnLst>
+                              <p:par>
+                                <p:cTn id="5" presetID="1" presetClass="entr" presetSubtype="0" fill="hold" grpId="0" nodeType="clickEffect">
+                                  <p:stCondLst>
+                                    <p:cond delay="0"/>
+                                  </p:stCondLst>
+                                  <p:childTnLst>
+                                    <p:set>
+                                      <p:cBhvr>
+                                        <p:cTn id="6" dur="1" fill="hold">
+                                          <p:stCondLst>
+                                            <p:cond delay="0"/>
+                                          </p:stCondLst>
+                                        </p:cTn>
+                                        <p:tgtEl>
+                                          <p:spTgt spid="3">
+                                            <p:txEl>
+                                              <p:pRg st="4" end="4"/>
+                                            </p:txEl>
+                                          </p:spTgt>
+                                        </p:tgtEl>
+                                        <p:attrNameLst>
+                                          <p:attrName>style.visibility</p:attrName>
+                                        </p:attrNameLst>
+                                      </p:cBhvr>
+                                      <p:to>
+                                        <p:strVal val="visible"/>
+                                      </p:to>
+                                    </p:set>
+                                  </p:childTnLst>
+                                </p:cTn>
+                              </p:par>
+                            </p:childTnLst>
+                          </p:cTn>
+                        </p:par>
+                      </p:childTnLst>
+                    </p:cTn>
+                  </p:par>
+                  <p:par>
+                    <p:cTn id="7" fill="hold">
+                      <p:stCondLst>
+                        <p:cond delay="indefinite"/>
+                      </p:stCondLst>
+                      <p:childTnLst>
+                        <p:par>
+                          <p:cTn id="8" fill="hold">
+                            <p:stCondLst>
+                              <p:cond delay="0"/>
+                            </p:stCondLst>
+                            <p:childTnLst>
+                              <p:par>
+                                <p:cTn id="9" presetID="1" presetClass="entr" presetSubtype="0" fill="hold" grpId="0" nodeType="clickEffect">
+                                  <p:stCondLst>
+                                    <p:cond delay="0"/>
+                                  </p:stCondLst>
+                                  <p:childTnLst>
+                                    <p:set>
+                                      <p:cBhvr>
+                                        <p:cTn id="10" dur="1" fill="hold">
+                                          <p:stCondLst>
+                                            <p:cond delay="0"/>
+                                          </p:stCondLst>
+                                        </p:cTn>
+                                        <p:tgtEl>
+                                          <p:spTgt spid="3">
+                                            <p:txEl>
+                                              <p:pRg st="5" end="5"/>
+                                            </p:txEl>
+                                          </p:spTgt>
+                                        </p:tgtEl>
+                                        <p:attrNameLst>
+                                          <p:attrName>style.visibility</p:attrName>
+                                        </p:attrNameLst>
+                                      </p:cBhvr>
+                                      <p:to>
+                                        <p:strVal val="visible"/>
+                                      </p:to>
+                                    </p:set>
+                                  </p:childTnLst>
+                                </p:cTn>
+                              </p:par>
+                            </p:childTnLst>
+                          </p:cTn>
+                        </p:par>
+                      </p:childTnLst>
+                    </p:cTn>
+                  </p:par>
+                  <p:par>
+                    <p:cTn id="11" fill="hold">
+                      <p:stCondLst>
+                        <p:cond delay="indefinite"/>
+                      </p:stCondLst>
+                      <p:childTnLst>
+                        <p:par>
+                          <p:cTn id="12" fill="hold">
+                            <p:stCondLst>
+                              <p:cond delay="0"/>
+                            </p:stCondLst>
+                            <p:childTnLst>
+                              <p:par>
+                                <p:cTn id="13" presetID="1" presetClass="entr" presetSubtype="0" fill="hold" grpId="0" nodeType="clickEffect">
+                                  <p:stCondLst>
+                                    <p:cond delay="0"/>
+                                  </p:stCondLst>
+                                  <p:childTnLst>
+                                    <p:set>
+                                      <p:cBhvr>
+                                        <p:cTn id="14" dur="1" fill="hold">
+                                          <p:stCondLst>
+                                            <p:cond delay="0"/>
+                                          </p:stCondLst>
+                                        </p:cTn>
+                                        <p:tgtEl>
+                                          <p:spTgt spid="3">
+                                            <p:txEl>
+                                              <p:pRg st="6" end="6"/>
+                                            </p:txEl>
+                                          </p:spTgt>
+                                        </p:tgtEl>
+                                        <p:attrNameLst>
+                                          <p:attrName>style.visibility</p:attrName>
+                                        </p:attrNameLst>
+                                      </p:cBhvr>
+                                      <p:to>
+                                        <p:strVal val="visible"/>
+                                      </p:to>
+                                    </p:set>
+                                  </p:childTnLst>
+                                </p:cTn>
+                              </p:par>
+                            </p:childTnLst>
+                          </p:cTn>
+                        </p:par>
+                      </p:childTnLst>
+                    </p:cTn>
+                  </p:par>
+                  <p:par>
+                    <p:cTn id="15" fill="hold">
+                      <p:stCondLst>
+                        <p:cond delay="indefinite"/>
+                      </p:stCondLst>
+                      <p:childTnLst>
+                        <p:par>
+                          <p:cTn id="16" fill="hold">
+                            <p:stCondLst>
+                              <p:cond delay="0"/>
+                            </p:stCondLst>
+                            <p:childTnLst>
+                              <p:par>
+                                <p:cTn id="17" presetID="1" presetClass="entr" presetSubtype="0" fill="hold" grpId="0" nodeType="clickEffect">
+                                  <p:stCondLst>
+                                    <p:cond delay="0"/>
+                                  </p:stCondLst>
+                                  <p:childTnLst>
+                                    <p:set>
+                                      <p:cBhvr>
+                                        <p:cTn id="18" dur="1" fill="hold">
+                                          <p:stCondLst>
+                                            <p:cond delay="0"/>
+                                          </p:stCondLst>
+                                        </p:cTn>
+                                        <p:tgtEl>
+                                          <p:spTgt spid="3">
+                                            <p:txEl>
+                                              <p:pRg st="7" end="7"/>
+                                            </p:txEl>
+                                          </p:spTgt>
+                                        </p:tgtEl>
+                                        <p:attrNameLst>
+                                          <p:attrName>style.visibility</p:attrName>
+                                        </p:attrNameLst>
+                                      </p:cBhvr>
+                                      <p:to>
+                                        <p:strVal val="visible"/>
+                                      </p:to>
+                                    </p:set>
+                                  </p:childTnLst>
+                                </p:cTn>
+                              </p:par>
+                            </p:childTnLst>
+                          </p:cTn>
+                        </p:par>
+                      </p:childTnLst>
+                    </p:cTn>
+                  </p:par>
+                </p:childTnLst>
+              </p:cTn>
+              <p:prevCondLst>
+                <p:cond evt="onPrev" delay="0">
+                  <p:tgtEl>
+                    <p:sldTgt/>
+                  </p:tgtEl>
+                </p:cond>
+              </p:prevCondLst>
+              <p:nextCondLst>
+                <p:cond evt="onNext" delay="0">
+                  <p:tgtEl>
+                    <p:sldTgt/>
+                  </p:tgtEl>
+                </p:cond>
+              </p:nextCondLst>
+            </p:seq>
+          </p:childTnLst>
+        </p:cTn>
+      </p:par>
+    </p:tnLst>
+    <p:bldLst>
+      <p:bldP spid="3" grpId="0" uiExpand="1" build="p"/>
+    </p:bldLst>
+  </p:timing>
 </p:sld>
 </file>
 
@@ -7270,7 +8206,7 @@
           <p:cNvPr id="2" name="Title 1">
             <a:extLst>
               <a:ext uri="{FF2B5EF4-FFF2-40B4-BE49-F238E27FC236}">
-                <a16:creationId xmlns:a16="http://schemas.microsoft.com/office/drawing/2014/main" xmlns="" id="{FD1776FB-59EC-4639-A7DF-71C67569EBF1}"/>
+                <a16:creationId xmlns:a16="http://schemas.microsoft.com/office/drawing/2014/main" id="{FD1776FB-59EC-4639-A7DF-71C67569EBF1}"/>
               </a:ext>
             </a:extLst>
           </p:cNvPr>
@@ -7303,7 +8239,7 @@
           <p:cNvPr id="3" name="Content Placeholder 2">
             <a:extLst>
               <a:ext uri="{FF2B5EF4-FFF2-40B4-BE49-F238E27FC236}">
-                <a16:creationId xmlns:a16="http://schemas.microsoft.com/office/drawing/2014/main" xmlns="" id="{04FF6E83-715A-4753-898C-0F8BC4606043}"/>
+                <a16:creationId xmlns:a16="http://schemas.microsoft.com/office/drawing/2014/main" id="{04FF6E83-715A-4753-898C-0F8BC4606043}"/>
               </a:ext>
             </a:extLst>
           </p:cNvPr>
@@ -7380,6 +8316,247 @@
   <p:clrMapOvr>
     <a:masterClrMapping/>
   </p:clrMapOvr>
+  <mc:AlternateContent xmlns:mc="http://schemas.openxmlformats.org/markup-compatibility/2006">
+    <mc:Choice xmlns:p159="http://schemas.microsoft.com/office/powerpoint/2015/09/main" Requires="p159">
+      <p:transition spd="slow">
+        <p159:morph option="byObject"/>
+      </p:transition>
+    </mc:Choice>
+    <mc:Fallback>
+      <p:transition spd="slow">
+        <p:fade/>
+      </p:transition>
+    </mc:Fallback>
+  </mc:AlternateContent>
+  <p:timing>
+    <p:tnLst>
+      <p:par>
+        <p:cTn id="1" dur="indefinite" restart="never" nodeType="tmRoot">
+          <p:childTnLst>
+            <p:seq concurrent="1" nextAc="seek">
+              <p:cTn id="2" dur="indefinite" nodeType="mainSeq">
+                <p:childTnLst>
+                  <p:par>
+                    <p:cTn id="3" fill="hold">
+                      <p:stCondLst>
+                        <p:cond delay="indefinite"/>
+                      </p:stCondLst>
+                      <p:childTnLst>
+                        <p:par>
+                          <p:cTn id="4" fill="hold">
+                            <p:stCondLst>
+                              <p:cond delay="0"/>
+                            </p:stCondLst>
+                            <p:childTnLst>
+                              <p:par>
+                                <p:cTn id="5" presetID="1" presetClass="entr" presetSubtype="0" fill="hold" grpId="0" nodeType="clickEffect">
+                                  <p:stCondLst>
+                                    <p:cond delay="0"/>
+                                  </p:stCondLst>
+                                  <p:childTnLst>
+                                    <p:set>
+                                      <p:cBhvr>
+                                        <p:cTn id="6" dur="1" fill="hold">
+                                          <p:stCondLst>
+                                            <p:cond delay="0"/>
+                                          </p:stCondLst>
+                                        </p:cTn>
+                                        <p:tgtEl>
+                                          <p:spTgt spid="3">
+                                            <p:txEl>
+                                              <p:pRg st="1" end="1"/>
+                                            </p:txEl>
+                                          </p:spTgt>
+                                        </p:tgtEl>
+                                        <p:attrNameLst>
+                                          <p:attrName>style.visibility</p:attrName>
+                                        </p:attrNameLst>
+                                      </p:cBhvr>
+                                      <p:to>
+                                        <p:strVal val="visible"/>
+                                      </p:to>
+                                    </p:set>
+                                  </p:childTnLst>
+                                </p:cTn>
+                              </p:par>
+                            </p:childTnLst>
+                          </p:cTn>
+                        </p:par>
+                      </p:childTnLst>
+                    </p:cTn>
+                  </p:par>
+                  <p:par>
+                    <p:cTn id="7" fill="hold">
+                      <p:stCondLst>
+                        <p:cond delay="indefinite"/>
+                      </p:stCondLst>
+                      <p:childTnLst>
+                        <p:par>
+                          <p:cTn id="8" fill="hold">
+                            <p:stCondLst>
+                              <p:cond delay="0"/>
+                            </p:stCondLst>
+                            <p:childTnLst>
+                              <p:par>
+                                <p:cTn id="9" presetID="1" presetClass="entr" presetSubtype="0" fill="hold" grpId="0" nodeType="clickEffect">
+                                  <p:stCondLst>
+                                    <p:cond delay="0"/>
+                                  </p:stCondLst>
+                                  <p:childTnLst>
+                                    <p:set>
+                                      <p:cBhvr>
+                                        <p:cTn id="10" dur="1" fill="hold">
+                                          <p:stCondLst>
+                                            <p:cond delay="0"/>
+                                          </p:stCondLst>
+                                        </p:cTn>
+                                        <p:tgtEl>
+                                          <p:spTgt spid="3">
+                                            <p:txEl>
+                                              <p:pRg st="2" end="2"/>
+                                            </p:txEl>
+                                          </p:spTgt>
+                                        </p:tgtEl>
+                                        <p:attrNameLst>
+                                          <p:attrName>style.visibility</p:attrName>
+                                        </p:attrNameLst>
+                                      </p:cBhvr>
+                                      <p:to>
+                                        <p:strVal val="visible"/>
+                                      </p:to>
+                                    </p:set>
+                                  </p:childTnLst>
+                                </p:cTn>
+                              </p:par>
+                            </p:childTnLst>
+                          </p:cTn>
+                        </p:par>
+                      </p:childTnLst>
+                    </p:cTn>
+                  </p:par>
+                  <p:par>
+                    <p:cTn id="11" fill="hold">
+                      <p:stCondLst>
+                        <p:cond delay="indefinite"/>
+                      </p:stCondLst>
+                      <p:childTnLst>
+                        <p:par>
+                          <p:cTn id="12" fill="hold">
+                            <p:stCondLst>
+                              <p:cond delay="0"/>
+                            </p:stCondLst>
+                            <p:childTnLst>
+                              <p:par>
+                                <p:cTn id="13" presetID="1" presetClass="entr" presetSubtype="0" fill="hold" grpId="0" nodeType="clickEffect">
+                                  <p:stCondLst>
+                                    <p:cond delay="0"/>
+                                  </p:stCondLst>
+                                  <p:childTnLst>
+                                    <p:set>
+                                      <p:cBhvr>
+                                        <p:cTn id="14" dur="1" fill="hold">
+                                          <p:stCondLst>
+                                            <p:cond delay="0"/>
+                                          </p:stCondLst>
+                                        </p:cTn>
+                                        <p:tgtEl>
+                                          <p:spTgt spid="3">
+                                            <p:txEl>
+                                              <p:pRg st="3" end="3"/>
+                                            </p:txEl>
+                                          </p:spTgt>
+                                        </p:tgtEl>
+                                        <p:attrNameLst>
+                                          <p:attrName>style.visibility</p:attrName>
+                                        </p:attrNameLst>
+                                      </p:cBhvr>
+                                      <p:to>
+                                        <p:strVal val="visible"/>
+                                      </p:to>
+                                    </p:set>
+                                  </p:childTnLst>
+                                </p:cTn>
+                              </p:par>
+                            </p:childTnLst>
+                          </p:cTn>
+                        </p:par>
+                      </p:childTnLst>
+                    </p:cTn>
+                  </p:par>
+                  <p:par>
+                    <p:cTn id="15" fill="hold">
+                      <p:stCondLst>
+                        <p:cond delay="indefinite"/>
+                      </p:stCondLst>
+                      <p:childTnLst>
+                        <p:par>
+                          <p:cTn id="16" fill="hold">
+                            <p:stCondLst>
+                              <p:cond delay="0"/>
+                            </p:stCondLst>
+                            <p:childTnLst>
+                              <p:par>
+                                <p:cTn id="17" presetID="1" presetClass="entr" presetSubtype="0" fill="hold" grpId="0" nodeType="clickEffect">
+                                  <p:stCondLst>
+                                    <p:cond delay="0"/>
+                                  </p:stCondLst>
+                                  <p:childTnLst>
+                                    <p:set>
+                                      <p:cBhvr>
+                                        <p:cTn id="18" dur="1" fill="hold">
+                                          <p:stCondLst>
+                                            <p:cond delay="0"/>
+                                          </p:stCondLst>
+                                        </p:cTn>
+                                        <p:tgtEl>
+                                          <p:spTgt spid="3">
+                                            <p:txEl>
+                                              <p:pRg st="4" end="4"/>
+                                            </p:txEl>
+                                          </p:spTgt>
+                                        </p:tgtEl>
+                                        <p:attrNameLst>
+                                          <p:attrName>style.visibility</p:attrName>
+                                        </p:attrNameLst>
+                                      </p:cBhvr>
+                                      <p:to>
+                                        <p:strVal val="visible"/>
+                                      </p:to>
+                                    </p:set>
+                                  </p:childTnLst>
+                                </p:cTn>
+                              </p:par>
+                            </p:childTnLst>
+                          </p:cTn>
+                        </p:par>
+                      </p:childTnLst>
+                    </p:cTn>
+                  </p:par>
+                </p:childTnLst>
+              </p:cTn>
+              <p:prevCondLst>
+                <p:cond evt="onPrev" delay="0">
+                  <p:tgtEl>
+                    <p:sldTgt/>
+                  </p:tgtEl>
+                </p:cond>
+              </p:prevCondLst>
+              <p:nextCondLst>
+                <p:cond evt="onNext" delay="0">
+                  <p:tgtEl>
+                    <p:sldTgt/>
+                  </p:tgtEl>
+                </p:cond>
+              </p:nextCondLst>
+            </p:seq>
+          </p:childTnLst>
+        </p:cTn>
+      </p:par>
+    </p:tnLst>
+    <p:bldLst>
+      <p:bldP spid="3" grpId="0" uiExpand="1" build="p"/>
+    </p:bldLst>
+  </p:timing>
 </p:sld>
 </file>
 
@@ -7405,7 +8582,7 @@
           <p:cNvPr id="2" name="Title 1">
             <a:extLst>
               <a:ext uri="{FF2B5EF4-FFF2-40B4-BE49-F238E27FC236}">
-                <a16:creationId xmlns:a16="http://schemas.microsoft.com/office/drawing/2014/main" xmlns="" id="{3F2B6B2B-52E3-44A1-B06E-81EDEADA04F5}"/>
+                <a16:creationId xmlns:a16="http://schemas.microsoft.com/office/drawing/2014/main" id="{3F2B6B2B-52E3-44A1-B06E-81EDEADA04F5}"/>
               </a:ext>
             </a:extLst>
           </p:cNvPr>
@@ -7442,7 +8619,7 @@
           <p:cNvPr id="3" name="Content Placeholder 2">
             <a:extLst>
               <a:ext uri="{FF2B5EF4-FFF2-40B4-BE49-F238E27FC236}">
-                <a16:creationId xmlns:a16="http://schemas.microsoft.com/office/drawing/2014/main" xmlns="" id="{89426F1F-F7A3-44F6-B515-7260B22129D5}"/>
+                <a16:creationId xmlns:a16="http://schemas.microsoft.com/office/drawing/2014/main" id="{89426F1F-F7A3-44F6-B515-7260B22129D5}"/>
               </a:ext>
             </a:extLst>
           </p:cNvPr>
@@ -7489,6 +8666,100 @@
   <p:clrMapOvr>
     <a:masterClrMapping/>
   </p:clrMapOvr>
+  <mc:AlternateContent xmlns:mc="http://schemas.openxmlformats.org/markup-compatibility/2006">
+    <mc:Choice xmlns:p159="http://schemas.microsoft.com/office/powerpoint/2015/09/main" Requires="p159">
+      <p:transition spd="slow">
+        <p159:morph option="byObject"/>
+      </p:transition>
+    </mc:Choice>
+    <mc:Fallback>
+      <p:transition spd="slow">
+        <p:fade/>
+      </p:transition>
+    </mc:Fallback>
+  </mc:AlternateContent>
+  <p:timing>
+    <p:tnLst>
+      <p:par>
+        <p:cTn id="1" dur="indefinite" restart="never" nodeType="tmRoot">
+          <p:childTnLst>
+            <p:seq concurrent="1" nextAc="seek">
+              <p:cTn id="2" dur="indefinite" nodeType="mainSeq">
+                <p:childTnLst>
+                  <p:par>
+                    <p:cTn id="3" fill="hold">
+                      <p:stCondLst>
+                        <p:cond delay="indefinite"/>
+                      </p:stCondLst>
+                      <p:childTnLst>
+                        <p:par>
+                          <p:cTn id="4" fill="hold">
+                            <p:stCondLst>
+                              <p:cond delay="0"/>
+                            </p:stCondLst>
+                            <p:childTnLst>
+                              <p:par>
+                                <p:cTn id="5" presetID="1" presetClass="entr" presetSubtype="0" fill="hold" grpId="0" nodeType="clickEffect">
+                                  <p:stCondLst>
+                                    <p:cond delay="0"/>
+                                  </p:stCondLst>
+                                  <p:childTnLst>
+                                    <p:set>
+                                      <p:cBhvr>
+                                        <p:cTn id="6" dur="1" fill="hold">
+                                          <p:stCondLst>
+                                            <p:cond delay="0"/>
+                                          </p:stCondLst>
+                                        </p:cTn>
+                                        <p:tgtEl>
+                                          <p:spTgt spid="3">
+                                            <p:txEl>
+                                              <p:pRg st="1" end="1"/>
+                                            </p:txEl>
+                                          </p:spTgt>
+                                        </p:tgtEl>
+                                        <p:attrNameLst>
+                                          <p:attrName>style.visibility</p:attrName>
+                                        </p:attrNameLst>
+                                      </p:cBhvr>
+                                      <p:to>
+                                        <p:strVal val="visible"/>
+                                      </p:to>
+                                    </p:set>
+                                  </p:childTnLst>
+                                </p:cTn>
+                              </p:par>
+                            </p:childTnLst>
+                          </p:cTn>
+                        </p:par>
+                      </p:childTnLst>
+                    </p:cTn>
+                  </p:par>
+                </p:childTnLst>
+              </p:cTn>
+              <p:prevCondLst>
+                <p:cond evt="onPrev" delay="0">
+                  <p:tgtEl>
+                    <p:sldTgt/>
+                  </p:tgtEl>
+                </p:cond>
+              </p:prevCondLst>
+              <p:nextCondLst>
+                <p:cond evt="onNext" delay="0">
+                  <p:tgtEl>
+                    <p:sldTgt/>
+                  </p:tgtEl>
+                </p:cond>
+              </p:nextCondLst>
+            </p:seq>
+          </p:childTnLst>
+        </p:cTn>
+      </p:par>
+    </p:tnLst>
+    <p:bldLst>
+      <p:bldP spid="3" grpId="0" uiExpand="1" build="p"/>
+    </p:bldLst>
+  </p:timing>
 </p:sld>
 </file>
 
@@ -7514,7 +8785,7 @@
           <p:cNvPr id="2" name="Title 1">
             <a:extLst>
               <a:ext uri="{FF2B5EF4-FFF2-40B4-BE49-F238E27FC236}">
-                <a16:creationId xmlns:a16="http://schemas.microsoft.com/office/drawing/2014/main" xmlns="" id="{5998A157-FCD1-4C27-8F6E-F674ED02688B}"/>
+                <a16:creationId xmlns:a16="http://schemas.microsoft.com/office/drawing/2014/main" id="{5998A157-FCD1-4C27-8F6E-F674ED02688B}"/>
               </a:ext>
             </a:extLst>
           </p:cNvPr>
@@ -7547,7 +8818,7 @@
           <p:cNvPr id="3" name="Content Placeholder 2">
             <a:extLst>
               <a:ext uri="{FF2B5EF4-FFF2-40B4-BE49-F238E27FC236}">
-                <a16:creationId xmlns:a16="http://schemas.microsoft.com/office/drawing/2014/main" xmlns="" id="{267068F6-BE1B-4F5F-92E0-84E8573583EA}"/>
+                <a16:creationId xmlns:a16="http://schemas.microsoft.com/office/drawing/2014/main" id="{267068F6-BE1B-4F5F-92E0-84E8573583EA}"/>
               </a:ext>
             </a:extLst>
           </p:cNvPr>
@@ -7697,6 +8968,198 @@
   <p:clrMapOvr>
     <a:masterClrMapping/>
   </p:clrMapOvr>
+  <mc:AlternateContent xmlns:mc="http://schemas.openxmlformats.org/markup-compatibility/2006">
+    <mc:Choice xmlns:p159="http://schemas.microsoft.com/office/powerpoint/2015/09/main" Requires="p159">
+      <p:transition spd="slow">
+        <p159:morph option="byObject"/>
+      </p:transition>
+    </mc:Choice>
+    <mc:Fallback>
+      <p:transition spd="slow">
+        <p:fade/>
+      </p:transition>
+    </mc:Fallback>
+  </mc:AlternateContent>
+  <p:timing>
+    <p:tnLst>
+      <p:par>
+        <p:cTn id="1" dur="indefinite" restart="never" nodeType="tmRoot">
+          <p:childTnLst>
+            <p:seq concurrent="1" nextAc="seek">
+              <p:cTn id="2" dur="indefinite" nodeType="mainSeq">
+                <p:childTnLst>
+                  <p:par>
+                    <p:cTn id="3" fill="hold">
+                      <p:stCondLst>
+                        <p:cond delay="indefinite"/>
+                      </p:stCondLst>
+                      <p:childTnLst>
+                        <p:par>
+                          <p:cTn id="4" fill="hold">
+                            <p:stCondLst>
+                              <p:cond delay="0"/>
+                            </p:stCondLst>
+                            <p:childTnLst>
+                              <p:par>
+                                <p:cTn id="5" presetID="1" presetClass="entr" presetSubtype="0" fill="hold" grpId="0" nodeType="clickEffect">
+                                  <p:stCondLst>
+                                    <p:cond delay="0"/>
+                                  </p:stCondLst>
+                                  <p:childTnLst>
+                                    <p:set>
+                                      <p:cBhvr>
+                                        <p:cTn id="6" dur="1" fill="hold">
+                                          <p:stCondLst>
+                                            <p:cond delay="0"/>
+                                          </p:stCondLst>
+                                        </p:cTn>
+                                        <p:tgtEl>
+                                          <p:spTgt spid="3">
+                                            <p:txEl>
+                                              <p:pRg st="5" end="5"/>
+                                            </p:txEl>
+                                          </p:spTgt>
+                                        </p:tgtEl>
+                                        <p:attrNameLst>
+                                          <p:attrName>style.visibility</p:attrName>
+                                        </p:attrNameLst>
+                                      </p:cBhvr>
+                                      <p:to>
+                                        <p:strVal val="visible"/>
+                                      </p:to>
+                                    </p:set>
+                                  </p:childTnLst>
+                                </p:cTn>
+                              </p:par>
+                            </p:childTnLst>
+                          </p:cTn>
+                        </p:par>
+                      </p:childTnLst>
+                    </p:cTn>
+                  </p:par>
+                  <p:par>
+                    <p:cTn id="7" fill="hold">
+                      <p:stCondLst>
+                        <p:cond delay="indefinite"/>
+                      </p:stCondLst>
+                      <p:childTnLst>
+                        <p:par>
+                          <p:cTn id="8" fill="hold">
+                            <p:stCondLst>
+                              <p:cond delay="0"/>
+                            </p:stCondLst>
+                            <p:childTnLst>
+                              <p:par>
+                                <p:cTn id="9" presetID="1" presetClass="entr" presetSubtype="0" fill="hold" grpId="0" nodeType="clickEffect">
+                                  <p:stCondLst>
+                                    <p:cond delay="0"/>
+                                  </p:stCondLst>
+                                  <p:childTnLst>
+                                    <p:set>
+                                      <p:cBhvr>
+                                        <p:cTn id="10" dur="1" fill="hold">
+                                          <p:stCondLst>
+                                            <p:cond delay="0"/>
+                                          </p:stCondLst>
+                                        </p:cTn>
+                                        <p:tgtEl>
+                                          <p:spTgt spid="3">
+                                            <p:txEl>
+                                              <p:pRg st="6" end="6"/>
+                                            </p:txEl>
+                                          </p:spTgt>
+                                        </p:tgtEl>
+                                        <p:attrNameLst>
+                                          <p:attrName>style.visibility</p:attrName>
+                                        </p:attrNameLst>
+                                      </p:cBhvr>
+                                      <p:to>
+                                        <p:strVal val="visible"/>
+                                      </p:to>
+                                    </p:set>
+                                  </p:childTnLst>
+                                </p:cTn>
+                              </p:par>
+                            </p:childTnLst>
+                          </p:cTn>
+                        </p:par>
+                      </p:childTnLst>
+                    </p:cTn>
+                  </p:par>
+                  <p:par>
+                    <p:cTn id="11" fill="hold">
+                      <p:stCondLst>
+                        <p:cond delay="indefinite"/>
+                      </p:stCondLst>
+                      <p:childTnLst>
+                        <p:par>
+                          <p:cTn id="12" fill="hold">
+                            <p:stCondLst>
+                              <p:cond delay="0"/>
+                            </p:stCondLst>
+                            <p:childTnLst>
+                              <p:par>
+                                <p:cTn id="13" presetID="1" presetClass="entr" presetSubtype="0" fill="hold" grpId="0" nodeType="clickEffect">
+                                  <p:stCondLst>
+                                    <p:cond delay="0"/>
+                                  </p:stCondLst>
+                                  <p:childTnLst>
+                                    <p:set>
+                                      <p:cBhvr>
+                                        <p:cTn id="14" dur="1" fill="hold">
+                                          <p:stCondLst>
+                                            <p:cond delay="0"/>
+                                          </p:stCondLst>
+                                        </p:cTn>
+                                        <p:tgtEl>
+                                          <p:spTgt spid="3">
+                                            <p:txEl>
+                                              <p:pRg st="7" end="7"/>
+                                            </p:txEl>
+                                          </p:spTgt>
+                                        </p:tgtEl>
+                                        <p:attrNameLst>
+                                          <p:attrName>style.visibility</p:attrName>
+                                        </p:attrNameLst>
+                                      </p:cBhvr>
+                                      <p:to>
+                                        <p:strVal val="visible"/>
+                                      </p:to>
+                                    </p:set>
+                                  </p:childTnLst>
+                                </p:cTn>
+                              </p:par>
+                            </p:childTnLst>
+                          </p:cTn>
+                        </p:par>
+                      </p:childTnLst>
+                    </p:cTn>
+                  </p:par>
+                </p:childTnLst>
+              </p:cTn>
+              <p:prevCondLst>
+                <p:cond evt="onPrev" delay="0">
+                  <p:tgtEl>
+                    <p:sldTgt/>
+                  </p:tgtEl>
+                </p:cond>
+              </p:prevCondLst>
+              <p:nextCondLst>
+                <p:cond evt="onNext" delay="0">
+                  <p:tgtEl>
+                    <p:sldTgt/>
+                  </p:tgtEl>
+                </p:cond>
+              </p:nextCondLst>
+            </p:seq>
+          </p:childTnLst>
+        </p:cTn>
+      </p:par>
+    </p:tnLst>
+    <p:bldLst>
+      <p:bldP spid="3" grpId="0" uiExpand="1" build="p"/>
+    </p:bldLst>
+  </p:timing>
 </p:sld>
 </file>
 
@@ -7722,7 +9185,7 @@
           <p:cNvPr id="2" name="Title 1">
             <a:extLst>
               <a:ext uri="{FF2B5EF4-FFF2-40B4-BE49-F238E27FC236}">
-                <a16:creationId xmlns:a16="http://schemas.microsoft.com/office/drawing/2014/main" xmlns="" id="{9CB72FEE-B902-40F9-AACA-EC55CA6C6720}"/>
+                <a16:creationId xmlns:a16="http://schemas.microsoft.com/office/drawing/2014/main" id="{9CB72FEE-B902-40F9-AACA-EC55CA6C6720}"/>
               </a:ext>
             </a:extLst>
           </p:cNvPr>
@@ -7755,7 +9218,7 @@
           <p:cNvPr id="5" name="Content Placeholder 4">
             <a:extLst>
               <a:ext uri="{FF2B5EF4-FFF2-40B4-BE49-F238E27FC236}">
-                <a16:creationId xmlns:a16="http://schemas.microsoft.com/office/drawing/2014/main" xmlns="" id="{0EEE8D40-76BA-4EA2-AD2D-6D9B6259AE63}"/>
+                <a16:creationId xmlns:a16="http://schemas.microsoft.com/office/drawing/2014/main" id="{0EEE8D40-76BA-4EA2-AD2D-6D9B6259AE63}"/>
               </a:ext>
             </a:extLst>
           </p:cNvPr>
@@ -7795,6 +9258,18 @@
   <p:clrMapOvr>
     <a:masterClrMapping/>
   </p:clrMapOvr>
+  <mc:AlternateContent xmlns:mc="http://schemas.openxmlformats.org/markup-compatibility/2006">
+    <mc:Choice xmlns:p159="http://schemas.microsoft.com/office/powerpoint/2015/09/main" Requires="p159">
+      <p:transition spd="slow">
+        <p159:morph option="byObject"/>
+      </p:transition>
+    </mc:Choice>
+    <mc:Fallback>
+      <p:transition spd="slow">
+        <p:fade/>
+      </p:transition>
+    </mc:Fallback>
+  </mc:AlternateContent>
 </p:sld>
 </file>
 
@@ -8000,6 +9475,149 @@
   <p:clrMapOvr>
     <a:masterClrMapping/>
   </p:clrMapOvr>
+  <mc:AlternateContent xmlns:mc="http://schemas.openxmlformats.org/markup-compatibility/2006">
+    <mc:Choice xmlns:p159="http://schemas.microsoft.com/office/powerpoint/2015/09/main" Requires="p159">
+      <p:transition spd="slow">
+        <p159:morph option="byObject"/>
+      </p:transition>
+    </mc:Choice>
+    <mc:Fallback>
+      <p:transition spd="slow">
+        <p:fade/>
+      </p:transition>
+    </mc:Fallback>
+  </mc:AlternateContent>
+  <p:timing>
+    <p:tnLst>
+      <p:par>
+        <p:cTn id="1" dur="indefinite" restart="never" nodeType="tmRoot">
+          <p:childTnLst>
+            <p:seq concurrent="1" nextAc="seek">
+              <p:cTn id="2" dur="indefinite" nodeType="mainSeq">
+                <p:childTnLst>
+                  <p:par>
+                    <p:cTn id="3" fill="hold">
+                      <p:stCondLst>
+                        <p:cond delay="indefinite"/>
+                      </p:stCondLst>
+                      <p:childTnLst>
+                        <p:par>
+                          <p:cTn id="4" fill="hold">
+                            <p:stCondLst>
+                              <p:cond delay="0"/>
+                            </p:stCondLst>
+                            <p:childTnLst>
+                              <p:par>
+                                <p:cTn id="5" presetID="1" presetClass="entr" presetSubtype="0" fill="hold" grpId="0" nodeType="clickEffect">
+                                  <p:stCondLst>
+                                    <p:cond delay="0"/>
+                                  </p:stCondLst>
+                                  <p:childTnLst>
+                                    <p:set>
+                                      <p:cBhvr>
+                                        <p:cTn id="6" dur="1" fill="hold">
+                                          <p:stCondLst>
+                                            <p:cond delay="0"/>
+                                          </p:stCondLst>
+                                        </p:cTn>
+                                        <p:tgtEl>
+                                          <p:spTgt spid="3">
+                                            <p:txEl>
+                                              <p:pRg st="2" end="2"/>
+                                            </p:txEl>
+                                          </p:spTgt>
+                                        </p:tgtEl>
+                                        <p:attrNameLst>
+                                          <p:attrName>style.visibility</p:attrName>
+                                        </p:attrNameLst>
+                                      </p:cBhvr>
+                                      <p:to>
+                                        <p:strVal val="visible"/>
+                                      </p:to>
+                                    </p:set>
+                                  </p:childTnLst>
+                                </p:cTn>
+                              </p:par>
+                            </p:childTnLst>
+                          </p:cTn>
+                        </p:par>
+                      </p:childTnLst>
+                    </p:cTn>
+                  </p:par>
+                  <p:par>
+                    <p:cTn id="7" fill="hold">
+                      <p:stCondLst>
+                        <p:cond delay="indefinite"/>
+                      </p:stCondLst>
+                      <p:childTnLst>
+                        <p:par>
+                          <p:cTn id="8" fill="hold">
+                            <p:stCondLst>
+                              <p:cond delay="0"/>
+                            </p:stCondLst>
+                            <p:childTnLst>
+                              <p:par>
+                                <p:cTn id="9" presetID="1" presetClass="entr" presetSubtype="0" fill="hold" grpId="0" nodeType="clickEffect">
+                                  <p:stCondLst>
+                                    <p:cond delay="0"/>
+                                  </p:stCondLst>
+                                  <p:childTnLst>
+                                    <p:set>
+                                      <p:cBhvr>
+                                        <p:cTn id="10" dur="1" fill="hold">
+                                          <p:stCondLst>
+                                            <p:cond delay="0"/>
+                                          </p:stCondLst>
+                                        </p:cTn>
+                                        <p:tgtEl>
+                                          <p:spTgt spid="3">
+                                            <p:txEl>
+                                              <p:pRg st="3" end="3"/>
+                                            </p:txEl>
+                                          </p:spTgt>
+                                        </p:tgtEl>
+                                        <p:attrNameLst>
+                                          <p:attrName>style.visibility</p:attrName>
+                                        </p:attrNameLst>
+                                      </p:cBhvr>
+                                      <p:to>
+                                        <p:strVal val="visible"/>
+                                      </p:to>
+                                    </p:set>
+                                  </p:childTnLst>
+                                </p:cTn>
+                              </p:par>
+                            </p:childTnLst>
+                          </p:cTn>
+                        </p:par>
+                      </p:childTnLst>
+                    </p:cTn>
+                  </p:par>
+                </p:childTnLst>
+              </p:cTn>
+              <p:prevCondLst>
+                <p:cond evt="onPrev" delay="0">
+                  <p:tgtEl>
+                    <p:sldTgt/>
+                  </p:tgtEl>
+                </p:cond>
+              </p:prevCondLst>
+              <p:nextCondLst>
+                <p:cond evt="onNext" delay="0">
+                  <p:tgtEl>
+                    <p:sldTgt/>
+                  </p:tgtEl>
+                </p:cond>
+              </p:nextCondLst>
+            </p:seq>
+          </p:childTnLst>
+        </p:cTn>
+      </p:par>
+    </p:tnLst>
+    <p:bldLst>
+      <p:bldP spid="3" grpId="0" uiExpand="1" build="p"/>
+    </p:bldLst>
+  </p:timing>
 </p:sld>
 </file>
 
@@ -8025,7 +9643,7 @@
           <p:cNvPr id="2" name="Title 1">
             <a:extLst>
               <a:ext uri="{FF2B5EF4-FFF2-40B4-BE49-F238E27FC236}">
-                <a16:creationId xmlns:a16="http://schemas.microsoft.com/office/drawing/2014/main" xmlns="" id="{C8B43DA7-2345-408B-AB8C-F23698E6052C}"/>
+                <a16:creationId xmlns:a16="http://schemas.microsoft.com/office/drawing/2014/main" id="{C8B43DA7-2345-408B-AB8C-F23698E6052C}"/>
               </a:ext>
             </a:extLst>
           </p:cNvPr>
@@ -8050,7 +9668,7 @@
           <p:cNvPr id="4" name="Content Placeholder 3">
             <a:extLst>
               <a:ext uri="{FF2B5EF4-FFF2-40B4-BE49-F238E27FC236}">
-                <a16:creationId xmlns:a16="http://schemas.microsoft.com/office/drawing/2014/main" xmlns="" id="{416C16D3-06DA-434A-A615-91B440249FC7}"/>
+                <a16:creationId xmlns:a16="http://schemas.microsoft.com/office/drawing/2014/main" id="{416C16D3-06DA-434A-A615-91B440249FC7}"/>
               </a:ext>
             </a:extLst>
           </p:cNvPr>
@@ -8093,6 +9711,18 @@
   <p:clrMapOvr>
     <a:masterClrMapping/>
   </p:clrMapOvr>
+  <mc:AlternateContent xmlns:mc="http://schemas.openxmlformats.org/markup-compatibility/2006">
+    <mc:Choice xmlns:p159="http://schemas.microsoft.com/office/powerpoint/2015/09/main" Requires="p159">
+      <p:transition spd="slow">
+        <p159:morph option="byObject"/>
+      </p:transition>
+    </mc:Choice>
+    <mc:Fallback>
+      <p:transition spd="slow">
+        <p:fade/>
+      </p:transition>
+    </mc:Fallback>
+  </mc:AlternateContent>
 </p:sld>
 </file>
 

--- a/ProgressiveWebApp/PWA.pptx
+++ b/ProgressiveWebApp/PWA.pptx
@@ -5,7 +5,7 @@
     <p:sldMasterId id="2147483660" r:id="rId1"/>
   </p:sldMasterIdLst>
   <p:notesMasterIdLst>
-    <p:notesMasterId r:id="rId18"/>
+    <p:notesMasterId r:id="rId19"/>
   </p:notesMasterIdLst>
   <p:sldIdLst>
     <p:sldId id="256" r:id="rId2"/>
@@ -13,17 +13,18 @@
     <p:sldId id="258" r:id="rId4"/>
     <p:sldId id="259" r:id="rId5"/>
     <p:sldId id="262" r:id="rId6"/>
-    <p:sldId id="260" r:id="rId7"/>
-    <p:sldId id="261" r:id="rId8"/>
-    <p:sldId id="263" r:id="rId9"/>
-    <p:sldId id="264" r:id="rId10"/>
-    <p:sldId id="265" r:id="rId11"/>
-    <p:sldId id="266" r:id="rId12"/>
-    <p:sldId id="267" r:id="rId13"/>
-    <p:sldId id="269" r:id="rId14"/>
-    <p:sldId id="268" r:id="rId15"/>
-    <p:sldId id="270" r:id="rId16"/>
-    <p:sldId id="271" r:id="rId17"/>
+    <p:sldId id="272" r:id="rId7"/>
+    <p:sldId id="260" r:id="rId8"/>
+    <p:sldId id="261" r:id="rId9"/>
+    <p:sldId id="263" r:id="rId10"/>
+    <p:sldId id="264" r:id="rId11"/>
+    <p:sldId id="265" r:id="rId12"/>
+    <p:sldId id="266" r:id="rId13"/>
+    <p:sldId id="267" r:id="rId14"/>
+    <p:sldId id="269" r:id="rId15"/>
+    <p:sldId id="268" r:id="rId16"/>
+    <p:sldId id="270" r:id="rId17"/>
+    <p:sldId id="271" r:id="rId18"/>
   </p:sldIdLst>
   <p:sldSz cx="12192000" cy="6858000"/>
   <p:notesSz cx="6858000" cy="9144000"/>
@@ -212,7 +213,7 @@
           <a:p>
             <a:fld id="{C72D6864-BB37-41A0-8C8D-E8C9E6E86ABA}" type="datetimeFigureOut">
               <a:rPr lang="en-US" smtClean="0"/>
-              <a:t>2/25/2019</a:t>
+              <a:t>3/9/2019</a:t>
             </a:fld>
             <a:endParaRPr lang="en-US"/>
           </a:p>
@@ -563,6 +564,90 @@
 </p:notes>
 </file>
 
+<file path=ppt/notesSlides/notesSlide2.xml><?xml version="1.0" encoding="utf-8"?>
+<p:notes xmlns:a="http://schemas.openxmlformats.org/drawingml/2006/main" xmlns:r="http://schemas.openxmlformats.org/officeDocument/2006/relationships" xmlns:p="http://schemas.openxmlformats.org/presentationml/2006/main">
+  <p:cSld>
+    <p:spTree>
+      <p:nvGrpSpPr>
+        <p:cNvPr id="1" name=""/>
+        <p:cNvGrpSpPr/>
+        <p:nvPr/>
+      </p:nvGrpSpPr>
+      <p:grpSpPr>
+        <a:xfrm>
+          <a:off x="0" y="0"/>
+          <a:ext cx="0" cy="0"/>
+          <a:chOff x="0" y="0"/>
+          <a:chExt cx="0" cy="0"/>
+        </a:xfrm>
+      </p:grpSpPr>
+      <p:sp>
+        <p:nvSpPr>
+          <p:cNvPr id="2" name="Slide Image Placeholder 1"/>
+          <p:cNvSpPr>
+            <a:spLocks noGrp="1" noRot="1" noChangeAspect="1"/>
+          </p:cNvSpPr>
+          <p:nvPr>
+            <p:ph type="sldImg"/>
+          </p:nvPr>
+        </p:nvSpPr>
+        <p:spPr/>
+      </p:sp>
+      <p:sp>
+        <p:nvSpPr>
+          <p:cNvPr id="3" name="Notes Placeholder 2"/>
+          <p:cNvSpPr>
+            <a:spLocks noGrp="1"/>
+          </p:cNvSpPr>
+          <p:nvPr>
+            <p:ph type="body" idx="1"/>
+          </p:nvPr>
+        </p:nvSpPr>
+        <p:spPr/>
+        <p:txBody>
+          <a:bodyPr/>
+          <a:lstStyle/>
+          <a:p>
+            <a:endParaRPr lang="en-US" dirty="0"/>
+          </a:p>
+        </p:txBody>
+      </p:sp>
+      <p:sp>
+        <p:nvSpPr>
+          <p:cNvPr id="4" name="Slide Number Placeholder 3"/>
+          <p:cNvSpPr>
+            <a:spLocks noGrp="1"/>
+          </p:cNvSpPr>
+          <p:nvPr>
+            <p:ph type="sldNum" sz="quarter" idx="10"/>
+          </p:nvPr>
+        </p:nvSpPr>
+        <p:spPr/>
+        <p:txBody>
+          <a:bodyPr/>
+          <a:lstStyle/>
+          <a:p>
+            <a:fld id="{B71B105F-8EFD-4E60-AE93-D514F46F1A8A}" type="slidenum">
+              <a:rPr lang="en-US" smtClean="0"/>
+              <a:t>14</a:t>
+            </a:fld>
+            <a:endParaRPr lang="en-US"/>
+          </a:p>
+        </p:txBody>
+      </p:sp>
+    </p:spTree>
+    <p:extLst>
+      <p:ext uri="{BB962C8B-B14F-4D97-AF65-F5344CB8AC3E}">
+        <p14:creationId xmlns:p14="http://schemas.microsoft.com/office/powerpoint/2010/main" val="3294194928"/>
+      </p:ext>
+    </p:extLst>
+  </p:cSld>
+  <p:clrMapOvr>
+    <a:masterClrMapping/>
+  </p:clrMapOvr>
+</p:notes>
+</file>
+
 <file path=ppt/slideLayouts/slideLayout1.xml><?xml version="1.0" encoding="utf-8"?>
 <p:sldLayout xmlns:a="http://schemas.openxmlformats.org/drawingml/2006/main" xmlns:r="http://schemas.openxmlformats.org/officeDocument/2006/relationships" xmlns:p="http://schemas.openxmlformats.org/presentationml/2006/main" showMasterSp="0" type="title" preserve="1">
   <p:cSld name="Title Slide">
@@ -754,7 +839,7 @@
           <a:p>
             <a:fld id="{C04051DA-BB6C-4F90-AE63-86FA0FBECCA9}" type="datetimeFigureOut">
               <a:rPr lang="en-US" smtClean="0"/>
-              <a:t>2/25/2019</a:t>
+              <a:t>3/9/2019</a:t>
             </a:fld>
             <a:endParaRPr lang="en-US"/>
           </a:p>
@@ -1190,7 +1275,7 @@
           <a:p>
             <a:fld id="{C04051DA-BB6C-4F90-AE63-86FA0FBECCA9}" type="datetimeFigureOut">
               <a:rPr lang="en-US" smtClean="0"/>
-              <a:t>2/25/2019</a:t>
+              <a:t>3/9/2019</a:t>
             </a:fld>
             <a:endParaRPr lang="en-US"/>
           </a:p>
@@ -1440,7 +1525,7 @@
           <a:p>
             <a:fld id="{C04051DA-BB6C-4F90-AE63-86FA0FBECCA9}" type="datetimeFigureOut">
               <a:rPr lang="en-US" smtClean="0"/>
-              <a:t>2/25/2019</a:t>
+              <a:t>3/9/2019</a:t>
             </a:fld>
             <a:endParaRPr lang="en-US"/>
           </a:p>
@@ -1748,7 +1833,7 @@
           <a:p>
             <a:fld id="{C04051DA-BB6C-4F90-AE63-86FA0FBECCA9}" type="datetimeFigureOut">
               <a:rPr lang="en-US" smtClean="0"/>
-              <a:t>2/25/2019</a:t>
+              <a:t>3/9/2019</a:t>
             </a:fld>
             <a:endParaRPr lang="en-US"/>
           </a:p>
@@ -2066,7 +2151,7 @@
           <a:p>
             <a:fld id="{C04051DA-BB6C-4F90-AE63-86FA0FBECCA9}" type="datetimeFigureOut">
               <a:rPr lang="en-US" smtClean="0"/>
-              <a:t>2/25/2019</a:t>
+              <a:t>3/9/2019</a:t>
             </a:fld>
             <a:endParaRPr lang="en-US"/>
           </a:p>
@@ -2368,7 +2453,7 @@
           <a:p>
             <a:fld id="{C04051DA-BB6C-4F90-AE63-86FA0FBECCA9}" type="datetimeFigureOut">
               <a:rPr lang="en-US" smtClean="0"/>
-              <a:t>2/25/2019</a:t>
+              <a:t>3/9/2019</a:t>
             </a:fld>
             <a:endParaRPr lang="en-US"/>
           </a:p>
@@ -2735,7 +2820,7 @@
           <a:p>
             <a:fld id="{C04051DA-BB6C-4F90-AE63-86FA0FBECCA9}" type="datetimeFigureOut">
               <a:rPr lang="en-US" smtClean="0"/>
-              <a:t>2/25/2019</a:t>
+              <a:t>3/9/2019</a:t>
             </a:fld>
             <a:endParaRPr lang="en-US"/>
           </a:p>
@@ -2909,7 +2994,7 @@
           <a:p>
             <a:fld id="{C04051DA-BB6C-4F90-AE63-86FA0FBECCA9}" type="datetimeFigureOut">
               <a:rPr lang="en-US" smtClean="0"/>
-              <a:t>2/25/2019</a:t>
+              <a:t>3/9/2019</a:t>
             </a:fld>
             <a:endParaRPr lang="en-US"/>
           </a:p>
@@ -3089,7 +3174,7 @@
           <a:p>
             <a:fld id="{C04051DA-BB6C-4F90-AE63-86FA0FBECCA9}" type="datetimeFigureOut">
               <a:rPr lang="en-US" smtClean="0"/>
-              <a:t>2/25/2019</a:t>
+              <a:t>3/9/2019</a:t>
             </a:fld>
             <a:endParaRPr lang="en-US"/>
           </a:p>
@@ -3259,7 +3344,7 @@
           <a:p>
             <a:fld id="{C04051DA-BB6C-4F90-AE63-86FA0FBECCA9}" type="datetimeFigureOut">
               <a:rPr lang="en-US" smtClean="0"/>
-              <a:t>2/25/2019</a:t>
+              <a:t>3/9/2019</a:t>
             </a:fld>
             <a:endParaRPr lang="en-US"/>
           </a:p>
@@ -3509,7 +3594,7 @@
           <a:p>
             <a:fld id="{C04051DA-BB6C-4F90-AE63-86FA0FBECCA9}" type="datetimeFigureOut">
               <a:rPr lang="en-US" smtClean="0"/>
-              <a:t>2/25/2019</a:t>
+              <a:t>3/9/2019</a:t>
             </a:fld>
             <a:endParaRPr lang="en-US"/>
           </a:p>
@@ -3745,7 +3830,7 @@
           <a:p>
             <a:fld id="{C04051DA-BB6C-4F90-AE63-86FA0FBECCA9}" type="datetimeFigureOut">
               <a:rPr lang="en-US" smtClean="0"/>
-              <a:t>2/25/2019</a:t>
+              <a:t>3/9/2019</a:t>
             </a:fld>
             <a:endParaRPr lang="en-US"/>
           </a:p>
@@ -4127,7 +4212,7 @@
           <a:p>
             <a:fld id="{C04051DA-BB6C-4F90-AE63-86FA0FBECCA9}" type="datetimeFigureOut">
               <a:rPr lang="en-US" smtClean="0"/>
-              <a:t>2/25/2019</a:t>
+              <a:t>3/9/2019</a:t>
             </a:fld>
             <a:endParaRPr lang="en-US"/>
           </a:p>
@@ -4245,7 +4330,7 @@
           <a:p>
             <a:fld id="{C04051DA-BB6C-4F90-AE63-86FA0FBECCA9}" type="datetimeFigureOut">
               <a:rPr lang="en-US" smtClean="0"/>
-              <a:t>2/25/2019</a:t>
+              <a:t>3/9/2019</a:t>
             </a:fld>
             <a:endParaRPr lang="en-US"/>
           </a:p>
@@ -4340,7 +4425,7 @@
           <a:p>
             <a:fld id="{C04051DA-BB6C-4F90-AE63-86FA0FBECCA9}" type="datetimeFigureOut">
               <a:rPr lang="en-US" smtClean="0"/>
-              <a:t>2/25/2019</a:t>
+              <a:t>3/9/2019</a:t>
             </a:fld>
             <a:endParaRPr lang="en-US"/>
           </a:p>
@@ -4595,7 +4680,7 @@
           <a:p>
             <a:fld id="{C04051DA-BB6C-4F90-AE63-86FA0FBECCA9}" type="datetimeFigureOut">
               <a:rPr lang="en-US" smtClean="0"/>
-              <a:t>2/25/2019</a:t>
+              <a:t>3/9/2019</a:t>
             </a:fld>
             <a:endParaRPr lang="en-US"/>
           </a:p>
@@ -4878,7 +4963,7 @@
           <a:p>
             <a:fld id="{C04051DA-BB6C-4F90-AE63-86FA0FBECCA9}" type="datetimeFigureOut">
               <a:rPr lang="en-US" smtClean="0"/>
-              <a:t>2/25/2019</a:t>
+              <a:t>3/9/2019</a:t>
             </a:fld>
             <a:endParaRPr lang="en-US"/>
           </a:p>
@@ -5284,7 +5369,7 @@
           <a:p>
             <a:fld id="{C04051DA-BB6C-4F90-AE63-86FA0FBECCA9}" type="datetimeFigureOut">
               <a:rPr lang="en-US" smtClean="0"/>
-              <a:t>2/25/2019</a:t>
+              <a:t>3/9/2019</a:t>
             </a:fld>
             <a:endParaRPr lang="en-US"/>
           </a:p>
@@ -5824,7 +5909,7 @@
           <p:cNvPr id="2" name="Title 1">
             <a:extLst>
               <a:ext uri="{FF2B5EF4-FFF2-40B4-BE49-F238E27FC236}">
-                <a16:creationId xmlns:a16="http://schemas.microsoft.com/office/drawing/2014/main" id="{1DEC1DD5-CABD-4CE3-BAAC-EDF7607001A4}"/>
+                <a16:creationId xmlns:a16="http://schemas.microsoft.com/office/drawing/2014/main" xmlns="" id="{1DEC1DD5-CABD-4CE3-BAAC-EDF7607001A4}"/>
               </a:ext>
             </a:extLst>
           </p:cNvPr>
@@ -5852,7 +5937,7 @@
           <p:cNvPr id="3" name="Subtitle 2">
             <a:extLst>
               <a:ext uri="{FF2B5EF4-FFF2-40B4-BE49-F238E27FC236}">
-                <a16:creationId xmlns:a16="http://schemas.microsoft.com/office/drawing/2014/main" id="{B6A676DF-C18E-4D54-8352-938FA317F453}"/>
+                <a16:creationId xmlns:a16="http://schemas.microsoft.com/office/drawing/2014/main" xmlns="" id="{B6A676DF-C18E-4D54-8352-938FA317F453}"/>
               </a:ext>
             </a:extLst>
           </p:cNvPr>
@@ -5883,7 +5968,7 @@
     <a:masterClrMapping/>
   </p:clrMapOvr>
   <mc:AlternateContent xmlns:mc="http://schemas.openxmlformats.org/markup-compatibility/2006">
-    <mc:Choice xmlns:p159="http://schemas.microsoft.com/office/powerpoint/2015/09/main" Requires="p159">
+    <mc:Choice xmlns:p159="http://schemas.microsoft.com/office/powerpoint/2015/09/main" xmlns="" Requires="p159">
       <p:transition spd="slow">
         <p159:morph option="byObject"/>
       </p:transition>
@@ -5894,6 +5979,13 @@
       </p:transition>
     </mc:Fallback>
   </mc:AlternateContent>
+  <p:timing>
+    <p:tnLst>
+      <p:par>
+        <p:cTn id="1" dur="indefinite" restart="never" nodeType="tmRoot"/>
+      </p:par>
+    </p:tnLst>
+  </p:timing>
 </p:sld>
 </file>
 
@@ -5919,7 +6011,7 @@
           <p:cNvPr id="2" name="Title 1">
             <a:extLst>
               <a:ext uri="{FF2B5EF4-FFF2-40B4-BE49-F238E27FC236}">
-                <a16:creationId xmlns:a16="http://schemas.microsoft.com/office/drawing/2014/main" id="{4C563FB7-B9B0-4A8B-A4AB-449E119AE454}"/>
+                <a16:creationId xmlns:a16="http://schemas.microsoft.com/office/drawing/2014/main" xmlns="" id="{C8B43DA7-2345-408B-AB8C-F23698E6052C}"/>
               </a:ext>
             </a:extLst>
           </p:cNvPr>
@@ -5930,29 +6022,21 @@
             <p:ph type="title"/>
           </p:nvPr>
         </p:nvSpPr>
-        <p:spPr>
-          <a:xfrm>
-            <a:off x="701967" y="4789172"/>
-            <a:ext cx="8534400" cy="1507067"/>
-          </a:xfrm>
-        </p:spPr>
+        <p:spPr/>
         <p:txBody>
           <a:bodyPr/>
           <a:lstStyle/>
           <a:p>
-            <a:r>
-              <a:rPr lang="en-US" dirty="0"/>
-              <a:t>Fetch API</a:t>
-            </a:r>
+            <a:endParaRPr lang="en-US"/>
           </a:p>
         </p:txBody>
       </p:sp>
       <p:pic>
         <p:nvPicPr>
-          <p:cNvPr id="6" name="Content Placeholder 5">
+          <p:cNvPr id="4" name="Content Placeholder 3">
             <a:extLst>
               <a:ext uri="{FF2B5EF4-FFF2-40B4-BE49-F238E27FC236}">
-                <a16:creationId xmlns:a16="http://schemas.microsoft.com/office/drawing/2014/main" id="{DEE54AF1-098B-421B-B35F-D03D5723B00C}"/>
+                <a16:creationId xmlns:a16="http://schemas.microsoft.com/office/drawing/2014/main" xmlns="" id="{416C16D3-06DA-434A-A615-91B440249FC7}"/>
               </a:ext>
             </a:extLst>
           </p:cNvPr>
@@ -5977,15 +6061,18 @@
         </p:blipFill>
         <p:spPr>
           <a:xfrm>
-            <a:off x="766468" y="229686"/>
-            <a:ext cx="8688250" cy="4778743"/>
+            <a:off x="684212" y="685800"/>
+            <a:ext cx="9659582" cy="5227320"/>
           </a:xfrm>
+          <a:prstGeom prst="rect">
+            <a:avLst/>
+          </a:prstGeom>
         </p:spPr>
       </p:pic>
     </p:spTree>
     <p:extLst>
       <p:ext uri="{BB962C8B-B14F-4D97-AF65-F5344CB8AC3E}">
-        <p14:creationId xmlns:p14="http://schemas.microsoft.com/office/powerpoint/2010/main" val="1930993044"/>
+        <p14:creationId xmlns:p14="http://schemas.microsoft.com/office/powerpoint/2010/main" val="1864608788"/>
       </p:ext>
     </p:extLst>
   </p:cSld>
@@ -5993,7 +6080,7 @@
     <a:masterClrMapping/>
   </p:clrMapOvr>
   <mc:AlternateContent xmlns:mc="http://schemas.openxmlformats.org/markup-compatibility/2006">
-    <mc:Choice xmlns:p159="http://schemas.microsoft.com/office/powerpoint/2015/09/main" Requires="p159">
+    <mc:Choice xmlns:p159="http://schemas.microsoft.com/office/powerpoint/2015/09/main" xmlns="" Requires="p159">
       <p:transition spd="slow">
         <p159:morph option="byObject"/>
       </p:transition>
@@ -6004,6 +6091,135 @@
       </p:transition>
     </mc:Fallback>
   </mc:AlternateContent>
+  <p:timing>
+    <p:tnLst>
+      <p:par>
+        <p:cTn id="1" dur="indefinite" restart="never" nodeType="tmRoot">
+          <p:childTnLst>
+            <p:seq concurrent="1" nextAc="seek">
+              <p:cTn id="2" dur="indefinite" nodeType="mainSeq">
+                <p:childTnLst>
+                  <p:par>
+                    <p:cTn id="3" fill="hold">
+                      <p:stCondLst>
+                        <p:cond delay="indefinite"/>
+                      </p:stCondLst>
+                      <p:childTnLst>
+                        <p:par>
+                          <p:cTn id="4" fill="hold">
+                            <p:stCondLst>
+                              <p:cond delay="0"/>
+                            </p:stCondLst>
+                            <p:childTnLst>
+                              <p:par>
+                                <p:cTn id="5" presetID="42" presetClass="entr" presetSubtype="0" fill="hold" nodeType="clickEffect">
+                                  <p:stCondLst>
+                                    <p:cond delay="0"/>
+                                  </p:stCondLst>
+                                  <p:childTnLst>
+                                    <p:set>
+                                      <p:cBhvr>
+                                        <p:cTn id="6" dur="1" fill="hold">
+                                          <p:stCondLst>
+                                            <p:cond delay="0"/>
+                                          </p:stCondLst>
+                                        </p:cTn>
+                                        <p:tgtEl>
+                                          <p:spTgt spid="4"/>
+                                        </p:tgtEl>
+                                        <p:attrNameLst>
+                                          <p:attrName>style.visibility</p:attrName>
+                                        </p:attrNameLst>
+                                      </p:cBhvr>
+                                      <p:to>
+                                        <p:strVal val="visible"/>
+                                      </p:to>
+                                    </p:set>
+                                    <p:animEffect transition="in" filter="fade">
+                                      <p:cBhvr>
+                                        <p:cTn id="7" dur="1000"/>
+                                        <p:tgtEl>
+                                          <p:spTgt spid="4"/>
+                                        </p:tgtEl>
+                                      </p:cBhvr>
+                                    </p:animEffect>
+                                    <p:anim calcmode="lin" valueType="num">
+                                      <p:cBhvr>
+                                        <p:cTn id="8" dur="1000" fill="hold"/>
+                                        <p:tgtEl>
+                                          <p:spTgt spid="4"/>
+                                        </p:tgtEl>
+                                        <p:attrNameLst>
+                                          <p:attrName>ppt_x</p:attrName>
+                                        </p:attrNameLst>
+                                      </p:cBhvr>
+                                      <p:tavLst>
+                                        <p:tav tm="0">
+                                          <p:val>
+                                            <p:strVal val="#ppt_x"/>
+                                          </p:val>
+                                        </p:tav>
+                                        <p:tav tm="100000">
+                                          <p:val>
+                                            <p:strVal val="#ppt_x"/>
+                                          </p:val>
+                                        </p:tav>
+                                      </p:tavLst>
+                                    </p:anim>
+                                    <p:anim calcmode="lin" valueType="num">
+                                      <p:cBhvr>
+                                        <p:cTn id="9" dur="1000" fill="hold"/>
+                                        <p:tgtEl>
+                                          <p:spTgt spid="4"/>
+                                        </p:tgtEl>
+                                        <p:attrNameLst>
+                                          <p:attrName>ppt_y</p:attrName>
+                                        </p:attrNameLst>
+                                      </p:cBhvr>
+                                      <p:tavLst>
+                                        <p:tav tm="0">
+                                          <p:val>
+                                            <p:strVal val="#ppt_y+.1"/>
+                                          </p:val>
+                                        </p:tav>
+                                        <p:tav tm="100000">
+                                          <p:val>
+                                            <p:strVal val="#ppt_y"/>
+                                          </p:val>
+                                        </p:tav>
+                                      </p:tavLst>
+                                    </p:anim>
+                                  </p:childTnLst>
+                                </p:cTn>
+                              </p:par>
+                            </p:childTnLst>
+                          </p:cTn>
+                        </p:par>
+                      </p:childTnLst>
+                    </p:cTn>
+                  </p:par>
+                </p:childTnLst>
+              </p:cTn>
+              <p:prevCondLst>
+                <p:cond evt="onPrev" delay="0">
+                  <p:tgtEl>
+                    <p:sldTgt/>
+                  </p:tgtEl>
+                </p:cond>
+              </p:prevCondLst>
+              <p:nextCondLst>
+                <p:cond evt="onNext" delay="0">
+                  <p:tgtEl>
+                    <p:sldTgt/>
+                  </p:tgtEl>
+                </p:cond>
+              </p:nextCondLst>
+            </p:seq>
+          </p:childTnLst>
+        </p:cTn>
+      </p:par>
+    </p:tnLst>
+  </p:timing>
 </p:sld>
 </file>
 
@@ -6029,7 +6245,246 @@
           <p:cNvPr id="2" name="Title 1">
             <a:extLst>
               <a:ext uri="{FF2B5EF4-FFF2-40B4-BE49-F238E27FC236}">
-                <a16:creationId xmlns:a16="http://schemas.microsoft.com/office/drawing/2014/main" id="{1CE5E76C-50B9-4A9E-A76E-FDB8153F0A7A}"/>
+                <a16:creationId xmlns:a16="http://schemas.microsoft.com/office/drawing/2014/main" xmlns="" id="{4C563FB7-B9B0-4A8B-A4AB-449E119AE454}"/>
+              </a:ext>
+            </a:extLst>
+          </p:cNvPr>
+          <p:cNvSpPr>
+            <a:spLocks noGrp="1"/>
+          </p:cNvSpPr>
+          <p:nvPr>
+            <p:ph type="title"/>
+          </p:nvPr>
+        </p:nvSpPr>
+        <p:spPr>
+          <a:xfrm>
+            <a:off x="701967" y="4789172"/>
+            <a:ext cx="8534400" cy="1507067"/>
+          </a:xfrm>
+        </p:spPr>
+        <p:txBody>
+          <a:bodyPr/>
+          <a:lstStyle/>
+          <a:p>
+            <a:r>
+              <a:rPr lang="en-US" dirty="0"/>
+              <a:t>Fetch API</a:t>
+            </a:r>
+          </a:p>
+        </p:txBody>
+      </p:sp>
+      <p:pic>
+        <p:nvPicPr>
+          <p:cNvPr id="6" name="Content Placeholder 5">
+            <a:extLst>
+              <a:ext uri="{FF2B5EF4-FFF2-40B4-BE49-F238E27FC236}">
+                <a16:creationId xmlns:a16="http://schemas.microsoft.com/office/drawing/2014/main" xmlns="" id="{DEE54AF1-098B-421B-B35F-D03D5723B00C}"/>
+              </a:ext>
+            </a:extLst>
+          </p:cNvPr>
+          <p:cNvPicPr>
+            <a:picLocks noGrp="1" noChangeAspect="1"/>
+          </p:cNvPicPr>
+          <p:nvPr>
+            <p:ph idx="1"/>
+          </p:nvPr>
+        </p:nvPicPr>
+        <p:blipFill>
+          <a:blip r:embed="rId2">
+            <a:extLst>
+              <a:ext uri="{28A0092B-C50C-407E-A947-70E740481C1C}">
+                <a14:useLocalDpi xmlns:a14="http://schemas.microsoft.com/office/drawing/2010/main" val="0"/>
+              </a:ext>
+            </a:extLst>
+          </a:blip>
+          <a:stretch>
+            <a:fillRect/>
+          </a:stretch>
+        </p:blipFill>
+        <p:spPr>
+          <a:xfrm>
+            <a:off x="775064" y="199266"/>
+            <a:ext cx="8830490" cy="4875358"/>
+          </a:xfrm>
+        </p:spPr>
+      </p:pic>
+    </p:spTree>
+    <p:extLst>
+      <p:ext uri="{BB962C8B-B14F-4D97-AF65-F5344CB8AC3E}">
+        <p14:creationId xmlns:p14="http://schemas.microsoft.com/office/powerpoint/2010/main" val="1930993044"/>
+      </p:ext>
+    </p:extLst>
+  </p:cSld>
+  <p:clrMapOvr>
+    <a:masterClrMapping/>
+  </p:clrMapOvr>
+  <mc:AlternateContent xmlns:mc="http://schemas.openxmlformats.org/markup-compatibility/2006">
+    <mc:Choice xmlns:p159="http://schemas.microsoft.com/office/powerpoint/2015/09/main" xmlns="" Requires="p159">
+      <p:transition spd="slow">
+        <p159:morph option="byObject"/>
+      </p:transition>
+    </mc:Choice>
+    <mc:Fallback>
+      <p:transition spd="slow">
+        <p:fade/>
+      </p:transition>
+    </mc:Fallback>
+  </mc:AlternateContent>
+  <p:timing>
+    <p:tnLst>
+      <p:par>
+        <p:cTn id="1" dur="indefinite" restart="never" nodeType="tmRoot">
+          <p:childTnLst>
+            <p:seq concurrent="1" nextAc="seek">
+              <p:cTn id="2" dur="indefinite" nodeType="mainSeq">
+                <p:childTnLst>
+                  <p:par>
+                    <p:cTn id="3" fill="hold">
+                      <p:stCondLst>
+                        <p:cond delay="indefinite"/>
+                      </p:stCondLst>
+                      <p:childTnLst>
+                        <p:par>
+                          <p:cTn id="4" fill="hold">
+                            <p:stCondLst>
+                              <p:cond delay="0"/>
+                            </p:stCondLst>
+                            <p:childTnLst>
+                              <p:par>
+                                <p:cTn id="5" presetID="42" presetClass="entr" presetSubtype="0" fill="hold" nodeType="clickEffect">
+                                  <p:stCondLst>
+                                    <p:cond delay="0"/>
+                                  </p:stCondLst>
+                                  <p:childTnLst>
+                                    <p:set>
+                                      <p:cBhvr>
+                                        <p:cTn id="6" dur="1" fill="hold">
+                                          <p:stCondLst>
+                                            <p:cond delay="0"/>
+                                          </p:stCondLst>
+                                        </p:cTn>
+                                        <p:tgtEl>
+                                          <p:spTgt spid="6"/>
+                                        </p:tgtEl>
+                                        <p:attrNameLst>
+                                          <p:attrName>style.visibility</p:attrName>
+                                        </p:attrNameLst>
+                                      </p:cBhvr>
+                                      <p:to>
+                                        <p:strVal val="visible"/>
+                                      </p:to>
+                                    </p:set>
+                                    <p:animEffect transition="in" filter="fade">
+                                      <p:cBhvr>
+                                        <p:cTn id="7" dur="1000"/>
+                                        <p:tgtEl>
+                                          <p:spTgt spid="6"/>
+                                        </p:tgtEl>
+                                      </p:cBhvr>
+                                    </p:animEffect>
+                                    <p:anim calcmode="lin" valueType="num">
+                                      <p:cBhvr>
+                                        <p:cTn id="8" dur="1000" fill="hold"/>
+                                        <p:tgtEl>
+                                          <p:spTgt spid="6"/>
+                                        </p:tgtEl>
+                                        <p:attrNameLst>
+                                          <p:attrName>ppt_x</p:attrName>
+                                        </p:attrNameLst>
+                                      </p:cBhvr>
+                                      <p:tavLst>
+                                        <p:tav tm="0">
+                                          <p:val>
+                                            <p:strVal val="#ppt_x"/>
+                                          </p:val>
+                                        </p:tav>
+                                        <p:tav tm="100000">
+                                          <p:val>
+                                            <p:strVal val="#ppt_x"/>
+                                          </p:val>
+                                        </p:tav>
+                                      </p:tavLst>
+                                    </p:anim>
+                                    <p:anim calcmode="lin" valueType="num">
+                                      <p:cBhvr>
+                                        <p:cTn id="9" dur="1000" fill="hold"/>
+                                        <p:tgtEl>
+                                          <p:spTgt spid="6"/>
+                                        </p:tgtEl>
+                                        <p:attrNameLst>
+                                          <p:attrName>ppt_y</p:attrName>
+                                        </p:attrNameLst>
+                                      </p:cBhvr>
+                                      <p:tavLst>
+                                        <p:tav tm="0">
+                                          <p:val>
+                                            <p:strVal val="#ppt_y+.1"/>
+                                          </p:val>
+                                        </p:tav>
+                                        <p:tav tm="100000">
+                                          <p:val>
+                                            <p:strVal val="#ppt_y"/>
+                                          </p:val>
+                                        </p:tav>
+                                      </p:tavLst>
+                                    </p:anim>
+                                  </p:childTnLst>
+                                </p:cTn>
+                              </p:par>
+                            </p:childTnLst>
+                          </p:cTn>
+                        </p:par>
+                      </p:childTnLst>
+                    </p:cTn>
+                  </p:par>
+                </p:childTnLst>
+              </p:cTn>
+              <p:prevCondLst>
+                <p:cond evt="onPrev" delay="0">
+                  <p:tgtEl>
+                    <p:sldTgt/>
+                  </p:tgtEl>
+                </p:cond>
+              </p:prevCondLst>
+              <p:nextCondLst>
+                <p:cond evt="onNext" delay="0">
+                  <p:tgtEl>
+                    <p:sldTgt/>
+                  </p:tgtEl>
+                </p:cond>
+              </p:nextCondLst>
+            </p:seq>
+          </p:childTnLst>
+        </p:cTn>
+      </p:par>
+    </p:tnLst>
+  </p:timing>
+</p:sld>
+</file>
+
+<file path=ppt/slides/slide12.xml><?xml version="1.0" encoding="utf-8"?>
+<p:sld xmlns:a="http://schemas.openxmlformats.org/drawingml/2006/main" xmlns:r="http://schemas.openxmlformats.org/officeDocument/2006/relationships" xmlns:p="http://schemas.openxmlformats.org/presentationml/2006/main">
+  <p:cSld>
+    <p:spTree>
+      <p:nvGrpSpPr>
+        <p:cNvPr id="1" name=""/>
+        <p:cNvGrpSpPr/>
+        <p:nvPr/>
+      </p:nvGrpSpPr>
+      <p:grpSpPr>
+        <a:xfrm>
+          <a:off x="0" y="0"/>
+          <a:ext cx="0" cy="0"/>
+          <a:chOff x="0" y="0"/>
+          <a:chExt cx="0" cy="0"/>
+        </a:xfrm>
+      </p:grpSpPr>
+      <p:sp>
+        <p:nvSpPr>
+          <p:cNvPr id="2" name="Title 1">
+            <a:extLst>
+              <a:ext uri="{FF2B5EF4-FFF2-40B4-BE49-F238E27FC236}">
+                <a16:creationId xmlns:a16="http://schemas.microsoft.com/office/drawing/2014/main" xmlns="" id="{1CE5E76C-50B9-4A9E-A76E-FDB8153F0A7A}"/>
               </a:ext>
             </a:extLst>
           </p:cNvPr>
@@ -6066,7 +6521,7 @@
           <p:cNvPr id="3" name="Content Placeholder 2">
             <a:extLst>
               <a:ext uri="{FF2B5EF4-FFF2-40B4-BE49-F238E27FC236}">
-                <a16:creationId xmlns:a16="http://schemas.microsoft.com/office/drawing/2014/main" id="{48F2C5EF-27DF-4405-B689-B76C63BA4D19}"/>
+                <a16:creationId xmlns:a16="http://schemas.microsoft.com/office/drawing/2014/main" xmlns="" id="{48F2C5EF-27DF-4405-B689-B76C63BA4D19}"/>
               </a:ext>
             </a:extLst>
           </p:cNvPr>
@@ -6128,7 +6583,7 @@
           <p:cNvPr id="9" name="Picture 8">
             <a:extLst>
               <a:ext uri="{FF2B5EF4-FFF2-40B4-BE49-F238E27FC236}">
-                <a16:creationId xmlns:a16="http://schemas.microsoft.com/office/drawing/2014/main" id="{CD2C4364-711E-460D-9CEB-9A4EB69FCDD5}"/>
+                <a16:creationId xmlns:a16="http://schemas.microsoft.com/office/drawing/2014/main" xmlns="" id="{CD2C4364-711E-460D-9CEB-9A4EB69FCDD5}"/>
               </a:ext>
             </a:extLst>
           </p:cNvPr>
@@ -6170,7 +6625,7 @@
     <a:masterClrMapping/>
   </p:clrMapOvr>
   <mc:AlternateContent xmlns:mc="http://schemas.openxmlformats.org/markup-compatibility/2006">
-    <mc:Choice xmlns:p159="http://schemas.microsoft.com/office/powerpoint/2015/09/main" Requires="p159">
+    <mc:Choice xmlns:p159="http://schemas.microsoft.com/office/powerpoint/2015/09/main" xmlns="" Requires="p159">
       <p:transition spd="slow">
         <p159:morph option="byObject"/>
       </p:transition>
@@ -6181,94 +6636,13 @@
       </p:transition>
     </mc:Fallback>
   </mc:AlternateContent>
-</p:sld>
-</file>
-
-<file path=ppt/slides/slide12.xml><?xml version="1.0" encoding="utf-8"?>
-<p:sld xmlns:a="http://schemas.openxmlformats.org/drawingml/2006/main" xmlns:r="http://schemas.openxmlformats.org/officeDocument/2006/relationships" xmlns:p="http://schemas.openxmlformats.org/presentationml/2006/main">
-  <p:cSld>
-    <p:spTree>
-      <p:nvGrpSpPr>
-        <p:cNvPr id="1" name=""/>
-        <p:cNvGrpSpPr/>
-        <p:nvPr/>
-      </p:nvGrpSpPr>
-      <p:grpSpPr>
-        <a:xfrm>
-          <a:off x="0" y="0"/>
-          <a:ext cx="0" cy="0"/>
-          <a:chOff x="0" y="0"/>
-          <a:chExt cx="0" cy="0"/>
-        </a:xfrm>
-      </p:grpSpPr>
-      <p:sp>
-        <p:nvSpPr>
-          <p:cNvPr id="2" name="Title 1"/>
-          <p:cNvSpPr>
-            <a:spLocks noGrp="1"/>
-          </p:cNvSpPr>
-          <p:nvPr>
-            <p:ph type="title"/>
-          </p:nvPr>
-        </p:nvSpPr>
-        <p:spPr/>
-        <p:txBody>
-          <a:bodyPr/>
-          <a:lstStyle/>
-          <a:p>
-            <a:r>
-              <a:rPr lang="en-US" dirty="0"/>
-              <a:t>Offline Browsing </a:t>
-            </a:r>
-            <a:r>
-              <a:rPr lang="en-US" dirty="0" err="1"/>
-              <a:t>DEMo</a:t>
-            </a:r>
-            <a:endParaRPr lang="en-US" dirty="0"/>
-          </a:p>
-        </p:txBody>
-      </p:sp>
-      <p:sp>
-        <p:nvSpPr>
-          <p:cNvPr id="3" name="Content Placeholder 2"/>
-          <p:cNvSpPr>
-            <a:spLocks noGrp="1"/>
-          </p:cNvSpPr>
-          <p:nvPr>
-            <p:ph idx="1"/>
-          </p:nvPr>
-        </p:nvSpPr>
-        <p:spPr/>
-        <p:txBody>
-          <a:bodyPr/>
-          <a:lstStyle/>
-          <a:p>
-            <a:endParaRPr lang="en-US"/>
-          </a:p>
-        </p:txBody>
-      </p:sp>
-    </p:spTree>
-    <p:extLst>
-      <p:ext uri="{BB962C8B-B14F-4D97-AF65-F5344CB8AC3E}">
-        <p14:creationId xmlns:p14="http://schemas.microsoft.com/office/powerpoint/2010/main" val="3599277956"/>
-      </p:ext>
-    </p:extLst>
-  </p:cSld>
-  <p:clrMapOvr>
-    <a:masterClrMapping/>
-  </p:clrMapOvr>
-  <mc:AlternateContent xmlns:mc="http://schemas.openxmlformats.org/markup-compatibility/2006">
-    <mc:Choice xmlns:p159="http://schemas.microsoft.com/office/powerpoint/2015/09/main" Requires="p159">
-      <p:transition spd="slow">
-        <p159:morph option="byObject"/>
-      </p:transition>
-    </mc:Choice>
-    <mc:Fallback>
-      <p:transition spd="slow">
-        <p:fade/>
-      </p:transition>
-    </mc:Fallback>
-  </mc:AlternateContent>
+  <p:timing>
+    <p:tnLst>
+      <p:par>
+        <p:cTn id="1" dur="indefinite" restart="never" nodeType="tmRoot"/>
+      </p:par>
+    </p:tnLst>
+  </p:timing>
 </p:sld>
 </file>
 
@@ -6306,44 +6680,39 @@
           <a:p>
             <a:r>
               <a:rPr lang="en-US" dirty="0"/>
-              <a:t>PUSH NOTIFICATION</a:t>
-            </a:r>
-          </a:p>
-        </p:txBody>
-      </p:sp>
-      <p:pic>
-        <p:nvPicPr>
-          <p:cNvPr id="4" name="Content Placeholder 3"/>
-          <p:cNvPicPr>
-            <a:picLocks noGrp="1" noChangeAspect="1"/>
-          </p:cNvPicPr>
+              <a:t>Offline Browsing </a:t>
+            </a:r>
+            <a:r>
+              <a:rPr lang="en-US" dirty="0" err="1"/>
+              <a:t>DEMo</a:t>
+            </a:r>
+            <a:endParaRPr lang="en-US" dirty="0"/>
+          </a:p>
+        </p:txBody>
+      </p:sp>
+      <p:sp>
+        <p:nvSpPr>
+          <p:cNvPr id="3" name="Content Placeholder 2"/>
+          <p:cNvSpPr>
+            <a:spLocks noGrp="1"/>
+          </p:cNvSpPr>
           <p:nvPr>
             <p:ph idx="1"/>
           </p:nvPr>
-        </p:nvPicPr>
-        <p:blipFill>
-          <a:blip r:embed="rId2">
-            <a:extLst>
-              <a:ext uri="{28A0092B-C50C-407E-A947-70E740481C1C}">
-                <a14:useLocalDpi xmlns:a14="http://schemas.microsoft.com/office/drawing/2010/main" val="0"/>
-              </a:ext>
-            </a:extLst>
-          </a:blip>
-          <a:stretch>
-            <a:fillRect/>
-          </a:stretch>
-        </p:blipFill>
-        <p:spPr>
-          <a:xfrm>
-            <a:off x="684212" y="685800"/>
-            <a:ext cx="9397337" cy="3985262"/>
-          </a:xfrm>
-        </p:spPr>
-      </p:pic>
+        </p:nvSpPr>
+        <p:spPr/>
+        <p:txBody>
+          <a:bodyPr/>
+          <a:lstStyle/>
+          <a:p>
+            <a:endParaRPr lang="en-US"/>
+          </a:p>
+        </p:txBody>
+      </p:sp>
     </p:spTree>
     <p:extLst>
       <p:ext uri="{BB962C8B-B14F-4D97-AF65-F5344CB8AC3E}">
-        <p14:creationId xmlns:p14="http://schemas.microsoft.com/office/powerpoint/2010/main" val="3925466188"/>
+        <p14:creationId xmlns:p14="http://schemas.microsoft.com/office/powerpoint/2010/main" val="3599277956"/>
       </p:ext>
     </p:extLst>
   </p:cSld>
@@ -6351,7 +6720,7 @@
     <a:masterClrMapping/>
   </p:clrMapOvr>
   <mc:AlternateContent xmlns:mc="http://schemas.openxmlformats.org/markup-compatibility/2006">
-    <mc:Choice xmlns:p159="http://schemas.microsoft.com/office/powerpoint/2015/09/main" Requires="p159">
+    <mc:Choice xmlns:p159="http://schemas.microsoft.com/office/powerpoint/2015/09/main" xmlns="" Requires="p159">
       <p:transition spd="slow">
         <p159:morph option="byObject"/>
       </p:transition>
@@ -6362,6 +6731,13 @@
       </p:transition>
     </mc:Fallback>
   </mc:AlternateContent>
+  <p:timing>
+    <p:tnLst>
+      <p:par>
+        <p:cTn id="1" dur="indefinite" restart="never" nodeType="tmRoot"/>
+      </p:par>
+    </p:tnLst>
+  </p:timing>
 </p:sld>
 </file>
 
@@ -6384,13 +6760,7 @@
       </p:grpSpPr>
       <p:sp>
         <p:nvSpPr>
-          <p:cNvPr id="2" name="Title 1">
-            <a:extLst>
-              <a:ext uri="{FF2B5EF4-FFF2-40B4-BE49-F238E27FC236}">
-                <a16:creationId xmlns:a16="http://schemas.microsoft.com/office/drawing/2014/main" id="{9A417A89-8E44-44F6-B308-9426FD4B50F0}"/>
-              </a:ext>
-            </a:extLst>
-          </p:cNvPr>
+          <p:cNvPr id="2" name="Title 1"/>
           <p:cNvSpPr>
             <a:spLocks noGrp="1"/>
           </p:cNvSpPr>
@@ -6400,7 +6770,7 @@
         </p:nvSpPr>
         <p:spPr>
           <a:xfrm>
-            <a:off x="279098" y="5350933"/>
+            <a:off x="684212" y="4931469"/>
             <a:ext cx="8534400" cy="1507067"/>
           </a:xfrm>
         </p:spPr>
@@ -6410,141 +6780,44 @@
           <a:p>
             <a:r>
               <a:rPr lang="en-US" dirty="0"/>
-              <a:t>Push notification</a:t>
-            </a:r>
-          </a:p>
-        </p:txBody>
-      </p:sp>
-      <p:sp>
-        <p:nvSpPr>
-          <p:cNvPr id="3" name="Content Placeholder 2">
+              <a:t>PUSH NOTIFICATION</a:t>
+            </a:r>
+          </a:p>
+        </p:txBody>
+      </p:sp>
+      <p:pic>
+        <p:nvPicPr>
+          <p:cNvPr id="4" name="Content Placeholder 3"/>
+          <p:cNvPicPr>
+            <a:picLocks noGrp="1" noChangeAspect="1"/>
+          </p:cNvPicPr>
+          <p:nvPr>
+            <p:ph idx="1"/>
+          </p:nvPr>
+        </p:nvPicPr>
+        <p:blipFill>
+          <a:blip r:embed="rId3">
             <a:extLst>
-              <a:ext uri="{FF2B5EF4-FFF2-40B4-BE49-F238E27FC236}">
-                <a16:creationId xmlns:a16="http://schemas.microsoft.com/office/drawing/2014/main" id="{351E42AA-F625-464F-91D8-85ACA3C07519}"/>
+              <a:ext uri="{28A0092B-C50C-407E-A947-70E740481C1C}">
+                <a14:useLocalDpi xmlns:a14="http://schemas.microsoft.com/office/drawing/2010/main" val="0"/>
               </a:ext>
             </a:extLst>
-          </p:cNvPr>
-          <p:cNvSpPr>
-            <a:spLocks noGrp="1"/>
-          </p:cNvSpPr>
-          <p:nvPr>
-            <p:ph idx="1"/>
-          </p:nvPr>
-        </p:nvSpPr>
+          </a:blip>
+          <a:stretch>
+            <a:fillRect/>
+          </a:stretch>
+        </p:blipFill>
         <p:spPr>
           <a:xfrm>
-            <a:off x="684212" y="685800"/>
-            <a:ext cx="10427484" cy="4789025"/>
+            <a:off x="684212" y="354873"/>
+            <a:ext cx="9591902" cy="4830336"/>
           </a:xfrm>
         </p:spPr>
-        <p:txBody>
-          <a:bodyPr>
-            <a:noAutofit/>
-          </a:bodyPr>
-          <a:lstStyle/>
-          <a:p>
-            <a:pPr marL="0" indent="0">
-              <a:buNone/>
-            </a:pPr>
-            <a:br>
-              <a:rPr lang="en-US" dirty="0">
-                <a:solidFill>
-                  <a:schemeClr val="tx1"/>
-                </a:solidFill>
-              </a:rPr>
-            </a:br>
-            <a:endParaRPr lang="en-US" dirty="0">
-              <a:solidFill>
-                <a:schemeClr val="tx1"/>
-              </a:solidFill>
-            </a:endParaRPr>
-          </a:p>
-        </p:txBody>
-      </p:sp>
-      <p:sp>
-        <p:nvSpPr>
-          <p:cNvPr id="6" name="Rectangle 5"/>
-          <p:cNvSpPr/>
-          <p:nvPr/>
-        </p:nvSpPr>
-        <p:spPr>
-          <a:xfrm>
-            <a:off x="788383" y="960700"/>
-            <a:ext cx="9617257" cy="3970318"/>
-          </a:xfrm>
-          <a:prstGeom prst="rect">
-            <a:avLst/>
-          </a:prstGeom>
-        </p:spPr>
-        <p:txBody>
-          <a:bodyPr wrap="square">
-            <a:spAutoFit/>
-          </a:bodyPr>
-          <a:lstStyle/>
-          <a:p>
-            <a:r>
-              <a:rPr lang="en-US" dirty="0"/>
-              <a:t>* VAPID protocol: is short for Voluntary Application Server Identification. It’s a specification that defines a handshake between your app server and the push service and allows the push service to confirm which site is sending messages.</a:t>
-            </a:r>
-          </a:p>
-          <a:p>
-            <a:r>
-              <a:rPr lang="en-US" dirty="0"/>
-              <a:t>Push Notification Implementation step:</a:t>
-            </a:r>
-          </a:p>
-          <a:p>
-            <a:endParaRPr lang="en-US" dirty="0"/>
-          </a:p>
-          <a:p>
-            <a:pPr marL="457200" indent="-457200">
-              <a:buFont typeface="+mj-lt"/>
-              <a:buAutoNum type="arabicPeriod"/>
-            </a:pPr>
-            <a:r>
-              <a:rPr lang="en-US" dirty="0"/>
-              <a:t>Adding the client side logic to subscribe a user to push (i.e. the JavaScript and UI in your web app that registers a user to push messages).</a:t>
-            </a:r>
-          </a:p>
-          <a:p>
-            <a:pPr marL="457200" indent="-457200">
-              <a:buFont typeface="+mj-lt"/>
-              <a:buAutoNum type="arabicPeriod"/>
-            </a:pPr>
-            <a:r>
-              <a:rPr lang="en-US" dirty="0"/>
-              <a:t>The API call from your back-end / application that triggers a push message to a user's device.</a:t>
-            </a:r>
-          </a:p>
-          <a:p>
-            <a:pPr marL="457200" indent="-457200">
-              <a:buFont typeface="+mj-lt"/>
-              <a:buAutoNum type="arabicPeriod"/>
-            </a:pPr>
-            <a:r>
-              <a:rPr lang="en-US" dirty="0"/>
-              <a:t>The service worker JavaScript file that will receive a "push event" when the push arrives on the device. It's in this JavaScript that you'll be able to show a notification.</a:t>
-            </a:r>
-          </a:p>
-          <a:p>
-            <a:pPr marL="457200" indent="-457200">
-              <a:buFont typeface="+mj-lt"/>
-              <a:buAutoNum type="arabicPeriod"/>
-            </a:pPr>
-            <a:endParaRPr lang="en-US" dirty="0"/>
-          </a:p>
-          <a:p>
-            <a:r>
-              <a:rPr lang="en-US" dirty="0"/>
-              <a:t>* Demo</a:t>
-            </a:r>
-          </a:p>
-        </p:txBody>
-      </p:sp>
+      </p:pic>
     </p:spTree>
     <p:extLst>
       <p:ext uri="{BB962C8B-B14F-4D97-AF65-F5344CB8AC3E}">
-        <p14:creationId xmlns:p14="http://schemas.microsoft.com/office/powerpoint/2010/main" val="3636380"/>
+        <p14:creationId xmlns:p14="http://schemas.microsoft.com/office/powerpoint/2010/main" val="3925466188"/>
       </p:ext>
     </p:extLst>
   </p:cSld>
@@ -6552,7 +6825,7 @@
     <a:masterClrMapping/>
   </p:clrMapOvr>
   <mc:AlternateContent xmlns:mc="http://schemas.openxmlformats.org/markup-compatibility/2006">
-    <mc:Choice xmlns:p159="http://schemas.microsoft.com/office/powerpoint/2015/09/main" Requires="p159">
+    <mc:Choice xmlns:p159="http://schemas.microsoft.com/office/powerpoint/2015/09/main" xmlns="" Requires="p159">
       <p:transition spd="slow">
         <p159:morph option="byObject"/>
       </p:transition>
@@ -6584,7 +6857,7 @@
                             </p:stCondLst>
                             <p:childTnLst>
                               <p:par>
-                                <p:cTn id="5" presetID="1" presetClass="entr" presetSubtype="0" fill="hold" nodeType="clickEffect">
+                                <p:cTn id="5" presetID="42" presetClass="entr" presetSubtype="0" fill="hold" nodeType="clickEffect">
                                   <p:stCondLst>
                                     <p:cond delay="0"/>
                                   </p:stCondLst>
@@ -6597,11 +6870,7 @@
                                           </p:stCondLst>
                                         </p:cTn>
                                         <p:tgtEl>
-                                          <p:spTgt spid="6">
-                                            <p:txEl>
-                                              <p:pRg st="4" end="4"/>
-                                            </p:txEl>
-                                          </p:spTgt>
+                                          <p:spTgt spid="4"/>
                                         </p:tgtEl>
                                         <p:attrNameLst>
                                           <p:attrName>style.visibility</p:attrName>
@@ -6611,55 +6880,60 @@
                                         <p:strVal val="visible"/>
                                       </p:to>
                                     </p:set>
-                                  </p:childTnLst>
-                                </p:cTn>
-                              </p:par>
-                            </p:childTnLst>
-                          </p:cTn>
-                        </p:par>
-                      </p:childTnLst>
-                    </p:cTn>
-                  </p:par>
-                  <p:par>
-                    <p:cTn id="7" fill="hold">
-                      <p:stCondLst>
-                        <p:cond delay="indefinite"/>
-                      </p:stCondLst>
-                      <p:childTnLst>
-                        <p:par>
-                          <p:cTn id="8" fill="hold">
-                            <p:stCondLst>
-                              <p:cond delay="0"/>
-                            </p:stCondLst>
-                            <p:childTnLst>
-                              <p:par>
-                                <p:cTn id="9" presetID="1" presetClass="entr" presetSubtype="0" fill="hold" nodeType="clickEffect">
-                                  <p:stCondLst>
-                                    <p:cond delay="0"/>
-                                  </p:stCondLst>
-                                  <p:childTnLst>
-                                    <p:set>
+                                    <p:animEffect transition="in" filter="fade">
                                       <p:cBhvr>
-                                        <p:cTn id="10" dur="1" fill="hold">
-                                          <p:stCondLst>
-                                            <p:cond delay="0"/>
-                                          </p:stCondLst>
-                                        </p:cTn>
+                                        <p:cTn id="7" dur="1000"/>
                                         <p:tgtEl>
-                                          <p:spTgt spid="6">
-                                            <p:txEl>
-                                              <p:pRg st="5" end="5"/>
-                                            </p:txEl>
-                                          </p:spTgt>
+                                          <p:spTgt spid="4"/>
+                                        </p:tgtEl>
+                                      </p:cBhvr>
+                                    </p:animEffect>
+                                    <p:anim calcmode="lin" valueType="num">
+                                      <p:cBhvr>
+                                        <p:cTn id="8" dur="1000" fill="hold"/>
+                                        <p:tgtEl>
+                                          <p:spTgt spid="4"/>
                                         </p:tgtEl>
                                         <p:attrNameLst>
-                                          <p:attrName>style.visibility</p:attrName>
+                                          <p:attrName>ppt_x</p:attrName>
                                         </p:attrNameLst>
                                       </p:cBhvr>
-                                      <p:to>
-                                        <p:strVal val="visible"/>
-                                      </p:to>
-                                    </p:set>
+                                      <p:tavLst>
+                                        <p:tav tm="0">
+                                          <p:val>
+                                            <p:strVal val="#ppt_x"/>
+                                          </p:val>
+                                        </p:tav>
+                                        <p:tav tm="100000">
+                                          <p:val>
+                                            <p:strVal val="#ppt_x"/>
+                                          </p:val>
+                                        </p:tav>
+                                      </p:tavLst>
+                                    </p:anim>
+                                    <p:anim calcmode="lin" valueType="num">
+                                      <p:cBhvr>
+                                        <p:cTn id="9" dur="1000" fill="hold"/>
+                                        <p:tgtEl>
+                                          <p:spTgt spid="4"/>
+                                        </p:tgtEl>
+                                        <p:attrNameLst>
+                                          <p:attrName>ppt_y</p:attrName>
+                                        </p:attrNameLst>
+                                      </p:cBhvr>
+                                      <p:tavLst>
+                                        <p:tav tm="0">
+                                          <p:val>
+                                            <p:strVal val="#ppt_y+.1"/>
+                                          </p:val>
+                                        </p:tav>
+                                        <p:tav tm="100000">
+                                          <p:val>
+                                            <p:strVal val="#ppt_y"/>
+                                          </p:val>
+                                        </p:tav>
+                                      </p:tavLst>
+                                    </p:anim>
                                   </p:childTnLst>
                                 </p:cTn>
                               </p:par>
@@ -6713,6 +6987,825 @@
       </p:grpSpPr>
       <p:sp>
         <p:nvSpPr>
+          <p:cNvPr id="2" name="Title 1">
+            <a:extLst>
+              <a:ext uri="{FF2B5EF4-FFF2-40B4-BE49-F238E27FC236}">
+                <a16:creationId xmlns:a16="http://schemas.microsoft.com/office/drawing/2014/main" xmlns="" id="{9A417A89-8E44-44F6-B308-9426FD4B50F0}"/>
+              </a:ext>
+            </a:extLst>
+          </p:cNvPr>
+          <p:cNvSpPr>
+            <a:spLocks noGrp="1"/>
+          </p:cNvSpPr>
+          <p:nvPr>
+            <p:ph type="title"/>
+          </p:nvPr>
+        </p:nvSpPr>
+        <p:spPr>
+          <a:xfrm>
+            <a:off x="279098" y="5350933"/>
+            <a:ext cx="8534400" cy="1507067"/>
+          </a:xfrm>
+        </p:spPr>
+        <p:txBody>
+          <a:bodyPr/>
+          <a:lstStyle/>
+          <a:p>
+            <a:r>
+              <a:rPr lang="en-US" dirty="0"/>
+              <a:t>Push notification</a:t>
+            </a:r>
+          </a:p>
+        </p:txBody>
+      </p:sp>
+      <p:sp>
+        <p:nvSpPr>
+          <p:cNvPr id="3" name="Content Placeholder 2">
+            <a:extLst>
+              <a:ext uri="{FF2B5EF4-FFF2-40B4-BE49-F238E27FC236}">
+                <a16:creationId xmlns:a16="http://schemas.microsoft.com/office/drawing/2014/main" xmlns="" id="{351E42AA-F625-464F-91D8-85ACA3C07519}"/>
+              </a:ext>
+            </a:extLst>
+          </p:cNvPr>
+          <p:cNvSpPr>
+            <a:spLocks noGrp="1"/>
+          </p:cNvSpPr>
+          <p:nvPr>
+            <p:ph idx="1"/>
+          </p:nvPr>
+        </p:nvSpPr>
+        <p:spPr>
+          <a:xfrm>
+            <a:off x="684212" y="685800"/>
+            <a:ext cx="10427484" cy="4789025"/>
+          </a:xfrm>
+        </p:spPr>
+        <p:txBody>
+          <a:bodyPr>
+            <a:noAutofit/>
+          </a:bodyPr>
+          <a:lstStyle/>
+          <a:p>
+            <a:pPr marL="0" indent="0">
+              <a:buNone/>
+            </a:pPr>
+            <a:r>
+              <a:rPr lang="en-US" dirty="0">
+                <a:solidFill>
+                  <a:schemeClr val="tx1"/>
+                </a:solidFill>
+              </a:rPr>
+              <a:t/>
+            </a:r>
+            <a:br>
+              <a:rPr lang="en-US" dirty="0">
+                <a:solidFill>
+                  <a:schemeClr val="tx1"/>
+                </a:solidFill>
+              </a:rPr>
+            </a:br>
+            <a:endParaRPr lang="en-US" dirty="0">
+              <a:solidFill>
+                <a:schemeClr val="tx1"/>
+              </a:solidFill>
+            </a:endParaRPr>
+          </a:p>
+        </p:txBody>
+      </p:sp>
+      <p:sp>
+        <p:nvSpPr>
+          <p:cNvPr id="6" name="Rectangle 5"/>
+          <p:cNvSpPr/>
+          <p:nvPr/>
+        </p:nvSpPr>
+        <p:spPr>
+          <a:xfrm>
+            <a:off x="788383" y="960700"/>
+            <a:ext cx="9617257" cy="4247317"/>
+          </a:xfrm>
+          <a:prstGeom prst="rect">
+            <a:avLst/>
+          </a:prstGeom>
+        </p:spPr>
+        <p:txBody>
+          <a:bodyPr wrap="square">
+            <a:spAutoFit/>
+          </a:bodyPr>
+          <a:lstStyle/>
+          <a:p>
+            <a:pPr marL="285750" indent="-285750">
+              <a:buFont typeface="Arial" panose="020B0604020202020204" pitchFamily="34" charset="0"/>
+              <a:buChar char="•"/>
+            </a:pPr>
+            <a:r>
+              <a:rPr lang="en-US" dirty="0" smtClean="0"/>
+              <a:t>VAPID </a:t>
+            </a:r>
+            <a:r>
+              <a:rPr lang="en-US" dirty="0"/>
+              <a:t>protocol: is short for Voluntary Application Server Identification. It’s a specification that defines a handshake between your app server and the push service and allows the push service to confirm which site is sending messages</a:t>
+            </a:r>
+            <a:r>
+              <a:rPr lang="en-US" dirty="0" smtClean="0"/>
+              <a:t>.</a:t>
+            </a:r>
+          </a:p>
+          <a:p>
+            <a:pPr marL="285750" indent="-285750">
+              <a:buFont typeface="Arial" panose="020B0604020202020204" pitchFamily="34" charset="0"/>
+              <a:buChar char="•"/>
+            </a:pPr>
+            <a:endParaRPr lang="en-US" dirty="0"/>
+          </a:p>
+          <a:p>
+            <a:r>
+              <a:rPr lang="en-US" dirty="0"/>
+              <a:t>Push Notification Implementation step:</a:t>
+            </a:r>
+          </a:p>
+          <a:p>
+            <a:endParaRPr lang="en-US" dirty="0"/>
+          </a:p>
+          <a:p>
+            <a:pPr marL="457200" indent="-457200">
+              <a:buFont typeface="+mj-lt"/>
+              <a:buAutoNum type="arabicPeriod"/>
+            </a:pPr>
+            <a:r>
+              <a:rPr lang="en-US" dirty="0"/>
+              <a:t>Adding the client side logic to subscribe a user to push (i.e. the JavaScript and UI in your web app that registers a user to push messages).</a:t>
+            </a:r>
+          </a:p>
+          <a:p>
+            <a:pPr marL="457200" indent="-457200">
+              <a:buFont typeface="+mj-lt"/>
+              <a:buAutoNum type="arabicPeriod"/>
+            </a:pPr>
+            <a:r>
+              <a:rPr lang="en-US" dirty="0"/>
+              <a:t>The API call from your back-end / application that triggers a push message to a user's device.</a:t>
+            </a:r>
+          </a:p>
+          <a:p>
+            <a:pPr marL="457200" indent="-457200">
+              <a:buFont typeface="+mj-lt"/>
+              <a:buAutoNum type="arabicPeriod"/>
+            </a:pPr>
+            <a:r>
+              <a:rPr lang="en-US" dirty="0"/>
+              <a:t>The service worker JavaScript file that will receive a "push event" when the push arrives on the device. It's in this JavaScript that you'll be able to show a notification.</a:t>
+            </a:r>
+          </a:p>
+          <a:p>
+            <a:pPr marL="457200" indent="-457200">
+              <a:buFont typeface="+mj-lt"/>
+              <a:buAutoNum type="arabicPeriod"/>
+            </a:pPr>
+            <a:endParaRPr lang="en-US" dirty="0"/>
+          </a:p>
+          <a:p>
+            <a:r>
+              <a:rPr lang="en-US" dirty="0"/>
+              <a:t>* Demo</a:t>
+            </a:r>
+          </a:p>
+        </p:txBody>
+      </p:sp>
+    </p:spTree>
+    <p:extLst>
+      <p:ext uri="{BB962C8B-B14F-4D97-AF65-F5344CB8AC3E}">
+        <p14:creationId xmlns:p14="http://schemas.microsoft.com/office/powerpoint/2010/main" val="3636380"/>
+      </p:ext>
+    </p:extLst>
+  </p:cSld>
+  <p:clrMapOvr>
+    <a:masterClrMapping/>
+  </p:clrMapOvr>
+  <mc:AlternateContent xmlns:mc="http://schemas.openxmlformats.org/markup-compatibility/2006">
+    <mc:Choice xmlns:p159="http://schemas.microsoft.com/office/powerpoint/2015/09/main" xmlns="" Requires="p159">
+      <p:transition spd="slow">
+        <p159:morph option="byObject"/>
+      </p:transition>
+    </mc:Choice>
+    <mc:Fallback>
+      <p:transition spd="slow">
+        <p:fade/>
+      </p:transition>
+    </mc:Fallback>
+  </mc:AlternateContent>
+  <p:timing>
+    <p:tnLst>
+      <p:par>
+        <p:cTn id="1" dur="indefinite" restart="never" nodeType="tmRoot">
+          <p:childTnLst>
+            <p:seq concurrent="1" nextAc="seek">
+              <p:cTn id="2" dur="indefinite" nodeType="mainSeq">
+                <p:childTnLst>
+                  <p:par>
+                    <p:cTn id="3" fill="hold">
+                      <p:stCondLst>
+                        <p:cond delay="indefinite"/>
+                      </p:stCondLst>
+                      <p:childTnLst>
+                        <p:par>
+                          <p:cTn id="4" fill="hold">
+                            <p:stCondLst>
+                              <p:cond delay="0"/>
+                            </p:stCondLst>
+                            <p:childTnLst>
+                              <p:par>
+                                <p:cTn id="5" presetID="1" presetClass="entr" presetSubtype="0" fill="hold" grpId="0" nodeType="clickEffect">
+                                  <p:stCondLst>
+                                    <p:cond delay="0"/>
+                                  </p:stCondLst>
+                                  <p:childTnLst>
+                                    <p:set>
+                                      <p:cBhvr>
+                                        <p:cTn id="6" dur="1" fill="hold">
+                                          <p:stCondLst>
+                                            <p:cond delay="0"/>
+                                          </p:stCondLst>
+                                        </p:cTn>
+                                        <p:tgtEl>
+                                          <p:spTgt spid="6">
+                                            <p:txEl>
+                                              <p:pRg st="0" end="0"/>
+                                            </p:txEl>
+                                          </p:spTgt>
+                                        </p:tgtEl>
+                                        <p:attrNameLst>
+                                          <p:attrName>style.visibility</p:attrName>
+                                        </p:attrNameLst>
+                                      </p:cBhvr>
+                                      <p:to>
+                                        <p:strVal val="visible"/>
+                                      </p:to>
+                                    </p:set>
+                                  </p:childTnLst>
+                                </p:cTn>
+                              </p:par>
+                            </p:childTnLst>
+                          </p:cTn>
+                        </p:par>
+                      </p:childTnLst>
+                    </p:cTn>
+                  </p:par>
+                  <p:par>
+                    <p:cTn id="7" fill="hold">
+                      <p:stCondLst>
+                        <p:cond delay="indefinite"/>
+                      </p:stCondLst>
+                      <p:childTnLst>
+                        <p:par>
+                          <p:cTn id="8" fill="hold">
+                            <p:stCondLst>
+                              <p:cond delay="0"/>
+                            </p:stCondLst>
+                            <p:childTnLst>
+                              <p:par>
+                                <p:cTn id="9" presetID="1" presetClass="entr" presetSubtype="0" fill="hold" grpId="0" nodeType="clickEffect">
+                                  <p:stCondLst>
+                                    <p:cond delay="0"/>
+                                  </p:stCondLst>
+                                  <p:childTnLst>
+                                    <p:set>
+                                      <p:cBhvr>
+                                        <p:cTn id="10" dur="1" fill="hold">
+                                          <p:stCondLst>
+                                            <p:cond delay="0"/>
+                                          </p:stCondLst>
+                                        </p:cTn>
+                                        <p:tgtEl>
+                                          <p:spTgt spid="6">
+                                            <p:txEl>
+                                              <p:pRg st="2" end="2"/>
+                                            </p:txEl>
+                                          </p:spTgt>
+                                        </p:tgtEl>
+                                        <p:attrNameLst>
+                                          <p:attrName>style.visibility</p:attrName>
+                                        </p:attrNameLst>
+                                      </p:cBhvr>
+                                      <p:to>
+                                        <p:strVal val="visible"/>
+                                      </p:to>
+                                    </p:set>
+                                  </p:childTnLst>
+                                </p:cTn>
+                              </p:par>
+                            </p:childTnLst>
+                          </p:cTn>
+                        </p:par>
+                      </p:childTnLst>
+                    </p:cTn>
+                  </p:par>
+                  <p:par>
+                    <p:cTn id="11" fill="hold">
+                      <p:stCondLst>
+                        <p:cond delay="indefinite"/>
+                      </p:stCondLst>
+                      <p:childTnLst>
+                        <p:par>
+                          <p:cTn id="12" fill="hold">
+                            <p:stCondLst>
+                              <p:cond delay="0"/>
+                            </p:stCondLst>
+                            <p:childTnLst>
+                              <p:par>
+                                <p:cTn id="13" presetID="1" presetClass="entr" presetSubtype="0" fill="hold" grpId="0" nodeType="clickEffect">
+                                  <p:stCondLst>
+                                    <p:cond delay="0"/>
+                                  </p:stCondLst>
+                                  <p:childTnLst>
+                                    <p:set>
+                                      <p:cBhvr>
+                                        <p:cTn id="14" dur="1" fill="hold">
+                                          <p:stCondLst>
+                                            <p:cond delay="0"/>
+                                          </p:stCondLst>
+                                        </p:cTn>
+                                        <p:tgtEl>
+                                          <p:spTgt spid="6">
+                                            <p:txEl>
+                                              <p:pRg st="4" end="4"/>
+                                            </p:txEl>
+                                          </p:spTgt>
+                                        </p:tgtEl>
+                                        <p:attrNameLst>
+                                          <p:attrName>style.visibility</p:attrName>
+                                        </p:attrNameLst>
+                                      </p:cBhvr>
+                                      <p:to>
+                                        <p:strVal val="visible"/>
+                                      </p:to>
+                                    </p:set>
+                                  </p:childTnLst>
+                                </p:cTn>
+                              </p:par>
+                            </p:childTnLst>
+                          </p:cTn>
+                        </p:par>
+                      </p:childTnLst>
+                    </p:cTn>
+                  </p:par>
+                  <p:par>
+                    <p:cTn id="15" fill="hold">
+                      <p:stCondLst>
+                        <p:cond delay="indefinite"/>
+                      </p:stCondLst>
+                      <p:childTnLst>
+                        <p:par>
+                          <p:cTn id="16" fill="hold">
+                            <p:stCondLst>
+                              <p:cond delay="0"/>
+                            </p:stCondLst>
+                            <p:childTnLst>
+                              <p:par>
+                                <p:cTn id="17" presetID="1" presetClass="entr" presetSubtype="0" fill="hold" grpId="0" nodeType="clickEffect">
+                                  <p:stCondLst>
+                                    <p:cond delay="0"/>
+                                  </p:stCondLst>
+                                  <p:childTnLst>
+                                    <p:set>
+                                      <p:cBhvr>
+                                        <p:cTn id="18" dur="1" fill="hold">
+                                          <p:stCondLst>
+                                            <p:cond delay="0"/>
+                                          </p:stCondLst>
+                                        </p:cTn>
+                                        <p:tgtEl>
+                                          <p:spTgt spid="6">
+                                            <p:txEl>
+                                              <p:pRg st="5" end="5"/>
+                                            </p:txEl>
+                                          </p:spTgt>
+                                        </p:tgtEl>
+                                        <p:attrNameLst>
+                                          <p:attrName>style.visibility</p:attrName>
+                                        </p:attrNameLst>
+                                      </p:cBhvr>
+                                      <p:to>
+                                        <p:strVal val="visible"/>
+                                      </p:to>
+                                    </p:set>
+                                  </p:childTnLst>
+                                </p:cTn>
+                              </p:par>
+                            </p:childTnLst>
+                          </p:cTn>
+                        </p:par>
+                      </p:childTnLst>
+                    </p:cTn>
+                  </p:par>
+                  <p:par>
+                    <p:cTn id="19" fill="hold">
+                      <p:stCondLst>
+                        <p:cond delay="indefinite"/>
+                      </p:stCondLst>
+                      <p:childTnLst>
+                        <p:par>
+                          <p:cTn id="20" fill="hold">
+                            <p:stCondLst>
+                              <p:cond delay="0"/>
+                            </p:stCondLst>
+                            <p:childTnLst>
+                              <p:par>
+                                <p:cTn id="21" presetID="1" presetClass="entr" presetSubtype="0" fill="hold" grpId="0" nodeType="clickEffect">
+                                  <p:stCondLst>
+                                    <p:cond delay="0"/>
+                                  </p:stCondLst>
+                                  <p:childTnLst>
+                                    <p:set>
+                                      <p:cBhvr>
+                                        <p:cTn id="22" dur="1" fill="hold">
+                                          <p:stCondLst>
+                                            <p:cond delay="0"/>
+                                          </p:stCondLst>
+                                        </p:cTn>
+                                        <p:tgtEl>
+                                          <p:spTgt spid="6">
+                                            <p:txEl>
+                                              <p:pRg st="6" end="6"/>
+                                            </p:txEl>
+                                          </p:spTgt>
+                                        </p:tgtEl>
+                                        <p:attrNameLst>
+                                          <p:attrName>style.visibility</p:attrName>
+                                        </p:attrNameLst>
+                                      </p:cBhvr>
+                                      <p:to>
+                                        <p:strVal val="visible"/>
+                                      </p:to>
+                                    </p:set>
+                                  </p:childTnLst>
+                                </p:cTn>
+                              </p:par>
+                            </p:childTnLst>
+                          </p:cTn>
+                        </p:par>
+                      </p:childTnLst>
+                    </p:cTn>
+                  </p:par>
+                  <p:par>
+                    <p:cTn id="23" fill="hold">
+                      <p:stCondLst>
+                        <p:cond delay="indefinite"/>
+                      </p:stCondLst>
+                      <p:childTnLst>
+                        <p:par>
+                          <p:cTn id="24" fill="hold">
+                            <p:stCondLst>
+                              <p:cond delay="0"/>
+                            </p:stCondLst>
+                            <p:childTnLst>
+                              <p:par>
+                                <p:cTn id="25" presetID="1" presetClass="entr" presetSubtype="0" fill="hold" grpId="0" nodeType="clickEffect">
+                                  <p:stCondLst>
+                                    <p:cond delay="0"/>
+                                  </p:stCondLst>
+                                  <p:childTnLst>
+                                    <p:set>
+                                      <p:cBhvr>
+                                        <p:cTn id="26" dur="1" fill="hold">
+                                          <p:stCondLst>
+                                            <p:cond delay="0"/>
+                                          </p:stCondLst>
+                                        </p:cTn>
+                                        <p:tgtEl>
+                                          <p:spTgt spid="6">
+                                            <p:txEl>
+                                              <p:pRg st="8" end="8"/>
+                                            </p:txEl>
+                                          </p:spTgt>
+                                        </p:tgtEl>
+                                        <p:attrNameLst>
+                                          <p:attrName>style.visibility</p:attrName>
+                                        </p:attrNameLst>
+                                      </p:cBhvr>
+                                      <p:to>
+                                        <p:strVal val="visible"/>
+                                      </p:to>
+                                    </p:set>
+                                  </p:childTnLst>
+                                </p:cTn>
+                              </p:par>
+                              <p:par>
+                                <p:cTn id="27" presetID="1" presetClass="entr" presetSubtype="0" fill="hold" grpId="0" nodeType="withEffect">
+                                  <p:stCondLst>
+                                    <p:cond delay="0"/>
+                                  </p:stCondLst>
+                                  <p:childTnLst>
+                                    <p:set>
+                                      <p:cBhvr>
+                                        <p:cTn id="28" dur="1" fill="hold">
+                                          <p:stCondLst>
+                                            <p:cond delay="0"/>
+                                          </p:stCondLst>
+                                        </p:cTn>
+                                        <p:tgtEl>
+                                          <p:spTgt spid="2"/>
+                                        </p:tgtEl>
+                                        <p:attrNameLst>
+                                          <p:attrName>style.visibility</p:attrName>
+                                        </p:attrNameLst>
+                                      </p:cBhvr>
+                                      <p:to>
+                                        <p:strVal val="visible"/>
+                                      </p:to>
+                                    </p:set>
+                                  </p:childTnLst>
+                                </p:cTn>
+                              </p:par>
+                              <p:par>
+                                <p:cTn id="29" presetID="1" presetClass="entr" presetSubtype="0" fill="hold" grpId="0" nodeType="withEffect">
+                                  <p:stCondLst>
+                                    <p:cond delay="0"/>
+                                  </p:stCondLst>
+                                  <p:childTnLst>
+                                    <p:set>
+                                      <p:cBhvr>
+                                        <p:cTn id="30" dur="1" fill="hold">
+                                          <p:stCondLst>
+                                            <p:cond delay="0"/>
+                                          </p:stCondLst>
+                                        </p:cTn>
+                                        <p:tgtEl>
+                                          <p:spTgt spid="3">
+                                            <p:txEl>
+                                              <p:pRg st="0" end="0"/>
+                                            </p:txEl>
+                                          </p:spTgt>
+                                        </p:tgtEl>
+                                        <p:attrNameLst>
+                                          <p:attrName>style.visibility</p:attrName>
+                                        </p:attrNameLst>
+                                      </p:cBhvr>
+                                      <p:to>
+                                        <p:strVal val="visible"/>
+                                      </p:to>
+                                    </p:set>
+                                  </p:childTnLst>
+                                </p:cTn>
+                              </p:par>
+                            </p:childTnLst>
+                          </p:cTn>
+                        </p:par>
+                      </p:childTnLst>
+                    </p:cTn>
+                  </p:par>
+                  <p:par>
+                    <p:cTn id="31" fill="hold">
+                      <p:stCondLst>
+                        <p:cond delay="indefinite"/>
+                      </p:stCondLst>
+                      <p:childTnLst>
+                        <p:par>
+                          <p:cTn id="32" fill="hold">
+                            <p:stCondLst>
+                              <p:cond delay="0"/>
+                            </p:stCondLst>
+                            <p:childTnLst>
+                              <p:par>
+                                <p:cTn id="33" presetID="1" presetClass="entr" presetSubtype="0" fill="hold" nodeType="clickEffect">
+                                  <p:stCondLst>
+                                    <p:cond delay="0"/>
+                                  </p:stCondLst>
+                                  <p:childTnLst>
+                                    <p:set>
+                                      <p:cBhvr>
+                                        <p:cTn id="34" dur="1" fill="hold">
+                                          <p:stCondLst>
+                                            <p:cond delay="0"/>
+                                          </p:stCondLst>
+                                        </p:cTn>
+                                        <p:tgtEl>
+                                          <p:spTgt spid="6">
+                                            <p:txEl>
+                                              <p:pRg st="0" end="0"/>
+                                            </p:txEl>
+                                          </p:spTgt>
+                                        </p:tgtEl>
+                                        <p:attrNameLst>
+                                          <p:attrName>style.visibility</p:attrName>
+                                        </p:attrNameLst>
+                                      </p:cBhvr>
+                                      <p:to>
+                                        <p:strVal val="visible"/>
+                                      </p:to>
+                                    </p:set>
+                                  </p:childTnLst>
+                                </p:cTn>
+                              </p:par>
+                              <p:par>
+                                <p:cTn id="35" presetID="1" presetClass="entr" presetSubtype="0" fill="hold" nodeType="withEffect">
+                                  <p:stCondLst>
+                                    <p:cond delay="0"/>
+                                  </p:stCondLst>
+                                  <p:childTnLst>
+                                    <p:set>
+                                      <p:cBhvr>
+                                        <p:cTn id="36" dur="1" fill="hold">
+                                          <p:stCondLst>
+                                            <p:cond delay="0"/>
+                                          </p:stCondLst>
+                                        </p:cTn>
+                                        <p:tgtEl>
+                                          <p:spTgt spid="6">
+                                            <p:txEl>
+                                              <p:pRg st="2" end="2"/>
+                                            </p:txEl>
+                                          </p:spTgt>
+                                        </p:tgtEl>
+                                        <p:attrNameLst>
+                                          <p:attrName>style.visibility</p:attrName>
+                                        </p:attrNameLst>
+                                      </p:cBhvr>
+                                      <p:to>
+                                        <p:strVal val="visible"/>
+                                      </p:to>
+                                    </p:set>
+                                  </p:childTnLst>
+                                </p:cTn>
+                              </p:par>
+                              <p:par>
+                                <p:cTn id="37" presetID="1" presetClass="entr" presetSubtype="0" fill="hold" nodeType="withEffect">
+                                  <p:stCondLst>
+                                    <p:cond delay="0"/>
+                                  </p:stCondLst>
+                                  <p:childTnLst>
+                                    <p:set>
+                                      <p:cBhvr>
+                                        <p:cTn id="38" dur="1" fill="hold">
+                                          <p:stCondLst>
+                                            <p:cond delay="0"/>
+                                          </p:stCondLst>
+                                        </p:cTn>
+                                        <p:tgtEl>
+                                          <p:spTgt spid="6">
+                                            <p:txEl>
+                                              <p:pRg st="4" end="4"/>
+                                            </p:txEl>
+                                          </p:spTgt>
+                                        </p:tgtEl>
+                                        <p:attrNameLst>
+                                          <p:attrName>style.visibility</p:attrName>
+                                        </p:attrNameLst>
+                                      </p:cBhvr>
+                                      <p:to>
+                                        <p:strVal val="visible"/>
+                                      </p:to>
+                                    </p:set>
+                                  </p:childTnLst>
+                                </p:cTn>
+                              </p:par>
+                              <p:par>
+                                <p:cTn id="39" presetID="1" presetClass="entr" presetSubtype="0" fill="hold" nodeType="withEffect">
+                                  <p:stCondLst>
+                                    <p:cond delay="0"/>
+                                  </p:stCondLst>
+                                  <p:childTnLst>
+                                    <p:set>
+                                      <p:cBhvr>
+                                        <p:cTn id="40" dur="1" fill="hold">
+                                          <p:stCondLst>
+                                            <p:cond delay="0"/>
+                                          </p:stCondLst>
+                                        </p:cTn>
+                                        <p:tgtEl>
+                                          <p:spTgt spid="6">
+                                            <p:txEl>
+                                              <p:pRg st="5" end="5"/>
+                                            </p:txEl>
+                                          </p:spTgt>
+                                        </p:tgtEl>
+                                        <p:attrNameLst>
+                                          <p:attrName>style.visibility</p:attrName>
+                                        </p:attrNameLst>
+                                      </p:cBhvr>
+                                      <p:to>
+                                        <p:strVal val="visible"/>
+                                      </p:to>
+                                    </p:set>
+                                  </p:childTnLst>
+                                </p:cTn>
+                              </p:par>
+                              <p:par>
+                                <p:cTn id="41" presetID="1" presetClass="entr" presetSubtype="0" fill="hold" nodeType="withEffect">
+                                  <p:stCondLst>
+                                    <p:cond delay="0"/>
+                                  </p:stCondLst>
+                                  <p:childTnLst>
+                                    <p:set>
+                                      <p:cBhvr>
+                                        <p:cTn id="42" dur="1" fill="hold">
+                                          <p:stCondLst>
+                                            <p:cond delay="0"/>
+                                          </p:stCondLst>
+                                        </p:cTn>
+                                        <p:tgtEl>
+                                          <p:spTgt spid="6">
+                                            <p:txEl>
+                                              <p:pRg st="6" end="6"/>
+                                            </p:txEl>
+                                          </p:spTgt>
+                                        </p:tgtEl>
+                                        <p:attrNameLst>
+                                          <p:attrName>style.visibility</p:attrName>
+                                        </p:attrNameLst>
+                                      </p:cBhvr>
+                                      <p:to>
+                                        <p:strVal val="visible"/>
+                                      </p:to>
+                                    </p:set>
+                                  </p:childTnLst>
+                                </p:cTn>
+                              </p:par>
+                              <p:par>
+                                <p:cTn id="43" presetID="1" presetClass="entr" presetSubtype="0" fill="hold" nodeType="withEffect">
+                                  <p:stCondLst>
+                                    <p:cond delay="0"/>
+                                  </p:stCondLst>
+                                  <p:childTnLst>
+                                    <p:set>
+                                      <p:cBhvr>
+                                        <p:cTn id="44" dur="1" fill="hold">
+                                          <p:stCondLst>
+                                            <p:cond delay="0"/>
+                                          </p:stCondLst>
+                                        </p:cTn>
+                                        <p:tgtEl>
+                                          <p:spTgt spid="6">
+                                            <p:txEl>
+                                              <p:pRg st="8" end="8"/>
+                                            </p:txEl>
+                                          </p:spTgt>
+                                        </p:tgtEl>
+                                        <p:attrNameLst>
+                                          <p:attrName>style.visibility</p:attrName>
+                                        </p:attrNameLst>
+                                      </p:cBhvr>
+                                      <p:to>
+                                        <p:strVal val="visible"/>
+                                      </p:to>
+                                    </p:set>
+                                  </p:childTnLst>
+                                </p:cTn>
+                              </p:par>
+                            </p:childTnLst>
+                          </p:cTn>
+                        </p:par>
+                      </p:childTnLst>
+                    </p:cTn>
+                  </p:par>
+                </p:childTnLst>
+              </p:cTn>
+              <p:prevCondLst>
+                <p:cond evt="onPrev" delay="0">
+                  <p:tgtEl>
+                    <p:sldTgt/>
+                  </p:tgtEl>
+                </p:cond>
+              </p:prevCondLst>
+              <p:nextCondLst>
+                <p:cond evt="onNext" delay="0">
+                  <p:tgtEl>
+                    <p:sldTgt/>
+                  </p:tgtEl>
+                </p:cond>
+              </p:nextCondLst>
+            </p:seq>
+          </p:childTnLst>
+        </p:cTn>
+      </p:par>
+    </p:tnLst>
+    <p:bldLst>
+      <p:bldP spid="2" grpId="0"/>
+      <p:bldP spid="3" grpId="0" build="p"/>
+      <p:bldP spid="6" grpId="0" build="p"/>
+    </p:bldLst>
+  </p:timing>
+</p:sld>
+</file>
+
+<file path=ppt/slides/slide16.xml><?xml version="1.0" encoding="utf-8"?>
+<p:sld xmlns:a="http://schemas.openxmlformats.org/drawingml/2006/main" xmlns:r="http://schemas.openxmlformats.org/officeDocument/2006/relationships" xmlns:p="http://schemas.openxmlformats.org/presentationml/2006/main">
+  <p:cSld>
+    <p:spTree>
+      <p:nvGrpSpPr>
+        <p:cNvPr id="1" name=""/>
+        <p:cNvGrpSpPr/>
+        <p:nvPr/>
+      </p:nvGrpSpPr>
+      <p:grpSpPr>
+        <a:xfrm>
+          <a:off x="0" y="0"/>
+          <a:ext cx="0" cy="0"/>
+          <a:chOff x="0" y="0"/>
+          <a:chExt cx="0" cy="0"/>
+        </a:xfrm>
+      </p:grpSpPr>
+      <p:sp>
+        <p:nvSpPr>
           <p:cNvPr id="2" name="Title 1"/>
           <p:cNvSpPr>
             <a:spLocks noGrp="1"/>
@@ -6828,7 +7921,7 @@
     <a:masterClrMapping/>
   </p:clrMapOvr>
   <mc:AlternateContent xmlns:mc="http://schemas.openxmlformats.org/markup-compatibility/2006">
-    <mc:Choice xmlns:p159="http://schemas.microsoft.com/office/powerpoint/2015/09/main" Requires="p159">
+    <mc:Choice xmlns:p159="http://schemas.microsoft.com/office/powerpoint/2015/09/main" xmlns="" Requires="p159">
       <p:transition spd="slow">
         <p159:morph option="byObject"/>
       </p:transition>
@@ -6924,7 +8017,7 @@
 </p:sld>
 </file>
 
-<file path=ppt/slides/slide16.xml><?xml version="1.0" encoding="utf-8"?>
+<file path=ppt/slides/slide17.xml><?xml version="1.0" encoding="utf-8"?>
 <p:sld xmlns:a="http://schemas.openxmlformats.org/drawingml/2006/main" xmlns:r="http://schemas.openxmlformats.org/officeDocument/2006/relationships" xmlns:p="http://schemas.openxmlformats.org/presentationml/2006/main">
   <p:cSld>
     <p:spTree>
@@ -7004,8 +8097,8 @@
         </p:blipFill>
         <p:spPr>
           <a:xfrm>
-            <a:off x="649488" y="176513"/>
-            <a:ext cx="9681898" cy="4926123"/>
+            <a:off x="649488" y="376625"/>
+            <a:ext cx="8442261" cy="4966668"/>
           </a:xfrm>
         </p:spPr>
       </p:pic>
@@ -7020,7 +8113,7 @@
     <a:masterClrMapping/>
   </p:clrMapOvr>
   <mc:AlternateContent xmlns:mc="http://schemas.openxmlformats.org/markup-compatibility/2006">
-    <mc:Choice xmlns:p159="http://schemas.microsoft.com/office/powerpoint/2015/09/main" Requires="p159">
+    <mc:Choice xmlns:p159="http://schemas.microsoft.com/office/powerpoint/2015/09/main" xmlns="" Requires="p159">
       <p:transition spd="slow">
         <p159:morph option="byObject"/>
       </p:transition>
@@ -7031,6 +8124,13 @@
       </p:transition>
     </mc:Fallback>
   </mc:AlternateContent>
+  <p:timing>
+    <p:tnLst>
+      <p:par>
+        <p:cTn id="1" dur="indefinite" restart="never" nodeType="tmRoot"/>
+      </p:par>
+    </p:tnLst>
+  </p:timing>
 </p:sld>
 </file>
 
@@ -7056,7 +8156,7 @@
           <p:cNvPr id="2" name="Title 1">
             <a:extLst>
               <a:ext uri="{FF2B5EF4-FFF2-40B4-BE49-F238E27FC236}">
-                <a16:creationId xmlns:a16="http://schemas.microsoft.com/office/drawing/2014/main" id="{43C726DE-43AE-4074-8247-C32968E8AF52}"/>
+                <a16:creationId xmlns:a16="http://schemas.microsoft.com/office/drawing/2014/main" xmlns="" id="{43C726DE-43AE-4074-8247-C32968E8AF52}"/>
               </a:ext>
             </a:extLst>
           </p:cNvPr>
@@ -7084,7 +8184,7 @@
           <p:cNvPr id="3" name="Content Placeholder 2">
             <a:extLst>
               <a:ext uri="{FF2B5EF4-FFF2-40B4-BE49-F238E27FC236}">
-                <a16:creationId xmlns:a16="http://schemas.microsoft.com/office/drawing/2014/main" id="{10E3FC0C-076C-491D-8372-24DDAECA570D}"/>
+                <a16:creationId xmlns:a16="http://schemas.microsoft.com/office/drawing/2014/main" xmlns="" id="{10E3FC0C-076C-491D-8372-24DDAECA570D}"/>
               </a:ext>
             </a:extLst>
           </p:cNvPr>
@@ -7240,7 +8340,1474 @@
     <a:masterClrMapping/>
   </p:clrMapOvr>
   <mc:AlternateContent xmlns:mc="http://schemas.openxmlformats.org/markup-compatibility/2006">
-    <mc:Choice xmlns:p159="http://schemas.microsoft.com/office/powerpoint/2015/09/main" Requires="p159">
+    <mc:Choice xmlns:p159="http://schemas.microsoft.com/office/powerpoint/2015/09/main" xmlns="" Requires="p159">
+      <p:transition spd="slow">
+        <p159:morph option="byObject"/>
+      </p:transition>
+    </mc:Choice>
+    <mc:Fallback>
+      <p:transition spd="slow">
+        <p:fade/>
+      </p:transition>
+    </mc:Fallback>
+  </mc:AlternateContent>
+  <p:timing>
+    <p:tnLst>
+      <p:par>
+        <p:cTn id="1" dur="indefinite" restart="never" nodeType="tmRoot">
+          <p:childTnLst>
+            <p:seq concurrent="1" nextAc="seek">
+              <p:cTn id="2" dur="indefinite" nodeType="mainSeq">
+                <p:childTnLst>
+                  <p:par>
+                    <p:cTn id="3" fill="hold">
+                      <p:stCondLst>
+                        <p:cond delay="indefinite"/>
+                        <p:cond evt="onBegin" delay="0">
+                          <p:tn val="2"/>
+                        </p:cond>
+                      </p:stCondLst>
+                      <p:childTnLst>
+                        <p:par>
+                          <p:cTn id="4" fill="hold">
+                            <p:stCondLst>
+                              <p:cond delay="0"/>
+                            </p:stCondLst>
+                            <p:childTnLst>
+                              <p:par>
+                                <p:cTn id="5" presetID="1" presetClass="entr" presetSubtype="0" fill="hold" grpId="0" nodeType="withEffect">
+                                  <p:stCondLst>
+                                    <p:cond delay="0"/>
+                                  </p:stCondLst>
+                                  <p:childTnLst>
+                                    <p:set>
+                                      <p:cBhvr>
+                                        <p:cTn id="6" dur="1" fill="hold">
+                                          <p:stCondLst>
+                                            <p:cond delay="0"/>
+                                          </p:stCondLst>
+                                        </p:cTn>
+                                        <p:tgtEl>
+                                          <p:spTgt spid="3">
+                                            <p:txEl>
+                                              <p:pRg st="0" end="0"/>
+                                            </p:txEl>
+                                          </p:spTgt>
+                                        </p:tgtEl>
+                                        <p:attrNameLst>
+                                          <p:attrName>style.visibility</p:attrName>
+                                        </p:attrNameLst>
+                                      </p:cBhvr>
+                                      <p:to>
+                                        <p:strVal val="visible"/>
+                                      </p:to>
+                                    </p:set>
+                                  </p:childTnLst>
+                                </p:cTn>
+                              </p:par>
+                            </p:childTnLst>
+                          </p:cTn>
+                        </p:par>
+                      </p:childTnLst>
+                    </p:cTn>
+                  </p:par>
+                  <p:par>
+                    <p:cTn id="7" fill="hold">
+                      <p:stCondLst>
+                        <p:cond delay="indefinite"/>
+                      </p:stCondLst>
+                      <p:childTnLst>
+                        <p:par>
+                          <p:cTn id="8" fill="hold">
+                            <p:stCondLst>
+                              <p:cond delay="0"/>
+                            </p:stCondLst>
+                            <p:childTnLst>
+                              <p:par>
+                                <p:cTn id="9" presetID="1" presetClass="entr" presetSubtype="0" fill="hold" grpId="0" nodeType="clickEffect">
+                                  <p:stCondLst>
+                                    <p:cond delay="0"/>
+                                  </p:stCondLst>
+                                  <p:childTnLst>
+                                    <p:set>
+                                      <p:cBhvr>
+                                        <p:cTn id="10" dur="1" fill="hold">
+                                          <p:stCondLst>
+                                            <p:cond delay="0"/>
+                                          </p:stCondLst>
+                                        </p:cTn>
+                                        <p:tgtEl>
+                                          <p:spTgt spid="3">
+                                            <p:txEl>
+                                              <p:pRg st="1" end="1"/>
+                                            </p:txEl>
+                                          </p:spTgt>
+                                        </p:tgtEl>
+                                        <p:attrNameLst>
+                                          <p:attrName>style.visibility</p:attrName>
+                                        </p:attrNameLst>
+                                      </p:cBhvr>
+                                      <p:to>
+                                        <p:strVal val="visible"/>
+                                      </p:to>
+                                    </p:set>
+                                  </p:childTnLst>
+                                </p:cTn>
+                              </p:par>
+                            </p:childTnLst>
+                          </p:cTn>
+                        </p:par>
+                      </p:childTnLst>
+                    </p:cTn>
+                  </p:par>
+                  <p:par>
+                    <p:cTn id="11" fill="hold">
+                      <p:stCondLst>
+                        <p:cond delay="indefinite"/>
+                      </p:stCondLst>
+                      <p:childTnLst>
+                        <p:par>
+                          <p:cTn id="12" fill="hold">
+                            <p:stCondLst>
+                              <p:cond delay="0"/>
+                            </p:stCondLst>
+                            <p:childTnLst>
+                              <p:par>
+                                <p:cTn id="13" presetID="1" presetClass="entr" presetSubtype="0" fill="hold" grpId="0" nodeType="clickEffect">
+                                  <p:stCondLst>
+                                    <p:cond delay="0"/>
+                                  </p:stCondLst>
+                                  <p:childTnLst>
+                                    <p:set>
+                                      <p:cBhvr>
+                                        <p:cTn id="14" dur="1" fill="hold">
+                                          <p:stCondLst>
+                                            <p:cond delay="0"/>
+                                          </p:stCondLst>
+                                        </p:cTn>
+                                        <p:tgtEl>
+                                          <p:spTgt spid="3">
+                                            <p:txEl>
+                                              <p:pRg st="2" end="2"/>
+                                            </p:txEl>
+                                          </p:spTgt>
+                                        </p:tgtEl>
+                                        <p:attrNameLst>
+                                          <p:attrName>style.visibility</p:attrName>
+                                        </p:attrNameLst>
+                                      </p:cBhvr>
+                                      <p:to>
+                                        <p:strVal val="visible"/>
+                                      </p:to>
+                                    </p:set>
+                                  </p:childTnLst>
+                                </p:cTn>
+                              </p:par>
+                            </p:childTnLst>
+                          </p:cTn>
+                        </p:par>
+                      </p:childTnLst>
+                    </p:cTn>
+                  </p:par>
+                  <p:par>
+                    <p:cTn id="15" fill="hold">
+                      <p:stCondLst>
+                        <p:cond delay="indefinite"/>
+                      </p:stCondLst>
+                      <p:childTnLst>
+                        <p:par>
+                          <p:cTn id="16" fill="hold">
+                            <p:stCondLst>
+                              <p:cond delay="0"/>
+                            </p:stCondLst>
+                            <p:childTnLst>
+                              <p:par>
+                                <p:cTn id="17" presetID="1" presetClass="entr" presetSubtype="0" fill="hold" grpId="0" nodeType="clickEffect">
+                                  <p:stCondLst>
+                                    <p:cond delay="0"/>
+                                  </p:stCondLst>
+                                  <p:childTnLst>
+                                    <p:set>
+                                      <p:cBhvr>
+                                        <p:cTn id="18" dur="1" fill="hold">
+                                          <p:stCondLst>
+                                            <p:cond delay="0"/>
+                                          </p:stCondLst>
+                                        </p:cTn>
+                                        <p:tgtEl>
+                                          <p:spTgt spid="3">
+                                            <p:txEl>
+                                              <p:pRg st="3" end="3"/>
+                                            </p:txEl>
+                                          </p:spTgt>
+                                        </p:tgtEl>
+                                        <p:attrNameLst>
+                                          <p:attrName>style.visibility</p:attrName>
+                                        </p:attrNameLst>
+                                      </p:cBhvr>
+                                      <p:to>
+                                        <p:strVal val="visible"/>
+                                      </p:to>
+                                    </p:set>
+                                  </p:childTnLst>
+                                </p:cTn>
+                              </p:par>
+                            </p:childTnLst>
+                          </p:cTn>
+                        </p:par>
+                      </p:childTnLst>
+                    </p:cTn>
+                  </p:par>
+                  <p:par>
+                    <p:cTn id="19" fill="hold">
+                      <p:stCondLst>
+                        <p:cond delay="indefinite"/>
+                      </p:stCondLst>
+                      <p:childTnLst>
+                        <p:par>
+                          <p:cTn id="20" fill="hold">
+                            <p:stCondLst>
+                              <p:cond delay="0"/>
+                            </p:stCondLst>
+                            <p:childTnLst>
+                              <p:par>
+                                <p:cTn id="21" presetID="1" presetClass="entr" presetSubtype="0" fill="hold" grpId="0" nodeType="clickEffect">
+                                  <p:stCondLst>
+                                    <p:cond delay="0"/>
+                                  </p:stCondLst>
+                                  <p:childTnLst>
+                                    <p:set>
+                                      <p:cBhvr>
+                                        <p:cTn id="22" dur="1" fill="hold">
+                                          <p:stCondLst>
+                                            <p:cond delay="0"/>
+                                          </p:stCondLst>
+                                        </p:cTn>
+                                        <p:tgtEl>
+                                          <p:spTgt spid="3">
+                                            <p:txEl>
+                                              <p:pRg st="4" end="4"/>
+                                            </p:txEl>
+                                          </p:spTgt>
+                                        </p:tgtEl>
+                                        <p:attrNameLst>
+                                          <p:attrName>style.visibility</p:attrName>
+                                        </p:attrNameLst>
+                                      </p:cBhvr>
+                                      <p:to>
+                                        <p:strVal val="visible"/>
+                                      </p:to>
+                                    </p:set>
+                                  </p:childTnLst>
+                                </p:cTn>
+                              </p:par>
+                            </p:childTnLst>
+                          </p:cTn>
+                        </p:par>
+                      </p:childTnLst>
+                    </p:cTn>
+                  </p:par>
+                  <p:par>
+                    <p:cTn id="23" fill="hold">
+                      <p:stCondLst>
+                        <p:cond delay="indefinite"/>
+                      </p:stCondLst>
+                      <p:childTnLst>
+                        <p:par>
+                          <p:cTn id="24" fill="hold">
+                            <p:stCondLst>
+                              <p:cond delay="0"/>
+                            </p:stCondLst>
+                            <p:childTnLst>
+                              <p:par>
+                                <p:cTn id="25" presetID="1" presetClass="entr" presetSubtype="0" fill="hold" grpId="0" nodeType="clickEffect">
+                                  <p:stCondLst>
+                                    <p:cond delay="0"/>
+                                  </p:stCondLst>
+                                  <p:childTnLst>
+                                    <p:set>
+                                      <p:cBhvr>
+                                        <p:cTn id="26" dur="1" fill="hold">
+                                          <p:stCondLst>
+                                            <p:cond delay="0"/>
+                                          </p:stCondLst>
+                                        </p:cTn>
+                                        <p:tgtEl>
+                                          <p:spTgt spid="3">
+                                            <p:txEl>
+                                              <p:pRg st="5" end="5"/>
+                                            </p:txEl>
+                                          </p:spTgt>
+                                        </p:tgtEl>
+                                        <p:attrNameLst>
+                                          <p:attrName>style.visibility</p:attrName>
+                                        </p:attrNameLst>
+                                      </p:cBhvr>
+                                      <p:to>
+                                        <p:strVal val="visible"/>
+                                      </p:to>
+                                    </p:set>
+                                  </p:childTnLst>
+                                </p:cTn>
+                              </p:par>
+                            </p:childTnLst>
+                          </p:cTn>
+                        </p:par>
+                      </p:childTnLst>
+                    </p:cTn>
+                  </p:par>
+                  <p:par>
+                    <p:cTn id="27" fill="hold">
+                      <p:stCondLst>
+                        <p:cond delay="indefinite"/>
+                      </p:stCondLst>
+                      <p:childTnLst>
+                        <p:par>
+                          <p:cTn id="28" fill="hold">
+                            <p:stCondLst>
+                              <p:cond delay="0"/>
+                            </p:stCondLst>
+                            <p:childTnLst>
+                              <p:par>
+                                <p:cTn id="29" presetID="1" presetClass="entr" presetSubtype="0" fill="hold" grpId="0" nodeType="clickEffect">
+                                  <p:stCondLst>
+                                    <p:cond delay="0"/>
+                                  </p:stCondLst>
+                                  <p:childTnLst>
+                                    <p:set>
+                                      <p:cBhvr>
+                                        <p:cTn id="30" dur="1" fill="hold">
+                                          <p:stCondLst>
+                                            <p:cond delay="0"/>
+                                          </p:stCondLst>
+                                        </p:cTn>
+                                        <p:tgtEl>
+                                          <p:spTgt spid="3">
+                                            <p:txEl>
+                                              <p:pRg st="6" end="6"/>
+                                            </p:txEl>
+                                          </p:spTgt>
+                                        </p:tgtEl>
+                                        <p:attrNameLst>
+                                          <p:attrName>style.visibility</p:attrName>
+                                        </p:attrNameLst>
+                                      </p:cBhvr>
+                                      <p:to>
+                                        <p:strVal val="visible"/>
+                                      </p:to>
+                                    </p:set>
+                                  </p:childTnLst>
+                                </p:cTn>
+                              </p:par>
+                            </p:childTnLst>
+                          </p:cTn>
+                        </p:par>
+                      </p:childTnLst>
+                    </p:cTn>
+                  </p:par>
+                  <p:par>
+                    <p:cTn id="31" fill="hold">
+                      <p:stCondLst>
+                        <p:cond delay="indefinite"/>
+                      </p:stCondLst>
+                      <p:childTnLst>
+                        <p:par>
+                          <p:cTn id="32" fill="hold">
+                            <p:stCondLst>
+                              <p:cond delay="0"/>
+                            </p:stCondLst>
+                            <p:childTnLst>
+                              <p:par>
+                                <p:cTn id="33" presetID="1" presetClass="entr" presetSubtype="0" fill="hold" grpId="0" nodeType="clickEffect">
+                                  <p:stCondLst>
+                                    <p:cond delay="0"/>
+                                  </p:stCondLst>
+                                  <p:childTnLst>
+                                    <p:set>
+                                      <p:cBhvr>
+                                        <p:cTn id="34" dur="1" fill="hold">
+                                          <p:stCondLst>
+                                            <p:cond delay="0"/>
+                                          </p:stCondLst>
+                                        </p:cTn>
+                                        <p:tgtEl>
+                                          <p:spTgt spid="3">
+                                            <p:txEl>
+                                              <p:pRg st="7" end="7"/>
+                                            </p:txEl>
+                                          </p:spTgt>
+                                        </p:tgtEl>
+                                        <p:attrNameLst>
+                                          <p:attrName>style.visibility</p:attrName>
+                                        </p:attrNameLst>
+                                      </p:cBhvr>
+                                      <p:to>
+                                        <p:strVal val="visible"/>
+                                      </p:to>
+                                    </p:set>
+                                  </p:childTnLst>
+                                </p:cTn>
+                              </p:par>
+                            </p:childTnLst>
+                          </p:cTn>
+                        </p:par>
+                      </p:childTnLst>
+                    </p:cTn>
+                  </p:par>
+                  <p:par>
+                    <p:cTn id="35" fill="hold">
+                      <p:stCondLst>
+                        <p:cond delay="indefinite"/>
+                      </p:stCondLst>
+                      <p:childTnLst>
+                        <p:par>
+                          <p:cTn id="36" fill="hold">
+                            <p:stCondLst>
+                              <p:cond delay="0"/>
+                            </p:stCondLst>
+                            <p:childTnLst>
+                              <p:par>
+                                <p:cTn id="37" presetID="1" presetClass="entr" presetSubtype="0" fill="hold" grpId="0" nodeType="clickEffect">
+                                  <p:stCondLst>
+                                    <p:cond delay="0"/>
+                                  </p:stCondLst>
+                                  <p:childTnLst>
+                                    <p:set>
+                                      <p:cBhvr>
+                                        <p:cTn id="38" dur="1" fill="hold">
+                                          <p:stCondLst>
+                                            <p:cond delay="0"/>
+                                          </p:stCondLst>
+                                        </p:cTn>
+                                        <p:tgtEl>
+                                          <p:spTgt spid="3">
+                                            <p:txEl>
+                                              <p:pRg st="8" end="8"/>
+                                            </p:txEl>
+                                          </p:spTgt>
+                                        </p:tgtEl>
+                                        <p:attrNameLst>
+                                          <p:attrName>style.visibility</p:attrName>
+                                        </p:attrNameLst>
+                                      </p:cBhvr>
+                                      <p:to>
+                                        <p:strVal val="visible"/>
+                                      </p:to>
+                                    </p:set>
+                                  </p:childTnLst>
+                                </p:cTn>
+                              </p:par>
+                            </p:childTnLst>
+                          </p:cTn>
+                        </p:par>
+                      </p:childTnLst>
+                    </p:cTn>
+                  </p:par>
+                  <p:par>
+                    <p:cTn id="39" fill="hold">
+                      <p:stCondLst>
+                        <p:cond delay="indefinite"/>
+                      </p:stCondLst>
+                      <p:childTnLst>
+                        <p:par>
+                          <p:cTn id="40" fill="hold">
+                            <p:stCondLst>
+                              <p:cond delay="0"/>
+                            </p:stCondLst>
+                            <p:childTnLst>
+                              <p:par>
+                                <p:cTn id="41" presetID="1" presetClass="entr" presetSubtype="0" fill="hold" grpId="0" nodeType="clickEffect">
+                                  <p:stCondLst>
+                                    <p:cond delay="0"/>
+                                  </p:stCondLst>
+                                  <p:childTnLst>
+                                    <p:set>
+                                      <p:cBhvr>
+                                        <p:cTn id="42" dur="1" fill="hold">
+                                          <p:stCondLst>
+                                            <p:cond delay="0"/>
+                                          </p:stCondLst>
+                                        </p:cTn>
+                                        <p:tgtEl>
+                                          <p:spTgt spid="3">
+                                            <p:txEl>
+                                              <p:pRg st="9" end="9"/>
+                                            </p:txEl>
+                                          </p:spTgt>
+                                        </p:tgtEl>
+                                        <p:attrNameLst>
+                                          <p:attrName>style.visibility</p:attrName>
+                                        </p:attrNameLst>
+                                      </p:cBhvr>
+                                      <p:to>
+                                        <p:strVal val="visible"/>
+                                      </p:to>
+                                    </p:set>
+                                  </p:childTnLst>
+                                </p:cTn>
+                              </p:par>
+                            </p:childTnLst>
+                          </p:cTn>
+                        </p:par>
+                      </p:childTnLst>
+                    </p:cTn>
+                  </p:par>
+                  <p:par>
+                    <p:cTn id="43" fill="hold">
+                      <p:stCondLst>
+                        <p:cond delay="indefinite"/>
+                      </p:stCondLst>
+                      <p:childTnLst>
+                        <p:par>
+                          <p:cTn id="44" fill="hold">
+                            <p:stCondLst>
+                              <p:cond delay="0"/>
+                            </p:stCondLst>
+                            <p:childTnLst>
+                              <p:par>
+                                <p:cTn id="45" presetID="1" presetClass="entr" presetSubtype="0" fill="hold" nodeType="clickEffect">
+                                  <p:stCondLst>
+                                    <p:cond delay="0"/>
+                                  </p:stCondLst>
+                                  <p:childTnLst>
+                                    <p:set>
+                                      <p:cBhvr>
+                                        <p:cTn id="46" dur="1" fill="hold">
+                                          <p:stCondLst>
+                                            <p:cond delay="0"/>
+                                          </p:stCondLst>
+                                        </p:cTn>
+                                        <p:tgtEl>
+                                          <p:spTgt spid="3">
+                                            <p:txEl>
+                                              <p:pRg st="0" end="0"/>
+                                            </p:txEl>
+                                          </p:spTgt>
+                                        </p:tgtEl>
+                                        <p:attrNameLst>
+                                          <p:attrName>style.visibility</p:attrName>
+                                        </p:attrNameLst>
+                                      </p:cBhvr>
+                                      <p:to>
+                                        <p:strVal val="visible"/>
+                                      </p:to>
+                                    </p:set>
+                                  </p:childTnLst>
+                                </p:cTn>
+                              </p:par>
+                            </p:childTnLst>
+                          </p:cTn>
+                        </p:par>
+                      </p:childTnLst>
+                    </p:cTn>
+                  </p:par>
+                </p:childTnLst>
+              </p:cTn>
+              <p:prevCondLst>
+                <p:cond evt="onPrev" delay="0">
+                  <p:tgtEl>
+                    <p:sldTgt/>
+                  </p:tgtEl>
+                </p:cond>
+              </p:prevCondLst>
+              <p:nextCondLst>
+                <p:cond evt="onNext" delay="0">
+                  <p:tgtEl>
+                    <p:sldTgt/>
+                  </p:tgtEl>
+                </p:cond>
+              </p:nextCondLst>
+            </p:seq>
+          </p:childTnLst>
+        </p:cTn>
+      </p:par>
+    </p:tnLst>
+    <p:bldLst>
+      <p:bldP spid="3" grpId="0" uiExpand="1" build="p"/>
+    </p:bldLst>
+  </p:timing>
+</p:sld>
+</file>
+
+<file path=ppt/slides/slide3.xml><?xml version="1.0" encoding="utf-8"?>
+<p:sld xmlns:a="http://schemas.openxmlformats.org/drawingml/2006/main" xmlns:r="http://schemas.openxmlformats.org/officeDocument/2006/relationships" xmlns:p="http://schemas.openxmlformats.org/presentationml/2006/main">
+  <p:cSld>
+    <p:spTree>
+      <p:nvGrpSpPr>
+        <p:cNvPr id="1" name=""/>
+        <p:cNvGrpSpPr/>
+        <p:nvPr/>
+      </p:nvGrpSpPr>
+      <p:grpSpPr>
+        <a:xfrm>
+          <a:off x="0" y="0"/>
+          <a:ext cx="0" cy="0"/>
+          <a:chOff x="0" y="0"/>
+          <a:chExt cx="0" cy="0"/>
+        </a:xfrm>
+      </p:grpSpPr>
+      <p:sp>
+        <p:nvSpPr>
+          <p:cNvPr id="2" name="Title 1">
+            <a:extLst>
+              <a:ext uri="{FF2B5EF4-FFF2-40B4-BE49-F238E27FC236}">
+                <a16:creationId xmlns:a16="http://schemas.microsoft.com/office/drawing/2014/main" xmlns="" id="{5B8E0E3C-7724-4C66-AFF5-DEE7E703DFD6}"/>
+              </a:ext>
+            </a:extLst>
+          </p:cNvPr>
+          <p:cNvSpPr>
+            <a:spLocks noGrp="1"/>
+          </p:cNvSpPr>
+          <p:nvPr>
+            <p:ph type="title"/>
+          </p:nvPr>
+        </p:nvSpPr>
+        <p:spPr>
+          <a:xfrm>
+            <a:off x="684212" y="5144280"/>
+            <a:ext cx="8534400" cy="1507067"/>
+          </a:xfrm>
+        </p:spPr>
+        <p:txBody>
+          <a:bodyPr>
+            <a:normAutofit fontScale="90000"/>
+          </a:bodyPr>
+          <a:lstStyle/>
+          <a:p>
+            <a:r>
+              <a:rPr lang="en-US" dirty="0"/>
+              <a:t>What are Progressive Web App</a:t>
+            </a:r>
+            <a:br>
+              <a:rPr lang="en-US" dirty="0"/>
+            </a:br>
+            <a:r>
+              <a:rPr lang="en-US" dirty="0"/>
+              <a:t>Benefit of PWA</a:t>
+            </a:r>
+            <a:br>
+              <a:rPr lang="en-US" dirty="0"/>
+            </a:br>
+            <a:endParaRPr lang="en-US" dirty="0"/>
+          </a:p>
+        </p:txBody>
+      </p:sp>
+      <p:sp>
+        <p:nvSpPr>
+          <p:cNvPr id="3" name="Content Placeholder 2">
+            <a:extLst>
+              <a:ext uri="{FF2B5EF4-FFF2-40B4-BE49-F238E27FC236}">
+                <a16:creationId xmlns:a16="http://schemas.microsoft.com/office/drawing/2014/main" xmlns="" id="{4CC45F13-5C9B-49D4-8F3B-059D4CBDC62B}"/>
+              </a:ext>
+            </a:extLst>
+          </p:cNvPr>
+          <p:cNvSpPr>
+            <a:spLocks noGrp="1"/>
+          </p:cNvSpPr>
+          <p:nvPr>
+            <p:ph idx="1"/>
+          </p:nvPr>
+        </p:nvSpPr>
+        <p:spPr>
+          <a:xfrm>
+            <a:off x="684212" y="943252"/>
+            <a:ext cx="8534400" cy="3615267"/>
+          </a:xfrm>
+        </p:spPr>
+        <p:txBody>
+          <a:bodyPr>
+            <a:normAutofit lnSpcReduction="10000"/>
+          </a:bodyPr>
+          <a:lstStyle/>
+          <a:p>
+            <a:r>
+              <a:rPr lang="en-US" dirty="0" smtClean="0">
+                <a:solidFill>
+                  <a:schemeClr val="tx1"/>
+                </a:solidFill>
+              </a:rPr>
+              <a:t>Progressive web app </a:t>
+            </a:r>
+            <a:r>
+              <a:rPr lang="en-US" dirty="0">
+                <a:solidFill>
+                  <a:schemeClr val="tx1"/>
+                </a:solidFill>
+              </a:rPr>
+              <a:t>are a new way to offer incredible mobile app experiences that are highly optimized, reliable, and accessible completely on the web.</a:t>
+            </a:r>
+            <a:endParaRPr lang="en-US" dirty="0" smtClean="0">
+              <a:solidFill>
+                <a:schemeClr val="tx1"/>
+              </a:solidFill>
+            </a:endParaRPr>
+          </a:p>
+          <a:p>
+            <a:pPr marL="0" indent="0">
+              <a:buNone/>
+            </a:pPr>
+            <a:r>
+              <a:rPr lang="en-US" dirty="0" smtClean="0">
+                <a:solidFill>
+                  <a:schemeClr val="tx1"/>
+                </a:solidFill>
+              </a:rPr>
+              <a:t>Main </a:t>
+            </a:r>
+            <a:r>
+              <a:rPr lang="en-US" dirty="0">
+                <a:solidFill>
+                  <a:schemeClr val="tx1"/>
+                </a:solidFill>
+              </a:rPr>
+              <a:t>benefit of PWA:</a:t>
+            </a:r>
+          </a:p>
+          <a:p>
+            <a:pPr marL="457200" indent="-457200">
+              <a:buFont typeface="+mj-lt"/>
+              <a:buAutoNum type="arabicPeriod"/>
+            </a:pPr>
+            <a:r>
+              <a:rPr lang="en-US" dirty="0">
+                <a:solidFill>
+                  <a:schemeClr val="tx1"/>
+                </a:solidFill>
+              </a:rPr>
+              <a:t>Offline Mode</a:t>
+            </a:r>
+          </a:p>
+          <a:p>
+            <a:pPr marL="457200" indent="-457200">
+              <a:buFont typeface="+mj-lt"/>
+              <a:buAutoNum type="arabicPeriod"/>
+            </a:pPr>
+            <a:r>
+              <a:rPr lang="en-US" dirty="0">
+                <a:solidFill>
+                  <a:schemeClr val="tx1"/>
+                </a:solidFill>
+              </a:rPr>
+              <a:t>App-like</a:t>
+            </a:r>
+          </a:p>
+          <a:p>
+            <a:pPr marL="457200" indent="-457200">
+              <a:buFont typeface="+mj-lt"/>
+              <a:buAutoNum type="arabicPeriod"/>
+            </a:pPr>
+            <a:r>
+              <a:rPr lang="en-US" dirty="0">
+                <a:solidFill>
+                  <a:schemeClr val="tx1"/>
+                </a:solidFill>
+              </a:rPr>
+              <a:t>Improved performance</a:t>
+            </a:r>
+          </a:p>
+          <a:p>
+            <a:pPr marL="457200" indent="-457200">
+              <a:buFont typeface="+mj-lt"/>
+              <a:buAutoNum type="arabicPeriod"/>
+            </a:pPr>
+            <a:r>
+              <a:rPr lang="en-US" dirty="0">
+                <a:solidFill>
+                  <a:schemeClr val="tx1"/>
+                </a:solidFill>
+              </a:rPr>
+              <a:t>Zero install</a:t>
+            </a:r>
+          </a:p>
+          <a:p>
+            <a:pPr marL="457200" indent="-457200">
+              <a:buFont typeface="+mj-lt"/>
+              <a:buAutoNum type="arabicPeriod"/>
+            </a:pPr>
+            <a:r>
+              <a:rPr lang="en-US" dirty="0">
+                <a:solidFill>
+                  <a:schemeClr val="tx1"/>
+                </a:solidFill>
+              </a:rPr>
+              <a:t>Use specific mobile feature (push notification)</a:t>
+            </a:r>
+          </a:p>
+          <a:p>
+            <a:endParaRPr lang="en-US" dirty="0">
+              <a:solidFill>
+                <a:schemeClr val="tx1"/>
+              </a:solidFill>
+            </a:endParaRPr>
+          </a:p>
+        </p:txBody>
+      </p:sp>
+    </p:spTree>
+    <p:extLst>
+      <p:ext uri="{BB962C8B-B14F-4D97-AF65-F5344CB8AC3E}">
+        <p14:creationId xmlns:p14="http://schemas.microsoft.com/office/powerpoint/2010/main" val="3984361368"/>
+      </p:ext>
+    </p:extLst>
+  </p:cSld>
+  <p:clrMapOvr>
+    <a:masterClrMapping/>
+  </p:clrMapOvr>
+  <mc:AlternateContent xmlns:mc="http://schemas.openxmlformats.org/markup-compatibility/2006">
+    <mc:Choice xmlns:p159="http://schemas.microsoft.com/office/powerpoint/2015/09/main" xmlns="" Requires="p159">
+      <p:transition spd="slow">
+        <p159:morph option="byObject"/>
+      </p:transition>
+    </mc:Choice>
+    <mc:Fallback>
+      <p:transition spd="slow">
+        <p:fade/>
+      </p:transition>
+    </mc:Fallback>
+  </mc:AlternateContent>
+  <p:timing>
+    <p:tnLst>
+      <p:par>
+        <p:cTn id="1" dur="indefinite" restart="never" nodeType="tmRoot">
+          <p:childTnLst>
+            <p:seq concurrent="1" nextAc="seek">
+              <p:cTn id="2" dur="indefinite" nodeType="mainSeq">
+                <p:childTnLst>
+                  <p:par>
+                    <p:cTn id="3" fill="hold">
+                      <p:stCondLst>
+                        <p:cond delay="indefinite"/>
+                        <p:cond evt="onBegin" delay="0">
+                          <p:tn val="2"/>
+                        </p:cond>
+                      </p:stCondLst>
+                      <p:childTnLst>
+                        <p:par>
+                          <p:cTn id="4" fill="hold">
+                            <p:stCondLst>
+                              <p:cond delay="0"/>
+                            </p:stCondLst>
+                            <p:childTnLst>
+                              <p:par>
+                                <p:cTn id="5" presetID="1" presetClass="entr" presetSubtype="0" fill="hold" grpId="0" nodeType="withEffect">
+                                  <p:stCondLst>
+                                    <p:cond delay="0"/>
+                                  </p:stCondLst>
+                                  <p:childTnLst>
+                                    <p:set>
+                                      <p:cBhvr>
+                                        <p:cTn id="6" dur="1" fill="hold">
+                                          <p:stCondLst>
+                                            <p:cond delay="0"/>
+                                          </p:stCondLst>
+                                        </p:cTn>
+                                        <p:tgtEl>
+                                          <p:spTgt spid="3">
+                                            <p:txEl>
+                                              <p:pRg st="0" end="0"/>
+                                            </p:txEl>
+                                          </p:spTgt>
+                                        </p:tgtEl>
+                                        <p:attrNameLst>
+                                          <p:attrName>style.visibility</p:attrName>
+                                        </p:attrNameLst>
+                                      </p:cBhvr>
+                                      <p:to>
+                                        <p:strVal val="visible"/>
+                                      </p:to>
+                                    </p:set>
+                                  </p:childTnLst>
+                                </p:cTn>
+                              </p:par>
+                            </p:childTnLst>
+                          </p:cTn>
+                        </p:par>
+                      </p:childTnLst>
+                    </p:cTn>
+                  </p:par>
+                  <p:par>
+                    <p:cTn id="7" fill="hold">
+                      <p:stCondLst>
+                        <p:cond delay="indefinite"/>
+                      </p:stCondLst>
+                      <p:childTnLst>
+                        <p:par>
+                          <p:cTn id="8" fill="hold">
+                            <p:stCondLst>
+                              <p:cond delay="0"/>
+                            </p:stCondLst>
+                            <p:childTnLst>
+                              <p:par>
+                                <p:cTn id="9" presetID="1" presetClass="entr" presetSubtype="0" fill="hold" grpId="0" nodeType="clickEffect">
+                                  <p:stCondLst>
+                                    <p:cond delay="0"/>
+                                  </p:stCondLst>
+                                  <p:childTnLst>
+                                    <p:set>
+                                      <p:cBhvr>
+                                        <p:cTn id="10" dur="1" fill="hold">
+                                          <p:stCondLst>
+                                            <p:cond delay="0"/>
+                                          </p:stCondLst>
+                                        </p:cTn>
+                                        <p:tgtEl>
+                                          <p:spTgt spid="3">
+                                            <p:txEl>
+                                              <p:pRg st="1" end="1"/>
+                                            </p:txEl>
+                                          </p:spTgt>
+                                        </p:tgtEl>
+                                        <p:attrNameLst>
+                                          <p:attrName>style.visibility</p:attrName>
+                                        </p:attrNameLst>
+                                      </p:cBhvr>
+                                      <p:to>
+                                        <p:strVal val="visible"/>
+                                      </p:to>
+                                    </p:set>
+                                  </p:childTnLst>
+                                </p:cTn>
+                              </p:par>
+                            </p:childTnLst>
+                          </p:cTn>
+                        </p:par>
+                      </p:childTnLst>
+                    </p:cTn>
+                  </p:par>
+                  <p:par>
+                    <p:cTn id="11" fill="hold">
+                      <p:stCondLst>
+                        <p:cond delay="indefinite"/>
+                      </p:stCondLst>
+                      <p:childTnLst>
+                        <p:par>
+                          <p:cTn id="12" fill="hold">
+                            <p:stCondLst>
+                              <p:cond delay="0"/>
+                            </p:stCondLst>
+                            <p:childTnLst>
+                              <p:par>
+                                <p:cTn id="13" presetID="1" presetClass="entr" presetSubtype="0" fill="hold" grpId="0" nodeType="clickEffect">
+                                  <p:stCondLst>
+                                    <p:cond delay="0"/>
+                                  </p:stCondLst>
+                                  <p:childTnLst>
+                                    <p:set>
+                                      <p:cBhvr>
+                                        <p:cTn id="14" dur="1" fill="hold">
+                                          <p:stCondLst>
+                                            <p:cond delay="0"/>
+                                          </p:stCondLst>
+                                        </p:cTn>
+                                        <p:tgtEl>
+                                          <p:spTgt spid="3">
+                                            <p:txEl>
+                                              <p:pRg st="2" end="2"/>
+                                            </p:txEl>
+                                          </p:spTgt>
+                                        </p:tgtEl>
+                                        <p:attrNameLst>
+                                          <p:attrName>style.visibility</p:attrName>
+                                        </p:attrNameLst>
+                                      </p:cBhvr>
+                                      <p:to>
+                                        <p:strVal val="visible"/>
+                                      </p:to>
+                                    </p:set>
+                                  </p:childTnLst>
+                                </p:cTn>
+                              </p:par>
+                            </p:childTnLst>
+                          </p:cTn>
+                        </p:par>
+                      </p:childTnLst>
+                    </p:cTn>
+                  </p:par>
+                  <p:par>
+                    <p:cTn id="15" fill="hold">
+                      <p:stCondLst>
+                        <p:cond delay="indefinite"/>
+                      </p:stCondLst>
+                      <p:childTnLst>
+                        <p:par>
+                          <p:cTn id="16" fill="hold">
+                            <p:stCondLst>
+                              <p:cond delay="0"/>
+                            </p:stCondLst>
+                            <p:childTnLst>
+                              <p:par>
+                                <p:cTn id="17" presetID="1" presetClass="entr" presetSubtype="0" fill="hold" grpId="0" nodeType="clickEffect">
+                                  <p:stCondLst>
+                                    <p:cond delay="0"/>
+                                  </p:stCondLst>
+                                  <p:childTnLst>
+                                    <p:set>
+                                      <p:cBhvr>
+                                        <p:cTn id="18" dur="1" fill="hold">
+                                          <p:stCondLst>
+                                            <p:cond delay="0"/>
+                                          </p:stCondLst>
+                                        </p:cTn>
+                                        <p:tgtEl>
+                                          <p:spTgt spid="3">
+                                            <p:txEl>
+                                              <p:pRg st="3" end="3"/>
+                                            </p:txEl>
+                                          </p:spTgt>
+                                        </p:tgtEl>
+                                        <p:attrNameLst>
+                                          <p:attrName>style.visibility</p:attrName>
+                                        </p:attrNameLst>
+                                      </p:cBhvr>
+                                      <p:to>
+                                        <p:strVal val="visible"/>
+                                      </p:to>
+                                    </p:set>
+                                  </p:childTnLst>
+                                </p:cTn>
+                              </p:par>
+                            </p:childTnLst>
+                          </p:cTn>
+                        </p:par>
+                      </p:childTnLst>
+                    </p:cTn>
+                  </p:par>
+                  <p:par>
+                    <p:cTn id="19" fill="hold">
+                      <p:stCondLst>
+                        <p:cond delay="indefinite"/>
+                      </p:stCondLst>
+                      <p:childTnLst>
+                        <p:par>
+                          <p:cTn id="20" fill="hold">
+                            <p:stCondLst>
+                              <p:cond delay="0"/>
+                            </p:stCondLst>
+                            <p:childTnLst>
+                              <p:par>
+                                <p:cTn id="21" presetID="1" presetClass="entr" presetSubtype="0" fill="hold" grpId="0" nodeType="clickEffect">
+                                  <p:stCondLst>
+                                    <p:cond delay="0"/>
+                                  </p:stCondLst>
+                                  <p:childTnLst>
+                                    <p:set>
+                                      <p:cBhvr>
+                                        <p:cTn id="22" dur="1" fill="hold">
+                                          <p:stCondLst>
+                                            <p:cond delay="0"/>
+                                          </p:stCondLst>
+                                        </p:cTn>
+                                        <p:tgtEl>
+                                          <p:spTgt spid="3">
+                                            <p:txEl>
+                                              <p:pRg st="4" end="4"/>
+                                            </p:txEl>
+                                          </p:spTgt>
+                                        </p:tgtEl>
+                                        <p:attrNameLst>
+                                          <p:attrName>style.visibility</p:attrName>
+                                        </p:attrNameLst>
+                                      </p:cBhvr>
+                                      <p:to>
+                                        <p:strVal val="visible"/>
+                                      </p:to>
+                                    </p:set>
+                                  </p:childTnLst>
+                                </p:cTn>
+                              </p:par>
+                            </p:childTnLst>
+                          </p:cTn>
+                        </p:par>
+                      </p:childTnLst>
+                    </p:cTn>
+                  </p:par>
+                  <p:par>
+                    <p:cTn id="23" fill="hold">
+                      <p:stCondLst>
+                        <p:cond delay="indefinite"/>
+                      </p:stCondLst>
+                      <p:childTnLst>
+                        <p:par>
+                          <p:cTn id="24" fill="hold">
+                            <p:stCondLst>
+                              <p:cond delay="0"/>
+                            </p:stCondLst>
+                            <p:childTnLst>
+                              <p:par>
+                                <p:cTn id="25" presetID="1" presetClass="entr" presetSubtype="0" fill="hold" grpId="0" nodeType="clickEffect">
+                                  <p:stCondLst>
+                                    <p:cond delay="0"/>
+                                  </p:stCondLst>
+                                  <p:childTnLst>
+                                    <p:set>
+                                      <p:cBhvr>
+                                        <p:cTn id="26" dur="1" fill="hold">
+                                          <p:stCondLst>
+                                            <p:cond delay="0"/>
+                                          </p:stCondLst>
+                                        </p:cTn>
+                                        <p:tgtEl>
+                                          <p:spTgt spid="3">
+                                            <p:txEl>
+                                              <p:pRg st="5" end="5"/>
+                                            </p:txEl>
+                                          </p:spTgt>
+                                        </p:tgtEl>
+                                        <p:attrNameLst>
+                                          <p:attrName>style.visibility</p:attrName>
+                                        </p:attrNameLst>
+                                      </p:cBhvr>
+                                      <p:to>
+                                        <p:strVal val="visible"/>
+                                      </p:to>
+                                    </p:set>
+                                  </p:childTnLst>
+                                </p:cTn>
+                              </p:par>
+                            </p:childTnLst>
+                          </p:cTn>
+                        </p:par>
+                      </p:childTnLst>
+                    </p:cTn>
+                  </p:par>
+                  <p:par>
+                    <p:cTn id="27" fill="hold">
+                      <p:stCondLst>
+                        <p:cond delay="indefinite"/>
+                      </p:stCondLst>
+                      <p:childTnLst>
+                        <p:par>
+                          <p:cTn id="28" fill="hold">
+                            <p:stCondLst>
+                              <p:cond delay="0"/>
+                            </p:stCondLst>
+                            <p:childTnLst>
+                              <p:par>
+                                <p:cTn id="29" presetID="1" presetClass="entr" presetSubtype="0" fill="hold" grpId="0" nodeType="clickEffect">
+                                  <p:stCondLst>
+                                    <p:cond delay="0"/>
+                                  </p:stCondLst>
+                                  <p:childTnLst>
+                                    <p:set>
+                                      <p:cBhvr>
+                                        <p:cTn id="30" dur="1" fill="hold">
+                                          <p:stCondLst>
+                                            <p:cond delay="0"/>
+                                          </p:stCondLst>
+                                        </p:cTn>
+                                        <p:tgtEl>
+                                          <p:spTgt spid="3">
+                                            <p:txEl>
+                                              <p:pRg st="6" end="6"/>
+                                            </p:txEl>
+                                          </p:spTgt>
+                                        </p:tgtEl>
+                                        <p:attrNameLst>
+                                          <p:attrName>style.visibility</p:attrName>
+                                        </p:attrNameLst>
+                                      </p:cBhvr>
+                                      <p:to>
+                                        <p:strVal val="visible"/>
+                                      </p:to>
+                                    </p:set>
+                                  </p:childTnLst>
+                                </p:cTn>
+                              </p:par>
+                            </p:childTnLst>
+                          </p:cTn>
+                        </p:par>
+                      </p:childTnLst>
+                    </p:cTn>
+                  </p:par>
+                  <p:par>
+                    <p:cTn id="31" fill="hold">
+                      <p:stCondLst>
+                        <p:cond delay="indefinite"/>
+                      </p:stCondLst>
+                      <p:childTnLst>
+                        <p:par>
+                          <p:cTn id="32" fill="hold">
+                            <p:stCondLst>
+                              <p:cond delay="0"/>
+                            </p:stCondLst>
+                            <p:childTnLst>
+                              <p:par>
+                                <p:cTn id="33" presetID="1" presetClass="entr" presetSubtype="0" fill="hold" nodeType="clickEffect">
+                                  <p:stCondLst>
+                                    <p:cond delay="0"/>
+                                  </p:stCondLst>
+                                  <p:childTnLst>
+                                    <p:set>
+                                      <p:cBhvr>
+                                        <p:cTn id="34" dur="1" fill="hold">
+                                          <p:stCondLst>
+                                            <p:cond delay="0"/>
+                                          </p:stCondLst>
+                                        </p:cTn>
+                                        <p:tgtEl>
+                                          <p:spTgt spid="3">
+                                            <p:txEl>
+                                              <p:pRg st="0" end="0"/>
+                                            </p:txEl>
+                                          </p:spTgt>
+                                        </p:tgtEl>
+                                        <p:attrNameLst>
+                                          <p:attrName>style.visibility</p:attrName>
+                                        </p:attrNameLst>
+                                      </p:cBhvr>
+                                      <p:to>
+                                        <p:strVal val="visible"/>
+                                      </p:to>
+                                    </p:set>
+                                  </p:childTnLst>
+                                </p:cTn>
+                              </p:par>
+                              <p:par>
+                                <p:cTn id="35" presetID="1" presetClass="entr" presetSubtype="0" fill="hold" nodeType="withEffect">
+                                  <p:stCondLst>
+                                    <p:cond delay="0"/>
+                                  </p:stCondLst>
+                                  <p:childTnLst>
+                                    <p:set>
+                                      <p:cBhvr>
+                                        <p:cTn id="36" dur="1" fill="hold">
+                                          <p:stCondLst>
+                                            <p:cond delay="0"/>
+                                          </p:stCondLst>
+                                        </p:cTn>
+                                        <p:tgtEl>
+                                          <p:spTgt spid="3">
+                                            <p:txEl>
+                                              <p:pRg st="1" end="1"/>
+                                            </p:txEl>
+                                          </p:spTgt>
+                                        </p:tgtEl>
+                                        <p:attrNameLst>
+                                          <p:attrName>style.visibility</p:attrName>
+                                        </p:attrNameLst>
+                                      </p:cBhvr>
+                                      <p:to>
+                                        <p:strVal val="visible"/>
+                                      </p:to>
+                                    </p:set>
+                                  </p:childTnLst>
+                                </p:cTn>
+                              </p:par>
+                              <p:par>
+                                <p:cTn id="37" presetID="1" presetClass="entr" presetSubtype="0" fill="hold" nodeType="withEffect">
+                                  <p:stCondLst>
+                                    <p:cond delay="0"/>
+                                  </p:stCondLst>
+                                  <p:childTnLst>
+                                    <p:set>
+                                      <p:cBhvr>
+                                        <p:cTn id="38" dur="1" fill="hold">
+                                          <p:stCondLst>
+                                            <p:cond delay="0"/>
+                                          </p:stCondLst>
+                                        </p:cTn>
+                                        <p:tgtEl>
+                                          <p:spTgt spid="3">
+                                            <p:txEl>
+                                              <p:pRg st="2" end="2"/>
+                                            </p:txEl>
+                                          </p:spTgt>
+                                        </p:tgtEl>
+                                        <p:attrNameLst>
+                                          <p:attrName>style.visibility</p:attrName>
+                                        </p:attrNameLst>
+                                      </p:cBhvr>
+                                      <p:to>
+                                        <p:strVal val="visible"/>
+                                      </p:to>
+                                    </p:set>
+                                  </p:childTnLst>
+                                </p:cTn>
+                              </p:par>
+                            </p:childTnLst>
+                          </p:cTn>
+                        </p:par>
+                      </p:childTnLst>
+                    </p:cTn>
+                  </p:par>
+                </p:childTnLst>
+              </p:cTn>
+              <p:prevCondLst>
+                <p:cond evt="onPrev" delay="0">
+                  <p:tgtEl>
+                    <p:sldTgt/>
+                  </p:tgtEl>
+                </p:cond>
+              </p:prevCondLst>
+              <p:nextCondLst>
+                <p:cond evt="onNext" delay="0">
+                  <p:tgtEl>
+                    <p:sldTgt/>
+                  </p:tgtEl>
+                </p:cond>
+              </p:nextCondLst>
+            </p:seq>
+          </p:childTnLst>
+        </p:cTn>
+      </p:par>
+    </p:tnLst>
+    <p:bldLst>
+      <p:bldP spid="3" grpId="0" uiExpand="1" build="p"/>
+    </p:bldLst>
+  </p:timing>
+</p:sld>
+</file>
+
+<file path=ppt/slides/slide4.xml><?xml version="1.0" encoding="utf-8"?>
+<p:sld xmlns:a="http://schemas.openxmlformats.org/drawingml/2006/main" xmlns:r="http://schemas.openxmlformats.org/officeDocument/2006/relationships" xmlns:p="http://schemas.openxmlformats.org/presentationml/2006/main">
+  <p:cSld>
+    <p:spTree>
+      <p:nvGrpSpPr>
+        <p:cNvPr id="1" name=""/>
+        <p:cNvGrpSpPr/>
+        <p:nvPr/>
+      </p:nvGrpSpPr>
+      <p:grpSpPr>
+        <a:xfrm>
+          <a:off x="0" y="0"/>
+          <a:ext cx="0" cy="0"/>
+          <a:chOff x="0" y="0"/>
+          <a:chExt cx="0" cy="0"/>
+        </a:xfrm>
+      </p:grpSpPr>
+      <p:sp>
+        <p:nvSpPr>
+          <p:cNvPr id="2" name="Title 1">
+            <a:extLst>
+              <a:ext uri="{FF2B5EF4-FFF2-40B4-BE49-F238E27FC236}">
+                <a16:creationId xmlns:a16="http://schemas.microsoft.com/office/drawing/2014/main" xmlns="" id="{FD1776FB-59EC-4639-A7DF-71C67569EBF1}"/>
+              </a:ext>
+            </a:extLst>
+          </p:cNvPr>
+          <p:cNvSpPr>
+            <a:spLocks noGrp="1"/>
+          </p:cNvSpPr>
+          <p:nvPr>
+            <p:ph type="title"/>
+          </p:nvPr>
+        </p:nvSpPr>
+        <p:spPr/>
+        <p:txBody>
+          <a:bodyPr/>
+          <a:lstStyle/>
+          <a:p>
+            <a:r>
+              <a:rPr lang="en-US" dirty="0"/>
+              <a:t>Tool to build </a:t>
+            </a:r>
+            <a:r>
+              <a:rPr lang="en-US" dirty="0" err="1"/>
+              <a:t>pwa</a:t>
+            </a:r>
+            <a:endParaRPr lang="en-US" dirty="0"/>
+          </a:p>
+        </p:txBody>
+      </p:sp>
+      <p:sp>
+        <p:nvSpPr>
+          <p:cNvPr id="3" name="Content Placeholder 2">
+            <a:extLst>
+              <a:ext uri="{FF2B5EF4-FFF2-40B4-BE49-F238E27FC236}">
+                <a16:creationId xmlns:a16="http://schemas.microsoft.com/office/drawing/2014/main" xmlns="" id="{04FF6E83-715A-4753-898C-0F8BC4606043}"/>
+              </a:ext>
+            </a:extLst>
+          </p:cNvPr>
+          <p:cNvSpPr>
+            <a:spLocks noGrp="1"/>
+          </p:cNvSpPr>
+          <p:nvPr>
+            <p:ph idx="1"/>
+          </p:nvPr>
+        </p:nvSpPr>
+        <p:spPr/>
+        <p:txBody>
+          <a:bodyPr/>
+          <a:lstStyle/>
+          <a:p>
+            <a:r>
+              <a:rPr lang="en-US" dirty="0">
+                <a:solidFill>
+                  <a:schemeClr val="tx1"/>
+                </a:solidFill>
+              </a:rPr>
+              <a:t>Ionic </a:t>
+            </a:r>
+          </a:p>
+          <a:p>
+            <a:r>
+              <a:rPr lang="en-US" dirty="0">
+                <a:solidFill>
+                  <a:schemeClr val="tx1"/>
+                </a:solidFill>
+              </a:rPr>
+              <a:t>React Native</a:t>
+            </a:r>
+          </a:p>
+          <a:p>
+            <a:r>
+              <a:rPr lang="en-US" dirty="0">
+                <a:solidFill>
+                  <a:schemeClr val="tx1"/>
+                </a:solidFill>
+              </a:rPr>
+              <a:t>AMP (Accelerated Mobile Pages)</a:t>
+            </a:r>
+          </a:p>
+          <a:p>
+            <a:r>
+              <a:rPr lang="en-US" dirty="0">
+                <a:solidFill>
+                  <a:schemeClr val="tx1"/>
+                </a:solidFill>
+              </a:rPr>
+              <a:t>Polymer</a:t>
+            </a:r>
+          </a:p>
+          <a:p>
+            <a:r>
+              <a:rPr lang="en-US" dirty="0" smtClean="0">
+                <a:solidFill>
+                  <a:schemeClr val="tx1"/>
+                </a:solidFill>
+              </a:rPr>
+              <a:t>Meteor</a:t>
+            </a:r>
+          </a:p>
+          <a:p>
+            <a:r>
+              <a:rPr lang="en-US" dirty="0">
+                <a:solidFill>
+                  <a:schemeClr val="tx1"/>
+                </a:solidFill>
+              </a:rPr>
+              <a:t>Lighthouse </a:t>
+            </a:r>
+          </a:p>
+          <a:p>
+            <a:endParaRPr lang="en-US" dirty="0">
+              <a:solidFill>
+                <a:schemeClr val="tx1"/>
+              </a:solidFill>
+            </a:endParaRPr>
+          </a:p>
+        </p:txBody>
+      </p:sp>
+    </p:spTree>
+    <p:extLst>
+      <p:ext uri="{BB962C8B-B14F-4D97-AF65-F5344CB8AC3E}">
+        <p14:creationId xmlns:p14="http://schemas.microsoft.com/office/powerpoint/2010/main" val="2817356377"/>
+      </p:ext>
+    </p:extLst>
+  </p:cSld>
+  <p:clrMapOvr>
+    <a:masterClrMapping/>
+  </p:clrMapOvr>
+  <mc:AlternateContent xmlns:mc="http://schemas.openxmlformats.org/markup-compatibility/2006">
+    <mc:Choice xmlns:p159="http://schemas.microsoft.com/office/powerpoint/2015/09/main" xmlns="" Requires="p159">
       <p:transition spd="slow">
         <p159:morph option="byObject"/>
       </p:transition>
@@ -7288,6 +9855,548 @@
                                           <p:spTgt spid="3">
                                             <p:txEl>
                                               <p:pRg st="1" end="1"/>
+                                            </p:txEl>
+                                          </p:spTgt>
+                                        </p:tgtEl>
+                                        <p:attrNameLst>
+                                          <p:attrName>style.visibility</p:attrName>
+                                        </p:attrNameLst>
+                                      </p:cBhvr>
+                                      <p:to>
+                                        <p:strVal val="visible"/>
+                                      </p:to>
+                                    </p:set>
+                                  </p:childTnLst>
+                                </p:cTn>
+                              </p:par>
+                            </p:childTnLst>
+                          </p:cTn>
+                        </p:par>
+                      </p:childTnLst>
+                    </p:cTn>
+                  </p:par>
+                  <p:par>
+                    <p:cTn id="7" fill="hold">
+                      <p:stCondLst>
+                        <p:cond delay="indefinite"/>
+                      </p:stCondLst>
+                      <p:childTnLst>
+                        <p:par>
+                          <p:cTn id="8" fill="hold">
+                            <p:stCondLst>
+                              <p:cond delay="0"/>
+                            </p:stCondLst>
+                            <p:childTnLst>
+                              <p:par>
+                                <p:cTn id="9" presetID="1" presetClass="entr" presetSubtype="0" fill="hold" grpId="0" nodeType="clickEffect">
+                                  <p:stCondLst>
+                                    <p:cond delay="0"/>
+                                  </p:stCondLst>
+                                  <p:childTnLst>
+                                    <p:set>
+                                      <p:cBhvr>
+                                        <p:cTn id="10" dur="1" fill="hold">
+                                          <p:stCondLst>
+                                            <p:cond delay="0"/>
+                                          </p:stCondLst>
+                                        </p:cTn>
+                                        <p:tgtEl>
+                                          <p:spTgt spid="3">
+                                            <p:txEl>
+                                              <p:pRg st="2" end="2"/>
+                                            </p:txEl>
+                                          </p:spTgt>
+                                        </p:tgtEl>
+                                        <p:attrNameLst>
+                                          <p:attrName>style.visibility</p:attrName>
+                                        </p:attrNameLst>
+                                      </p:cBhvr>
+                                      <p:to>
+                                        <p:strVal val="visible"/>
+                                      </p:to>
+                                    </p:set>
+                                  </p:childTnLst>
+                                </p:cTn>
+                              </p:par>
+                            </p:childTnLst>
+                          </p:cTn>
+                        </p:par>
+                      </p:childTnLst>
+                    </p:cTn>
+                  </p:par>
+                  <p:par>
+                    <p:cTn id="11" fill="hold">
+                      <p:stCondLst>
+                        <p:cond delay="indefinite"/>
+                      </p:stCondLst>
+                      <p:childTnLst>
+                        <p:par>
+                          <p:cTn id="12" fill="hold">
+                            <p:stCondLst>
+                              <p:cond delay="0"/>
+                            </p:stCondLst>
+                            <p:childTnLst>
+                              <p:par>
+                                <p:cTn id="13" presetID="1" presetClass="entr" presetSubtype="0" fill="hold" grpId="0" nodeType="clickEffect">
+                                  <p:stCondLst>
+                                    <p:cond delay="0"/>
+                                  </p:stCondLst>
+                                  <p:childTnLst>
+                                    <p:set>
+                                      <p:cBhvr>
+                                        <p:cTn id="14" dur="1" fill="hold">
+                                          <p:stCondLst>
+                                            <p:cond delay="0"/>
+                                          </p:stCondLst>
+                                        </p:cTn>
+                                        <p:tgtEl>
+                                          <p:spTgt spid="3">
+                                            <p:txEl>
+                                              <p:pRg st="3" end="3"/>
+                                            </p:txEl>
+                                          </p:spTgt>
+                                        </p:tgtEl>
+                                        <p:attrNameLst>
+                                          <p:attrName>style.visibility</p:attrName>
+                                        </p:attrNameLst>
+                                      </p:cBhvr>
+                                      <p:to>
+                                        <p:strVal val="visible"/>
+                                      </p:to>
+                                    </p:set>
+                                  </p:childTnLst>
+                                </p:cTn>
+                              </p:par>
+                            </p:childTnLst>
+                          </p:cTn>
+                        </p:par>
+                      </p:childTnLst>
+                    </p:cTn>
+                  </p:par>
+                  <p:par>
+                    <p:cTn id="15" fill="hold">
+                      <p:stCondLst>
+                        <p:cond delay="indefinite"/>
+                      </p:stCondLst>
+                      <p:childTnLst>
+                        <p:par>
+                          <p:cTn id="16" fill="hold">
+                            <p:stCondLst>
+                              <p:cond delay="0"/>
+                            </p:stCondLst>
+                            <p:childTnLst>
+                              <p:par>
+                                <p:cTn id="17" presetID="1" presetClass="entr" presetSubtype="0" fill="hold" grpId="0" nodeType="clickEffect">
+                                  <p:stCondLst>
+                                    <p:cond delay="0"/>
+                                  </p:stCondLst>
+                                  <p:childTnLst>
+                                    <p:set>
+                                      <p:cBhvr>
+                                        <p:cTn id="18" dur="1" fill="hold">
+                                          <p:stCondLst>
+                                            <p:cond delay="0"/>
+                                          </p:stCondLst>
+                                        </p:cTn>
+                                        <p:tgtEl>
+                                          <p:spTgt spid="3">
+                                            <p:txEl>
+                                              <p:pRg st="4" end="4"/>
+                                            </p:txEl>
+                                          </p:spTgt>
+                                        </p:tgtEl>
+                                        <p:attrNameLst>
+                                          <p:attrName>style.visibility</p:attrName>
+                                        </p:attrNameLst>
+                                      </p:cBhvr>
+                                      <p:to>
+                                        <p:strVal val="visible"/>
+                                      </p:to>
+                                    </p:set>
+                                  </p:childTnLst>
+                                </p:cTn>
+                              </p:par>
+                            </p:childTnLst>
+                          </p:cTn>
+                        </p:par>
+                      </p:childTnLst>
+                    </p:cTn>
+                  </p:par>
+                  <p:par>
+                    <p:cTn id="19" fill="hold">
+                      <p:stCondLst>
+                        <p:cond delay="indefinite"/>
+                      </p:stCondLst>
+                      <p:childTnLst>
+                        <p:par>
+                          <p:cTn id="20" fill="hold">
+                            <p:stCondLst>
+                              <p:cond delay="0"/>
+                            </p:stCondLst>
+                            <p:childTnLst>
+                              <p:par>
+                                <p:cTn id="21" presetID="1" presetClass="entr" presetSubtype="0" fill="hold" grpId="0" nodeType="clickEffect">
+                                  <p:stCondLst>
+                                    <p:cond delay="0"/>
+                                  </p:stCondLst>
+                                  <p:childTnLst>
+                                    <p:set>
+                                      <p:cBhvr>
+                                        <p:cTn id="22" dur="1" fill="hold">
+                                          <p:stCondLst>
+                                            <p:cond delay="0"/>
+                                          </p:stCondLst>
+                                        </p:cTn>
+                                        <p:tgtEl>
+                                          <p:spTgt spid="3">
+                                            <p:txEl>
+                                              <p:pRg st="5" end="5"/>
+                                            </p:txEl>
+                                          </p:spTgt>
+                                        </p:tgtEl>
+                                        <p:attrNameLst>
+                                          <p:attrName>style.visibility</p:attrName>
+                                        </p:attrNameLst>
+                                      </p:cBhvr>
+                                      <p:to>
+                                        <p:strVal val="visible"/>
+                                      </p:to>
+                                    </p:set>
+                                  </p:childTnLst>
+                                </p:cTn>
+                              </p:par>
+                            </p:childTnLst>
+                          </p:cTn>
+                        </p:par>
+                      </p:childTnLst>
+                    </p:cTn>
+                  </p:par>
+                </p:childTnLst>
+              </p:cTn>
+              <p:prevCondLst>
+                <p:cond evt="onPrev" delay="0">
+                  <p:tgtEl>
+                    <p:sldTgt/>
+                  </p:tgtEl>
+                </p:cond>
+              </p:prevCondLst>
+              <p:nextCondLst>
+                <p:cond evt="onNext" delay="0">
+                  <p:tgtEl>
+                    <p:sldTgt/>
+                  </p:tgtEl>
+                </p:cond>
+              </p:nextCondLst>
+            </p:seq>
+          </p:childTnLst>
+        </p:cTn>
+      </p:par>
+    </p:tnLst>
+    <p:bldLst>
+      <p:bldP spid="3" grpId="0" uiExpand="1" build="p"/>
+    </p:bldLst>
+  </p:timing>
+</p:sld>
+</file>
+
+<file path=ppt/slides/slide5.xml><?xml version="1.0" encoding="utf-8"?>
+<p:sld xmlns:a="http://schemas.openxmlformats.org/drawingml/2006/main" xmlns:r="http://schemas.openxmlformats.org/officeDocument/2006/relationships" xmlns:p="http://schemas.openxmlformats.org/presentationml/2006/main">
+  <p:cSld>
+    <p:spTree>
+      <p:nvGrpSpPr>
+        <p:cNvPr id="1" name=""/>
+        <p:cNvGrpSpPr/>
+        <p:nvPr/>
+      </p:nvGrpSpPr>
+      <p:grpSpPr>
+        <a:xfrm>
+          <a:off x="0" y="0"/>
+          <a:ext cx="0" cy="0"/>
+          <a:chOff x="0" y="0"/>
+          <a:chExt cx="0" cy="0"/>
+        </a:xfrm>
+      </p:grpSpPr>
+      <p:sp>
+        <p:nvSpPr>
+          <p:cNvPr id="2" name="Title 1">
+            <a:extLst>
+              <a:ext uri="{FF2B5EF4-FFF2-40B4-BE49-F238E27FC236}">
+                <a16:creationId xmlns:a16="http://schemas.microsoft.com/office/drawing/2014/main" xmlns="" id="{3F2B6B2B-52E3-44A1-B06E-81EDEADA04F5}"/>
+              </a:ext>
+            </a:extLst>
+          </p:cNvPr>
+          <p:cNvSpPr>
+            <a:spLocks noGrp="1"/>
+          </p:cNvSpPr>
+          <p:nvPr>
+            <p:ph type="title"/>
+          </p:nvPr>
+        </p:nvSpPr>
+        <p:spPr>
+          <a:xfrm>
+            <a:off x="684212" y="5144279"/>
+            <a:ext cx="8534400" cy="1507067"/>
+          </a:xfrm>
+        </p:spPr>
+        <p:txBody>
+          <a:bodyPr/>
+          <a:lstStyle/>
+          <a:p>
+            <a:r>
+              <a:rPr lang="en-US" dirty="0"/>
+              <a:t>Application Shell Architecture</a:t>
+            </a:r>
+            <a:br>
+              <a:rPr lang="en-US" dirty="0"/>
+            </a:br>
+            <a:endParaRPr lang="en-US" dirty="0"/>
+          </a:p>
+        </p:txBody>
+      </p:sp>
+      <p:sp>
+        <p:nvSpPr>
+          <p:cNvPr id="3" name="Content Placeholder 2">
+            <a:extLst>
+              <a:ext uri="{FF2B5EF4-FFF2-40B4-BE49-F238E27FC236}">
+                <a16:creationId xmlns:a16="http://schemas.microsoft.com/office/drawing/2014/main" xmlns="" id="{89426F1F-F7A3-44F6-B515-7260B22129D5}"/>
+              </a:ext>
+            </a:extLst>
+          </p:cNvPr>
+          <p:cNvSpPr>
+            <a:spLocks noGrp="1"/>
+          </p:cNvSpPr>
+          <p:nvPr>
+            <p:ph idx="1"/>
+          </p:nvPr>
+        </p:nvSpPr>
+        <p:spPr>
+          <a:xfrm>
+            <a:off x="684212" y="685800"/>
+            <a:ext cx="8534400" cy="4458479"/>
+          </a:xfrm>
+        </p:spPr>
+        <p:txBody>
+          <a:bodyPr>
+            <a:normAutofit fontScale="70000" lnSpcReduction="20000"/>
+          </a:bodyPr>
+          <a:lstStyle/>
+          <a:p>
+            <a:r>
+              <a:rPr lang="en-US" dirty="0">
+                <a:solidFill>
+                  <a:schemeClr val="tx1"/>
+                </a:solidFill>
+              </a:rPr>
+              <a:t>The app shell mean minimal HTML,CSS,JS powering the user interface. Since shell doesn’t  usually change we can cache and once loaded, dynamic content can populate the view</a:t>
+            </a:r>
+            <a:r>
+              <a:rPr lang="en-US" dirty="0" smtClean="0">
+                <a:solidFill>
+                  <a:schemeClr val="tx1"/>
+                </a:solidFill>
+              </a:rPr>
+              <a:t>.</a:t>
+            </a:r>
+          </a:p>
+          <a:p>
+            <a:endParaRPr lang="en-US" dirty="0" smtClean="0">
+              <a:solidFill>
+                <a:schemeClr val="tx1"/>
+              </a:solidFill>
+            </a:endParaRPr>
+          </a:p>
+          <a:p>
+            <a:pPr marL="0" indent="0">
+              <a:buNone/>
+            </a:pPr>
+            <a:r>
+              <a:rPr lang="nl-NL" dirty="0" smtClean="0">
+                <a:solidFill>
+                  <a:schemeClr val="tx1"/>
+                </a:solidFill>
+              </a:rPr>
+              <a:t>Benefit:</a:t>
+            </a:r>
+          </a:p>
+          <a:p>
+            <a:r>
+              <a:rPr lang="en-US" dirty="0">
+                <a:solidFill>
+                  <a:schemeClr val="tx1"/>
+                </a:solidFill>
+              </a:rPr>
+              <a:t>Load fast</a:t>
+            </a:r>
+          </a:p>
+          <a:p>
+            <a:r>
+              <a:rPr lang="en-US" dirty="0">
+                <a:solidFill>
+                  <a:schemeClr val="tx1"/>
+                </a:solidFill>
+              </a:rPr>
+              <a:t>Use as little data as possible</a:t>
+            </a:r>
+          </a:p>
+          <a:p>
+            <a:r>
+              <a:rPr lang="en-US" dirty="0">
+                <a:solidFill>
+                  <a:schemeClr val="tx1"/>
+                </a:solidFill>
+              </a:rPr>
+              <a:t>Use static assets from a local cache</a:t>
+            </a:r>
+          </a:p>
+          <a:p>
+            <a:r>
+              <a:rPr lang="en-US" dirty="0">
+                <a:solidFill>
+                  <a:schemeClr val="tx1"/>
+                </a:solidFill>
+              </a:rPr>
+              <a:t>Separate content from navigation</a:t>
+            </a:r>
+          </a:p>
+          <a:p>
+            <a:r>
+              <a:rPr lang="en-US" dirty="0">
+                <a:solidFill>
+                  <a:schemeClr val="tx1"/>
+                </a:solidFill>
+              </a:rPr>
+              <a:t>Retrieve and display page-specific content (HTML, JSON, etc.)</a:t>
+            </a:r>
+          </a:p>
+          <a:p>
+            <a:r>
+              <a:rPr lang="en-US" dirty="0">
+                <a:solidFill>
+                  <a:schemeClr val="tx1"/>
+                </a:solidFill>
+              </a:rPr>
+              <a:t>Optionally, cache dynamic content</a:t>
+            </a:r>
+          </a:p>
+          <a:p>
+            <a:r>
+              <a:rPr lang="en-US" dirty="0">
+                <a:solidFill>
+                  <a:schemeClr val="tx1"/>
+                </a:solidFill>
+              </a:rPr>
+              <a:t>Reliable performance that is consistently fast. Repeat visits are extremely quick. Static assets and the UI (e.g. HTML, JavaScript, images </a:t>
+            </a:r>
+            <a:r>
+              <a:rPr lang="en-US" dirty="0" smtClean="0">
+                <a:solidFill>
+                  <a:schemeClr val="tx1"/>
+                </a:solidFill>
+              </a:rPr>
+              <a:t>and </a:t>
+            </a:r>
+            <a:r>
+              <a:rPr lang="en-US" dirty="0">
+                <a:solidFill>
+                  <a:schemeClr val="tx1"/>
+                </a:solidFill>
+              </a:rPr>
+              <a:t>CSS) are cached on the first visit so that they load instantly on repeat </a:t>
+            </a:r>
+            <a:r>
+              <a:rPr lang="en-US" dirty="0" smtClean="0">
+                <a:solidFill>
+                  <a:schemeClr val="tx1"/>
+                </a:solidFill>
+              </a:rPr>
+              <a:t>visits</a:t>
+            </a:r>
+          </a:p>
+          <a:p>
+            <a:endParaRPr lang="en-US" dirty="0" smtClean="0">
+              <a:solidFill>
+                <a:schemeClr val="tx1"/>
+              </a:solidFill>
+            </a:endParaRPr>
+          </a:p>
+          <a:p>
+            <a:r>
+              <a:rPr lang="en-US" dirty="0">
+                <a:solidFill>
+                  <a:schemeClr val="tx1"/>
+                </a:solidFill>
+              </a:rPr>
+              <a:t>Demo: https://github.com/GoogleChromeLabs/application-shell</a:t>
+            </a:r>
+          </a:p>
+          <a:p>
+            <a:endParaRPr lang="en-US" dirty="0">
+              <a:solidFill>
+                <a:schemeClr val="tx1"/>
+              </a:solidFill>
+            </a:endParaRPr>
+          </a:p>
+        </p:txBody>
+      </p:sp>
+    </p:spTree>
+    <p:extLst>
+      <p:ext uri="{BB962C8B-B14F-4D97-AF65-F5344CB8AC3E}">
+        <p14:creationId xmlns:p14="http://schemas.microsoft.com/office/powerpoint/2010/main" val="1240040262"/>
+      </p:ext>
+    </p:extLst>
+  </p:cSld>
+  <p:clrMapOvr>
+    <a:masterClrMapping/>
+  </p:clrMapOvr>
+  <mc:AlternateContent xmlns:mc="http://schemas.openxmlformats.org/markup-compatibility/2006">
+    <mc:Choice xmlns:p159="http://schemas.microsoft.com/office/powerpoint/2015/09/main" xmlns="" Requires="p159">
+      <p:transition spd="slow">
+        <p159:morph option="byObject"/>
+      </p:transition>
+    </mc:Choice>
+    <mc:Fallback>
+      <p:transition spd="slow">
+        <p:fade/>
+      </p:transition>
+    </mc:Fallback>
+  </mc:AlternateContent>
+  <p:timing>
+    <p:tnLst>
+      <p:par>
+        <p:cTn id="1" dur="indefinite" restart="never" nodeType="tmRoot">
+          <p:childTnLst>
+            <p:seq concurrent="1" nextAc="seek">
+              <p:cTn id="2" dur="indefinite" nodeType="mainSeq">
+                <p:childTnLst>
+                  <p:par>
+                    <p:cTn id="3" fill="hold">
+                      <p:stCondLst>
+                        <p:cond delay="indefinite"/>
+                      </p:stCondLst>
+                      <p:childTnLst>
+                        <p:par>
+                          <p:cTn id="4" fill="hold">
+                            <p:stCondLst>
+                              <p:cond delay="0"/>
+                            </p:stCondLst>
+                            <p:childTnLst>
+                              <p:par>
+                                <p:cTn id="5" presetID="1" presetClass="entr" presetSubtype="0" fill="hold" grpId="0" nodeType="clickEffect">
+                                  <p:stCondLst>
+                                    <p:cond delay="0"/>
+                                  </p:stCondLst>
+                                  <p:childTnLst>
+                                    <p:set>
+                                      <p:cBhvr>
+                                        <p:cTn id="6" dur="1" fill="hold">
+                                          <p:stCondLst>
+                                            <p:cond delay="0"/>
+                                          </p:stCondLst>
+                                        </p:cTn>
+                                        <p:tgtEl>
+                                          <p:spTgt spid="3">
+                                            <p:txEl>
+                                              <p:pRg st="0" end="0"/>
                                             </p:txEl>
                                           </p:spTgt>
                                         </p:tgtEl>
@@ -7700,6 +10809,82 @@
                       </p:childTnLst>
                     </p:cTn>
                   </p:par>
+                  <p:par>
+                    <p:cTn id="39" fill="hold">
+                      <p:stCondLst>
+                        <p:cond delay="indefinite"/>
+                      </p:stCondLst>
+                      <p:childTnLst>
+                        <p:par>
+                          <p:cTn id="40" fill="hold">
+                            <p:stCondLst>
+                              <p:cond delay="0"/>
+                            </p:stCondLst>
+                            <p:childTnLst>
+                              <p:par>
+                                <p:cTn id="41" presetID="1" presetClass="entr" presetSubtype="0" fill="hold" grpId="0" nodeType="clickEffect">
+                                  <p:stCondLst>
+                                    <p:cond delay="0"/>
+                                  </p:stCondLst>
+                                  <p:childTnLst>
+                                    <p:set>
+                                      <p:cBhvr>
+                                        <p:cTn id="42" dur="1" fill="hold">
+                                          <p:stCondLst>
+                                            <p:cond delay="0"/>
+                                          </p:stCondLst>
+                                        </p:cTn>
+                                        <p:tgtEl>
+                                          <p:spTgt spid="3">
+                                            <p:txEl>
+                                              <p:pRg st="11" end="11"/>
+                                            </p:txEl>
+                                          </p:spTgt>
+                                        </p:tgtEl>
+                                        <p:attrNameLst>
+                                          <p:attrName>style.visibility</p:attrName>
+                                        </p:attrNameLst>
+                                      </p:cBhvr>
+                                      <p:to>
+                                        <p:strVal val="visible"/>
+                                      </p:to>
+                                    </p:set>
+                                  </p:childTnLst>
+                                </p:cTn>
+                              </p:par>
+                              <p:par>
+                                <p:cTn id="43" presetID="1" presetClass="entr" presetSubtype="0" fill="hold" grpId="0" nodeType="withEffect">
+                                  <p:stCondLst>
+                                    <p:cond delay="0"/>
+                                  </p:stCondLst>
+                                  <p:childTnLst>
+                                    <p:set>
+                                      <p:cBhvr>
+                                        <p:cTn id="44" dur="1" fill="hold">
+                                          <p:stCondLst>
+                                            <p:cond delay="0"/>
+                                          </p:stCondLst>
+                                        </p:cTn>
+                                        <p:tgtEl>
+                                          <p:spTgt spid="2"/>
+                                        </p:tgtEl>
+                                        <p:attrNameLst>
+                                          <p:attrName>style.visibility</p:attrName>
+                                        </p:attrNameLst>
+                                      </p:cBhvr>
+                                      <p:to>
+                                        <p:strVal val="visible"/>
+                                      </p:to>
+                                    </p:set>
+                                  </p:childTnLst>
+                                </p:cTn>
+                              </p:par>
+                            </p:childTnLst>
+                          </p:cTn>
+                        </p:par>
+                      </p:childTnLst>
+                    </p:cTn>
+                  </p:par>
                 </p:childTnLst>
               </p:cTn>
               <p:prevCondLst>
@@ -7722,13 +10907,14 @@
       </p:par>
     </p:tnLst>
     <p:bldLst>
-      <p:bldP spid="3" grpId="0" uiExpand="1" build="p"/>
+      <p:bldP spid="2" grpId="0"/>
+      <p:bldP spid="3" grpId="0" build="p"/>
     </p:bldLst>
   </p:timing>
 </p:sld>
 </file>
 
-<file path=ppt/slides/slide3.xml><?xml version="1.0" encoding="utf-8"?>
+<file path=ppt/slides/slide6.xml><?xml version="1.0" encoding="utf-8"?>
 <p:sld xmlns:a="http://schemas.openxmlformats.org/drawingml/2006/main" xmlns:r="http://schemas.openxmlformats.org/officeDocument/2006/relationships" xmlns:p="http://schemas.openxmlformats.org/presentationml/2006/main">
   <p:cSld>
     <p:spTree>
@@ -7747,13 +10933,7 @@
       </p:grpSpPr>
       <p:sp>
         <p:nvSpPr>
-          <p:cNvPr id="2" name="Title 1">
-            <a:extLst>
-              <a:ext uri="{FF2B5EF4-FFF2-40B4-BE49-F238E27FC236}">
-                <a16:creationId xmlns:a16="http://schemas.microsoft.com/office/drawing/2014/main" id="{5B8E0E3C-7724-4C66-AFF5-DEE7E703DFD6}"/>
-              </a:ext>
-            </a:extLst>
-          </p:cNvPr>
+          <p:cNvPr id="2" name="Title 1"/>
           <p:cNvSpPr>
             <a:spLocks noGrp="1"/>
           </p:cNvSpPr>
@@ -7761,12 +10941,7 @@
             <p:ph type="title"/>
           </p:nvPr>
         </p:nvSpPr>
-        <p:spPr>
-          <a:xfrm>
-            <a:off x="684212" y="5144280"/>
-            <a:ext cx="8534400" cy="1507067"/>
-          </a:xfrm>
-        </p:spPr>
+        <p:spPr/>
         <p:txBody>
           <a:bodyPr>
             <a:normAutofit fontScale="90000"/>
@@ -7774,20 +10949,258 @@
           <a:lstStyle/>
           <a:p>
             <a:r>
-              <a:rPr lang="en-US" dirty="0"/>
-              <a:t>What are Progressive Web App</a:t>
+              <a:rPr lang="nl-NL" dirty="0" smtClean="0"/>
+              <a:t/>
             </a:r>
             <a:br>
-              <a:rPr lang="en-US" dirty="0"/>
+              <a:rPr lang="nl-NL" dirty="0" smtClean="0"/>
             </a:br>
             <a:r>
-              <a:rPr lang="en-US" dirty="0"/>
-              <a:t>Benefit of PWA</a:t>
+              <a:rPr lang="en-US" dirty="0" smtClean="0"/>
+              <a:t/>
             </a:r>
             <a:br>
-              <a:rPr lang="en-US" dirty="0"/>
+              <a:rPr lang="en-US" dirty="0" smtClean="0"/>
+            </a:br>
+            <a:r>
+              <a:rPr lang="en-US" dirty="0" smtClean="0"/>
+              <a:t/>
+            </a:r>
+            <a:br>
+              <a:rPr lang="en-US" dirty="0" smtClean="0"/>
+            </a:br>
+            <a:r>
+              <a:rPr lang="en-US" dirty="0" smtClean="0"/>
+              <a:t/>
+            </a:r>
+            <a:br>
+              <a:rPr lang="en-US" dirty="0" smtClean="0"/>
             </a:br>
             <a:endParaRPr lang="en-US" dirty="0"/>
+          </a:p>
+        </p:txBody>
+      </p:sp>
+      <p:pic>
+        <p:nvPicPr>
+          <p:cNvPr id="4" name="Content Placeholder 3"/>
+          <p:cNvPicPr>
+            <a:picLocks noGrp="1" noChangeAspect="1"/>
+          </p:cNvPicPr>
+          <p:nvPr>
+            <p:ph idx="1"/>
+          </p:nvPr>
+        </p:nvPicPr>
+        <p:blipFill>
+          <a:blip r:embed="rId2">
+            <a:extLst>
+              <a:ext uri="{28A0092B-C50C-407E-A947-70E740481C1C}">
+                <a14:useLocalDpi xmlns:a14="http://schemas.microsoft.com/office/drawing/2010/main" val="0"/>
+              </a:ext>
+            </a:extLst>
+          </a:blip>
+          <a:stretch>
+            <a:fillRect/>
+          </a:stretch>
+        </p:blipFill>
+        <p:spPr>
+          <a:xfrm>
+            <a:off x="684213" y="556445"/>
+            <a:ext cx="9539650" cy="5121543"/>
+          </a:xfrm>
+          <a:prstGeom prst="rect">
+            <a:avLst/>
+          </a:prstGeom>
+        </p:spPr>
+      </p:pic>
+    </p:spTree>
+    <p:extLst>
+      <p:ext uri="{BB962C8B-B14F-4D97-AF65-F5344CB8AC3E}">
+        <p14:creationId xmlns:p14="http://schemas.microsoft.com/office/powerpoint/2010/main" val="1249440135"/>
+      </p:ext>
+    </p:extLst>
+  </p:cSld>
+  <p:clrMapOvr>
+    <a:masterClrMapping/>
+  </p:clrMapOvr>
+  <p:timing>
+    <p:tnLst>
+      <p:par>
+        <p:cTn id="1" dur="indefinite" restart="never" nodeType="tmRoot">
+          <p:childTnLst>
+            <p:seq concurrent="1" nextAc="seek">
+              <p:cTn id="2" dur="indefinite" nodeType="mainSeq">
+                <p:childTnLst>
+                  <p:par>
+                    <p:cTn id="3" fill="hold">
+                      <p:stCondLst>
+                        <p:cond delay="indefinite"/>
+                      </p:stCondLst>
+                      <p:childTnLst>
+                        <p:par>
+                          <p:cTn id="4" fill="hold">
+                            <p:stCondLst>
+                              <p:cond delay="0"/>
+                            </p:stCondLst>
+                            <p:childTnLst>
+                              <p:par>
+                                <p:cTn id="5" presetID="42" presetClass="entr" presetSubtype="0" fill="hold" nodeType="clickEffect">
+                                  <p:stCondLst>
+                                    <p:cond delay="0"/>
+                                  </p:stCondLst>
+                                  <p:childTnLst>
+                                    <p:set>
+                                      <p:cBhvr>
+                                        <p:cTn id="6" dur="1" fill="hold">
+                                          <p:stCondLst>
+                                            <p:cond delay="0"/>
+                                          </p:stCondLst>
+                                        </p:cTn>
+                                        <p:tgtEl>
+                                          <p:spTgt spid="4"/>
+                                        </p:tgtEl>
+                                        <p:attrNameLst>
+                                          <p:attrName>style.visibility</p:attrName>
+                                        </p:attrNameLst>
+                                      </p:cBhvr>
+                                      <p:to>
+                                        <p:strVal val="visible"/>
+                                      </p:to>
+                                    </p:set>
+                                    <p:animEffect transition="in" filter="fade">
+                                      <p:cBhvr>
+                                        <p:cTn id="7" dur="1000"/>
+                                        <p:tgtEl>
+                                          <p:spTgt spid="4"/>
+                                        </p:tgtEl>
+                                      </p:cBhvr>
+                                    </p:animEffect>
+                                    <p:anim calcmode="lin" valueType="num">
+                                      <p:cBhvr>
+                                        <p:cTn id="8" dur="1000" fill="hold"/>
+                                        <p:tgtEl>
+                                          <p:spTgt spid="4"/>
+                                        </p:tgtEl>
+                                        <p:attrNameLst>
+                                          <p:attrName>ppt_x</p:attrName>
+                                        </p:attrNameLst>
+                                      </p:cBhvr>
+                                      <p:tavLst>
+                                        <p:tav tm="0">
+                                          <p:val>
+                                            <p:strVal val="#ppt_x"/>
+                                          </p:val>
+                                        </p:tav>
+                                        <p:tav tm="100000">
+                                          <p:val>
+                                            <p:strVal val="#ppt_x"/>
+                                          </p:val>
+                                        </p:tav>
+                                      </p:tavLst>
+                                    </p:anim>
+                                    <p:anim calcmode="lin" valueType="num">
+                                      <p:cBhvr>
+                                        <p:cTn id="9" dur="1000" fill="hold"/>
+                                        <p:tgtEl>
+                                          <p:spTgt spid="4"/>
+                                        </p:tgtEl>
+                                        <p:attrNameLst>
+                                          <p:attrName>ppt_y</p:attrName>
+                                        </p:attrNameLst>
+                                      </p:cBhvr>
+                                      <p:tavLst>
+                                        <p:tav tm="0">
+                                          <p:val>
+                                            <p:strVal val="#ppt_y+.1"/>
+                                          </p:val>
+                                        </p:tav>
+                                        <p:tav tm="100000">
+                                          <p:val>
+                                            <p:strVal val="#ppt_y"/>
+                                          </p:val>
+                                        </p:tav>
+                                      </p:tavLst>
+                                    </p:anim>
+                                  </p:childTnLst>
+                                </p:cTn>
+                              </p:par>
+                            </p:childTnLst>
+                          </p:cTn>
+                        </p:par>
+                      </p:childTnLst>
+                    </p:cTn>
+                  </p:par>
+                </p:childTnLst>
+              </p:cTn>
+              <p:prevCondLst>
+                <p:cond evt="onPrev" delay="0">
+                  <p:tgtEl>
+                    <p:sldTgt/>
+                  </p:tgtEl>
+                </p:cond>
+              </p:prevCondLst>
+              <p:nextCondLst>
+                <p:cond evt="onNext" delay="0">
+                  <p:tgtEl>
+                    <p:sldTgt/>
+                  </p:tgtEl>
+                </p:cond>
+              </p:nextCondLst>
+            </p:seq>
+          </p:childTnLst>
+        </p:cTn>
+      </p:par>
+    </p:tnLst>
+  </p:timing>
+</p:sld>
+</file>
+
+<file path=ppt/slides/slide7.xml><?xml version="1.0" encoding="utf-8"?>
+<p:sld xmlns:a="http://schemas.openxmlformats.org/drawingml/2006/main" xmlns:r="http://schemas.openxmlformats.org/officeDocument/2006/relationships" xmlns:p="http://schemas.openxmlformats.org/presentationml/2006/main">
+  <p:cSld>
+    <p:spTree>
+      <p:nvGrpSpPr>
+        <p:cNvPr id="1" name=""/>
+        <p:cNvGrpSpPr/>
+        <p:nvPr/>
+      </p:nvGrpSpPr>
+      <p:grpSpPr>
+        <a:xfrm>
+          <a:off x="0" y="0"/>
+          <a:ext cx="0" cy="0"/>
+          <a:chOff x="0" y="0"/>
+          <a:chExt cx="0" cy="0"/>
+        </a:xfrm>
+      </p:grpSpPr>
+      <p:sp>
+        <p:nvSpPr>
+          <p:cNvPr id="2" name="Title 1">
+            <a:extLst>
+              <a:ext uri="{FF2B5EF4-FFF2-40B4-BE49-F238E27FC236}">
+                <a16:creationId xmlns:a16="http://schemas.microsoft.com/office/drawing/2014/main" xmlns="" id="{5998A157-FCD1-4C27-8F6E-F674ED02688B}"/>
+              </a:ext>
+            </a:extLst>
+          </p:cNvPr>
+          <p:cNvSpPr>
+            <a:spLocks noGrp="1"/>
+          </p:cNvSpPr>
+          <p:nvPr>
+            <p:ph type="title"/>
+          </p:nvPr>
+        </p:nvSpPr>
+        <p:spPr>
+          <a:xfrm>
+            <a:off x="542169" y="5350933"/>
+            <a:ext cx="8534400" cy="1507067"/>
+          </a:xfrm>
+        </p:spPr>
+        <p:txBody>
+          <a:bodyPr/>
+          <a:lstStyle/>
+          <a:p>
+            <a:r>
+              <a:rPr lang="en-US" dirty="0"/>
+              <a:t>Service worker</a:t>
+            </a:r>
           </a:p>
         </p:txBody>
       </p:sp>
@@ -7796,7 +11209,7 @@
           <p:cNvPr id="3" name="Content Placeholder 2">
             <a:extLst>
               <a:ext uri="{FF2B5EF4-FFF2-40B4-BE49-F238E27FC236}">
-                <a16:creationId xmlns:a16="http://schemas.microsoft.com/office/drawing/2014/main" id="{4CC45F13-5C9B-49D4-8F3B-059D4CBDC62B}"/>
+                <a16:creationId xmlns:a16="http://schemas.microsoft.com/office/drawing/2014/main" xmlns="" id="{267068F6-BE1B-4F5F-92E0-84E8573583EA}"/>
               </a:ext>
             </a:extLst>
           </p:cNvPr>
@@ -7809,8 +11222,8 @@
         </p:nvSpPr>
         <p:spPr>
           <a:xfrm>
-            <a:off x="684212" y="943252"/>
-            <a:ext cx="8534400" cy="3615267"/>
+            <a:off x="684212" y="685800"/>
+            <a:ext cx="8534400" cy="5182340"/>
           </a:xfrm>
         </p:spPr>
         <p:txBody>
@@ -7819,13 +11232,20 @@
           </a:bodyPr>
           <a:lstStyle/>
           <a:p>
+            <a:endParaRPr lang="en-US" dirty="0">
+              <a:solidFill>
+                <a:schemeClr val="tx1"/>
+              </a:solidFill>
+            </a:endParaRPr>
+          </a:p>
+          <a:p>
             <a:r>
               <a:rPr lang="en-US" dirty="0">
                 <a:solidFill>
                   <a:schemeClr val="tx1"/>
                 </a:solidFill>
               </a:rPr>
-              <a:t>Progressive web app basically web app but use modern web capabilities to deliver an app-like experience to users</a:t>
+              <a:t>Service worker is a script that browser runs in the background, completely separate from web page and don’t need user interaction</a:t>
             </a:r>
           </a:p>
           <a:p>
@@ -7839,16 +11259,13 @@
             </a:endParaRPr>
           </a:p>
           <a:p>
-            <a:pPr marL="0" indent="0">
-              <a:buNone/>
-            </a:pPr>
             <a:r>
               <a:rPr lang="en-US" dirty="0">
                 <a:solidFill>
                   <a:schemeClr val="tx1"/>
                 </a:solidFill>
               </a:rPr>
-              <a:t>Main benefit of PWA:</a:t>
+              <a:t>Service worker characteristic:</a:t>
             </a:r>
           </a:p>
           <a:p>
@@ -7862,7 +11279,7 @@
                   <a:schemeClr val="tx1"/>
                 </a:solidFill>
               </a:rPr>
-              <a:t>Offline Mode</a:t>
+              <a:t>Can't access the DOM directly. </a:t>
             </a:r>
           </a:p>
           <a:p>
@@ -7876,7 +11293,7 @@
                   <a:schemeClr val="tx1"/>
                 </a:solidFill>
               </a:rPr>
-              <a:t>App-like</a:t>
+              <a:t>Service worker allowing you to control how network requests from your page are handled.</a:t>
             </a:r>
           </a:p>
           <a:p>
@@ -7890,7 +11307,23 @@
                   <a:schemeClr val="tx1"/>
                 </a:solidFill>
               </a:rPr>
-              <a:t>Improved performance</a:t>
+              <a:t>It's terminated when not in use, and restarted when it's next needed. If there is information that you need to persist and reuse across restarts, service workers do have access to the </a:t>
+            </a:r>
+            <a:r>
+              <a:rPr lang="en-US" dirty="0" err="1">
+                <a:solidFill>
+                  <a:schemeClr val="tx1"/>
+                </a:solidFill>
+              </a:rPr>
+              <a:t>IndexedDB</a:t>
+            </a:r>
+            <a:r>
+              <a:rPr lang="en-US" dirty="0">
+                <a:solidFill>
+                  <a:schemeClr val="tx1"/>
+                </a:solidFill>
+              </a:rPr>
+              <a:t> API.</a:t>
             </a:r>
           </a:p>
           <a:p>
@@ -7904,21 +11337,7 @@
                   <a:schemeClr val="tx1"/>
                 </a:solidFill>
               </a:rPr>
-              <a:t>Zero install</a:t>
-            </a:r>
-          </a:p>
-          <a:p>
-            <a:pPr marL="457200" indent="-457200">
-              <a:buFont typeface="+mj-lt"/>
-              <a:buAutoNum type="arabicPeriod"/>
-            </a:pPr>
-            <a:r>
-              <a:rPr lang="en-US" dirty="0">
-                <a:solidFill>
-                  <a:schemeClr val="tx1"/>
-                </a:solidFill>
-              </a:rPr>
-              <a:t>Use specific mobile feature (push notification)</a:t>
+              <a:t>Service workers make extensive use of promises</a:t>
             </a:r>
           </a:p>
           <a:p>
@@ -7933,7 +11352,7 @@
     </p:spTree>
     <p:extLst>
       <p:ext uri="{BB962C8B-B14F-4D97-AF65-F5344CB8AC3E}">
-        <p14:creationId xmlns:p14="http://schemas.microsoft.com/office/powerpoint/2010/main" val="3984361368"/>
+        <p14:creationId xmlns:p14="http://schemas.microsoft.com/office/powerpoint/2010/main" val="1739733815"/>
       </p:ext>
     </p:extLst>
   </p:cSld>
@@ -7941,7 +11360,7 @@
     <a:masterClrMapping/>
   </p:clrMapOvr>
   <mc:AlternateContent xmlns:mc="http://schemas.openxmlformats.org/markup-compatibility/2006">
-    <mc:Choice xmlns:p159="http://schemas.microsoft.com/office/powerpoint/2015/09/main" Requires="p159">
+    <mc:Choice xmlns:p159="http://schemas.microsoft.com/office/powerpoint/2015/09/main" xmlns="" Requires="p159">
       <p:transition spd="slow">
         <p159:morph option="byObject"/>
       </p:transition>
@@ -7988,7 +11407,7 @@
                                         <p:tgtEl>
                                           <p:spTgt spid="3">
                                             <p:txEl>
-                                              <p:pRg st="4" end="4"/>
+                                              <p:pRg st="1" end="1"/>
                                             </p:txEl>
                                           </p:spTgt>
                                         </p:tgtEl>
@@ -8037,7 +11456,7 @@
                                         <p:tgtEl>
                                           <p:spTgt spid="3">
                                             <p:txEl>
-                                              <p:pRg st="5" end="5"/>
+                                              <p:pRg st="3" end="3"/>
                                             </p:txEl>
                                           </p:spTgt>
                                         </p:tgtEl>
@@ -8086,7 +11505,7 @@
                                         <p:tgtEl>
                                           <p:spTgt spid="3">
                                             <p:txEl>
-                                              <p:pRg st="6" end="6"/>
+                                              <p:pRg st="4" end="4"/>
                                             </p:txEl>
                                           </p:spTgt>
                                         </p:tgtEl>
@@ -8128,6 +11547,308 @@
                                     <p:set>
                                       <p:cBhvr>
                                         <p:cTn id="18" dur="1" fill="hold">
+                                          <p:stCondLst>
+                                            <p:cond delay="0"/>
+                                          </p:stCondLst>
+                                        </p:cTn>
+                                        <p:tgtEl>
+                                          <p:spTgt spid="3">
+                                            <p:txEl>
+                                              <p:pRg st="5" end="5"/>
+                                            </p:txEl>
+                                          </p:spTgt>
+                                        </p:tgtEl>
+                                        <p:attrNameLst>
+                                          <p:attrName>style.visibility</p:attrName>
+                                        </p:attrNameLst>
+                                      </p:cBhvr>
+                                      <p:to>
+                                        <p:strVal val="visible"/>
+                                      </p:to>
+                                    </p:set>
+                                  </p:childTnLst>
+                                </p:cTn>
+                              </p:par>
+                            </p:childTnLst>
+                          </p:cTn>
+                        </p:par>
+                      </p:childTnLst>
+                    </p:cTn>
+                  </p:par>
+                  <p:par>
+                    <p:cTn id="19" fill="hold">
+                      <p:stCondLst>
+                        <p:cond delay="indefinite"/>
+                      </p:stCondLst>
+                      <p:childTnLst>
+                        <p:par>
+                          <p:cTn id="20" fill="hold">
+                            <p:stCondLst>
+                              <p:cond delay="0"/>
+                            </p:stCondLst>
+                            <p:childTnLst>
+                              <p:par>
+                                <p:cTn id="21" presetID="1" presetClass="entr" presetSubtype="0" fill="hold" grpId="0" nodeType="clickEffect">
+                                  <p:stCondLst>
+                                    <p:cond delay="0"/>
+                                  </p:stCondLst>
+                                  <p:childTnLst>
+                                    <p:set>
+                                      <p:cBhvr>
+                                        <p:cTn id="22" dur="1" fill="hold">
+                                          <p:stCondLst>
+                                            <p:cond delay="0"/>
+                                          </p:stCondLst>
+                                        </p:cTn>
+                                        <p:tgtEl>
+                                          <p:spTgt spid="3">
+                                            <p:txEl>
+                                              <p:pRg st="6" end="6"/>
+                                            </p:txEl>
+                                          </p:spTgt>
+                                        </p:tgtEl>
+                                        <p:attrNameLst>
+                                          <p:attrName>style.visibility</p:attrName>
+                                        </p:attrNameLst>
+                                      </p:cBhvr>
+                                      <p:to>
+                                        <p:strVal val="visible"/>
+                                      </p:to>
+                                    </p:set>
+                                  </p:childTnLst>
+                                </p:cTn>
+                              </p:par>
+                            </p:childTnLst>
+                          </p:cTn>
+                        </p:par>
+                      </p:childTnLst>
+                    </p:cTn>
+                  </p:par>
+                  <p:par>
+                    <p:cTn id="23" fill="hold">
+                      <p:stCondLst>
+                        <p:cond delay="indefinite"/>
+                      </p:stCondLst>
+                      <p:childTnLst>
+                        <p:par>
+                          <p:cTn id="24" fill="hold">
+                            <p:stCondLst>
+                              <p:cond delay="0"/>
+                            </p:stCondLst>
+                            <p:childTnLst>
+                              <p:par>
+                                <p:cTn id="25" presetID="1" presetClass="entr" presetSubtype="0" fill="hold" grpId="0" nodeType="clickEffect">
+                                  <p:stCondLst>
+                                    <p:cond delay="0"/>
+                                  </p:stCondLst>
+                                  <p:childTnLst>
+                                    <p:set>
+                                      <p:cBhvr>
+                                        <p:cTn id="26" dur="1" fill="hold">
+                                          <p:stCondLst>
+                                            <p:cond delay="0"/>
+                                          </p:stCondLst>
+                                        </p:cTn>
+                                        <p:tgtEl>
+                                          <p:spTgt spid="3">
+                                            <p:txEl>
+                                              <p:pRg st="7" end="7"/>
+                                            </p:txEl>
+                                          </p:spTgt>
+                                        </p:tgtEl>
+                                        <p:attrNameLst>
+                                          <p:attrName>style.visibility</p:attrName>
+                                        </p:attrNameLst>
+                                      </p:cBhvr>
+                                      <p:to>
+                                        <p:strVal val="visible"/>
+                                      </p:to>
+                                    </p:set>
+                                  </p:childTnLst>
+                                </p:cTn>
+                              </p:par>
+                            </p:childTnLst>
+                          </p:cTn>
+                        </p:par>
+                      </p:childTnLst>
+                    </p:cTn>
+                  </p:par>
+                  <p:par>
+                    <p:cTn id="27" fill="hold">
+                      <p:stCondLst>
+                        <p:cond delay="indefinite"/>
+                      </p:stCondLst>
+                      <p:childTnLst>
+                        <p:par>
+                          <p:cTn id="28" fill="hold">
+                            <p:stCondLst>
+                              <p:cond delay="0"/>
+                            </p:stCondLst>
+                            <p:childTnLst>
+                              <p:par>
+                                <p:cTn id="29" presetID="1" presetClass="entr" presetSubtype="0" fill="hold" nodeType="clickEffect">
+                                  <p:stCondLst>
+                                    <p:cond delay="0"/>
+                                  </p:stCondLst>
+                                  <p:childTnLst>
+                                    <p:set>
+                                      <p:cBhvr>
+                                        <p:cTn id="30" dur="1" fill="hold">
+                                          <p:stCondLst>
+                                            <p:cond delay="0"/>
+                                          </p:stCondLst>
+                                        </p:cTn>
+                                        <p:tgtEl>
+                                          <p:spTgt spid="3">
+                                            <p:txEl>
+                                              <p:pRg st="1" end="1"/>
+                                            </p:txEl>
+                                          </p:spTgt>
+                                        </p:tgtEl>
+                                        <p:attrNameLst>
+                                          <p:attrName>style.visibility</p:attrName>
+                                        </p:attrNameLst>
+                                      </p:cBhvr>
+                                      <p:to>
+                                        <p:strVal val="visible"/>
+                                      </p:to>
+                                    </p:set>
+                                  </p:childTnLst>
+                                </p:cTn>
+                              </p:par>
+                              <p:par>
+                                <p:cTn id="31" presetID="1" presetClass="entr" presetSubtype="0" fill="hold" nodeType="withEffect">
+                                  <p:stCondLst>
+                                    <p:cond delay="0"/>
+                                  </p:stCondLst>
+                                  <p:childTnLst>
+                                    <p:set>
+                                      <p:cBhvr>
+                                        <p:cTn id="32" dur="1" fill="hold">
+                                          <p:stCondLst>
+                                            <p:cond delay="0"/>
+                                          </p:stCondLst>
+                                        </p:cTn>
+                                        <p:tgtEl>
+                                          <p:spTgt spid="3">
+                                            <p:txEl>
+                                              <p:pRg st="3" end="3"/>
+                                            </p:txEl>
+                                          </p:spTgt>
+                                        </p:tgtEl>
+                                        <p:attrNameLst>
+                                          <p:attrName>style.visibility</p:attrName>
+                                        </p:attrNameLst>
+                                      </p:cBhvr>
+                                      <p:to>
+                                        <p:strVal val="visible"/>
+                                      </p:to>
+                                    </p:set>
+                                  </p:childTnLst>
+                                </p:cTn>
+                              </p:par>
+                              <p:par>
+                                <p:cTn id="33" presetID="1" presetClass="entr" presetSubtype="0" fill="hold" nodeType="withEffect">
+                                  <p:stCondLst>
+                                    <p:cond delay="0"/>
+                                  </p:stCondLst>
+                                  <p:childTnLst>
+                                    <p:set>
+                                      <p:cBhvr>
+                                        <p:cTn id="34" dur="1" fill="hold">
+                                          <p:stCondLst>
+                                            <p:cond delay="0"/>
+                                          </p:stCondLst>
+                                        </p:cTn>
+                                        <p:tgtEl>
+                                          <p:spTgt spid="3">
+                                            <p:txEl>
+                                              <p:pRg st="4" end="4"/>
+                                            </p:txEl>
+                                          </p:spTgt>
+                                        </p:tgtEl>
+                                        <p:attrNameLst>
+                                          <p:attrName>style.visibility</p:attrName>
+                                        </p:attrNameLst>
+                                      </p:cBhvr>
+                                      <p:to>
+                                        <p:strVal val="visible"/>
+                                      </p:to>
+                                    </p:set>
+                                  </p:childTnLst>
+                                </p:cTn>
+                              </p:par>
+                              <p:par>
+                                <p:cTn id="35" presetID="1" presetClass="entr" presetSubtype="0" fill="hold" nodeType="withEffect">
+                                  <p:stCondLst>
+                                    <p:cond delay="0"/>
+                                  </p:stCondLst>
+                                  <p:childTnLst>
+                                    <p:set>
+                                      <p:cBhvr>
+                                        <p:cTn id="36" dur="1" fill="hold">
+                                          <p:stCondLst>
+                                            <p:cond delay="0"/>
+                                          </p:stCondLst>
+                                        </p:cTn>
+                                        <p:tgtEl>
+                                          <p:spTgt spid="3">
+                                            <p:txEl>
+                                              <p:pRg st="5" end="5"/>
+                                            </p:txEl>
+                                          </p:spTgt>
+                                        </p:tgtEl>
+                                        <p:attrNameLst>
+                                          <p:attrName>style.visibility</p:attrName>
+                                        </p:attrNameLst>
+                                      </p:cBhvr>
+                                      <p:to>
+                                        <p:strVal val="visible"/>
+                                      </p:to>
+                                    </p:set>
+                                  </p:childTnLst>
+                                </p:cTn>
+                              </p:par>
+                              <p:par>
+                                <p:cTn id="37" presetID="1" presetClass="entr" presetSubtype="0" fill="hold" nodeType="withEffect">
+                                  <p:stCondLst>
+                                    <p:cond delay="0"/>
+                                  </p:stCondLst>
+                                  <p:childTnLst>
+                                    <p:set>
+                                      <p:cBhvr>
+                                        <p:cTn id="38" dur="1" fill="hold">
+                                          <p:stCondLst>
+                                            <p:cond delay="0"/>
+                                          </p:stCondLst>
+                                        </p:cTn>
+                                        <p:tgtEl>
+                                          <p:spTgt spid="3">
+                                            <p:txEl>
+                                              <p:pRg st="6" end="6"/>
+                                            </p:txEl>
+                                          </p:spTgt>
+                                        </p:tgtEl>
+                                        <p:attrNameLst>
+                                          <p:attrName>style.visibility</p:attrName>
+                                        </p:attrNameLst>
+                                      </p:cBhvr>
+                                      <p:to>
+                                        <p:strVal val="visible"/>
+                                      </p:to>
+                                    </p:set>
+                                  </p:childTnLst>
+                                </p:cTn>
+                              </p:par>
+                              <p:par>
+                                <p:cTn id="39" presetID="1" presetClass="entr" presetSubtype="0" fill="hold" nodeType="withEffect">
+                                  <p:stCondLst>
+                                    <p:cond delay="0"/>
+                                  </p:stCondLst>
+                                  <p:childTnLst>
+                                    <p:set>
+                                      <p:cBhvr>
+                                        <p:cTn id="40" dur="1" fill="hold">
                                           <p:stCondLst>
                                             <p:cond delay="0"/>
                                           </p:stCondLst>
@@ -8184,7 +11905,7 @@
 </p:sld>
 </file>
 
-<file path=ppt/slides/slide4.xml><?xml version="1.0" encoding="utf-8"?>
+<file path=ppt/slides/slide8.xml><?xml version="1.0" encoding="utf-8"?>
 <p:sld xmlns:a="http://schemas.openxmlformats.org/drawingml/2006/main" xmlns:r="http://schemas.openxmlformats.org/officeDocument/2006/relationships" xmlns:p="http://schemas.openxmlformats.org/presentationml/2006/main">
   <p:cSld>
     <p:spTree>
@@ -8206,7 +11927,7 @@
           <p:cNvPr id="2" name="Title 1">
             <a:extLst>
               <a:ext uri="{FF2B5EF4-FFF2-40B4-BE49-F238E27FC236}">
-                <a16:creationId xmlns:a16="http://schemas.microsoft.com/office/drawing/2014/main" id="{FD1776FB-59EC-4639-A7DF-71C67569EBF1}"/>
+                <a16:creationId xmlns:a16="http://schemas.microsoft.com/office/drawing/2014/main" xmlns="" id="{9CB72FEE-B902-40F9-AACA-EC55CA6C6720}"/>
               </a:ext>
             </a:extLst>
           </p:cNvPr>
@@ -8217,99 +11938,62 @@
             <p:ph type="title"/>
           </p:nvPr>
         </p:nvSpPr>
-        <p:spPr/>
+        <p:spPr>
+          <a:xfrm>
+            <a:off x="637558" y="5544629"/>
+            <a:ext cx="8534400" cy="1507067"/>
+          </a:xfrm>
+        </p:spPr>
         <p:txBody>
           <a:bodyPr/>
           <a:lstStyle/>
           <a:p>
             <a:r>
               <a:rPr lang="en-US" dirty="0"/>
-              <a:t>Tool to build </a:t>
-            </a:r>
-            <a:r>
-              <a:rPr lang="en-US" dirty="0" err="1"/>
-              <a:t>pwa</a:t>
-            </a:r>
-            <a:endParaRPr lang="en-US" dirty="0"/>
-          </a:p>
-        </p:txBody>
-      </p:sp>
-      <p:sp>
-        <p:nvSpPr>
-          <p:cNvPr id="3" name="Content Placeholder 2">
+              <a:t>Service worker lifecycle</a:t>
+            </a:r>
+          </a:p>
+        </p:txBody>
+      </p:sp>
+      <p:pic>
+        <p:nvPicPr>
+          <p:cNvPr id="5" name="Content Placeholder 4">
             <a:extLst>
               <a:ext uri="{FF2B5EF4-FFF2-40B4-BE49-F238E27FC236}">
-                <a16:creationId xmlns:a16="http://schemas.microsoft.com/office/drawing/2014/main" id="{04FF6E83-715A-4753-898C-0F8BC4606043}"/>
+                <a16:creationId xmlns:a16="http://schemas.microsoft.com/office/drawing/2014/main" xmlns="" id="{0EEE8D40-76BA-4EA2-AD2D-6D9B6259AE63}"/>
               </a:ext>
             </a:extLst>
           </p:cNvPr>
-          <p:cNvSpPr>
-            <a:spLocks noGrp="1"/>
-          </p:cNvSpPr>
+          <p:cNvPicPr>
+            <a:picLocks noGrp="1" noChangeAspect="1"/>
+          </p:cNvPicPr>
           <p:nvPr>
             <p:ph idx="1"/>
           </p:nvPr>
-        </p:nvSpPr>
-        <p:spPr/>
-        <p:txBody>
-          <a:bodyPr/>
-          <a:lstStyle/>
-          <a:p>
-            <a:r>
-              <a:rPr lang="en-US" dirty="0">
-                <a:solidFill>
-                  <a:schemeClr val="tx1"/>
-                </a:solidFill>
-              </a:rPr>
-              <a:t>Ionic </a:t>
-            </a:r>
-          </a:p>
-          <a:p>
-            <a:r>
-              <a:rPr lang="en-US" dirty="0">
-                <a:solidFill>
-                  <a:schemeClr val="tx1"/>
-                </a:solidFill>
-              </a:rPr>
-              <a:t>React Native</a:t>
-            </a:r>
-          </a:p>
-          <a:p>
-            <a:r>
-              <a:rPr lang="en-US" dirty="0">
-                <a:solidFill>
-                  <a:schemeClr val="tx1"/>
-                </a:solidFill>
-              </a:rPr>
-              <a:t>AMP (Accelerated Mobile Pages)</a:t>
-            </a:r>
-          </a:p>
-          <a:p>
-            <a:r>
-              <a:rPr lang="en-US" dirty="0">
-                <a:solidFill>
-                  <a:schemeClr val="tx1"/>
-                </a:solidFill>
-              </a:rPr>
-              <a:t>Polymer</a:t>
-            </a:r>
-          </a:p>
-          <a:p>
-            <a:r>
-              <a:rPr lang="en-US" dirty="0">
-                <a:solidFill>
-                  <a:schemeClr val="tx1"/>
-                </a:solidFill>
-              </a:rPr>
-              <a:t>Meteor</a:t>
-            </a:r>
-          </a:p>
-        </p:txBody>
-      </p:sp>
+        </p:nvPicPr>
+        <p:blipFill>
+          <a:blip r:embed="rId2" cstate="print">
+            <a:extLst>
+              <a:ext uri="{28A0092B-C50C-407E-A947-70E740481C1C}">
+                <a14:useLocalDpi xmlns:a14="http://schemas.microsoft.com/office/drawing/2010/main" val="0"/>
+              </a:ext>
+            </a:extLst>
+          </a:blip>
+          <a:stretch>
+            <a:fillRect/>
+          </a:stretch>
+        </p:blipFill>
+        <p:spPr>
+          <a:xfrm>
+            <a:off x="326572" y="461555"/>
+            <a:ext cx="9781723" cy="5416732"/>
+          </a:xfrm>
+        </p:spPr>
+      </p:pic>
     </p:spTree>
     <p:extLst>
       <p:ext uri="{BB962C8B-B14F-4D97-AF65-F5344CB8AC3E}">
-        <p14:creationId xmlns:p14="http://schemas.microsoft.com/office/powerpoint/2010/main" val="2817356377"/>
+        <p14:creationId xmlns:p14="http://schemas.microsoft.com/office/powerpoint/2010/main" val="224578707"/>
       </p:ext>
     </p:extLst>
   </p:cSld>
@@ -8317,7 +12001,353 @@
     <a:masterClrMapping/>
   </p:clrMapOvr>
   <mc:AlternateContent xmlns:mc="http://schemas.openxmlformats.org/markup-compatibility/2006">
-    <mc:Choice xmlns:p159="http://schemas.microsoft.com/office/powerpoint/2015/09/main" Requires="p159">
+    <mc:Choice xmlns:p159="http://schemas.microsoft.com/office/powerpoint/2015/09/main" xmlns="" Requires="p159">
+      <p:transition spd="slow">
+        <p159:morph option="byObject"/>
+      </p:transition>
+    </mc:Choice>
+    <mc:Fallback>
+      <p:transition spd="slow">
+        <p:fade/>
+      </p:transition>
+    </mc:Fallback>
+  </mc:AlternateContent>
+  <p:timing>
+    <p:tnLst>
+      <p:par>
+        <p:cTn id="1" dur="indefinite" restart="never" nodeType="tmRoot">
+          <p:childTnLst>
+            <p:seq concurrent="1" nextAc="seek">
+              <p:cTn id="2" dur="indefinite" nodeType="mainSeq">
+                <p:childTnLst>
+                  <p:par>
+                    <p:cTn id="3" fill="hold">
+                      <p:stCondLst>
+                        <p:cond delay="indefinite"/>
+                      </p:stCondLst>
+                      <p:childTnLst>
+                        <p:par>
+                          <p:cTn id="4" fill="hold">
+                            <p:stCondLst>
+                              <p:cond delay="0"/>
+                            </p:stCondLst>
+                            <p:childTnLst>
+                              <p:par>
+                                <p:cTn id="5" presetID="42" presetClass="entr" presetSubtype="0" fill="hold" nodeType="clickEffect">
+                                  <p:stCondLst>
+                                    <p:cond delay="0"/>
+                                  </p:stCondLst>
+                                  <p:childTnLst>
+                                    <p:set>
+                                      <p:cBhvr>
+                                        <p:cTn id="6" dur="1" fill="hold">
+                                          <p:stCondLst>
+                                            <p:cond delay="0"/>
+                                          </p:stCondLst>
+                                        </p:cTn>
+                                        <p:tgtEl>
+                                          <p:spTgt spid="5"/>
+                                        </p:tgtEl>
+                                        <p:attrNameLst>
+                                          <p:attrName>style.visibility</p:attrName>
+                                        </p:attrNameLst>
+                                      </p:cBhvr>
+                                      <p:to>
+                                        <p:strVal val="visible"/>
+                                      </p:to>
+                                    </p:set>
+                                    <p:animEffect transition="in" filter="fade">
+                                      <p:cBhvr>
+                                        <p:cTn id="7" dur="1000"/>
+                                        <p:tgtEl>
+                                          <p:spTgt spid="5"/>
+                                        </p:tgtEl>
+                                      </p:cBhvr>
+                                    </p:animEffect>
+                                    <p:anim calcmode="lin" valueType="num">
+                                      <p:cBhvr>
+                                        <p:cTn id="8" dur="1000" fill="hold"/>
+                                        <p:tgtEl>
+                                          <p:spTgt spid="5"/>
+                                        </p:tgtEl>
+                                        <p:attrNameLst>
+                                          <p:attrName>ppt_x</p:attrName>
+                                        </p:attrNameLst>
+                                      </p:cBhvr>
+                                      <p:tavLst>
+                                        <p:tav tm="0">
+                                          <p:val>
+                                            <p:strVal val="#ppt_x"/>
+                                          </p:val>
+                                        </p:tav>
+                                        <p:tav tm="100000">
+                                          <p:val>
+                                            <p:strVal val="#ppt_x"/>
+                                          </p:val>
+                                        </p:tav>
+                                      </p:tavLst>
+                                    </p:anim>
+                                    <p:anim calcmode="lin" valueType="num">
+                                      <p:cBhvr>
+                                        <p:cTn id="9" dur="1000" fill="hold"/>
+                                        <p:tgtEl>
+                                          <p:spTgt spid="5"/>
+                                        </p:tgtEl>
+                                        <p:attrNameLst>
+                                          <p:attrName>ppt_y</p:attrName>
+                                        </p:attrNameLst>
+                                      </p:cBhvr>
+                                      <p:tavLst>
+                                        <p:tav tm="0">
+                                          <p:val>
+                                            <p:strVal val="#ppt_y+.1"/>
+                                          </p:val>
+                                        </p:tav>
+                                        <p:tav tm="100000">
+                                          <p:val>
+                                            <p:strVal val="#ppt_y"/>
+                                          </p:val>
+                                        </p:tav>
+                                      </p:tavLst>
+                                    </p:anim>
+                                  </p:childTnLst>
+                                </p:cTn>
+                              </p:par>
+                            </p:childTnLst>
+                          </p:cTn>
+                        </p:par>
+                      </p:childTnLst>
+                    </p:cTn>
+                  </p:par>
+                </p:childTnLst>
+              </p:cTn>
+              <p:prevCondLst>
+                <p:cond evt="onPrev" delay="0">
+                  <p:tgtEl>
+                    <p:sldTgt/>
+                  </p:tgtEl>
+                </p:cond>
+              </p:prevCondLst>
+              <p:nextCondLst>
+                <p:cond evt="onNext" delay="0">
+                  <p:tgtEl>
+                    <p:sldTgt/>
+                  </p:tgtEl>
+                </p:cond>
+              </p:nextCondLst>
+            </p:seq>
+          </p:childTnLst>
+        </p:cTn>
+      </p:par>
+    </p:tnLst>
+  </p:timing>
+</p:sld>
+</file>
+
+<file path=ppt/slides/slide9.xml><?xml version="1.0" encoding="utf-8"?>
+<p:sld xmlns:a="http://schemas.openxmlformats.org/drawingml/2006/main" xmlns:r="http://schemas.openxmlformats.org/officeDocument/2006/relationships" xmlns:p="http://schemas.openxmlformats.org/presentationml/2006/main">
+  <p:cSld>
+    <p:spTree>
+      <p:nvGrpSpPr>
+        <p:cNvPr id="1" name=""/>
+        <p:cNvGrpSpPr/>
+        <p:nvPr/>
+      </p:nvGrpSpPr>
+      <p:grpSpPr>
+        <a:xfrm>
+          <a:off x="0" y="0"/>
+          <a:ext cx="0" cy="0"/>
+          <a:chOff x="0" y="0"/>
+          <a:chExt cx="0" cy="0"/>
+        </a:xfrm>
+      </p:grpSpPr>
+      <p:sp>
+        <p:nvSpPr>
+          <p:cNvPr id="2" name="Title 1"/>
+          <p:cNvSpPr>
+            <a:spLocks noGrp="1"/>
+          </p:cNvSpPr>
+          <p:nvPr>
+            <p:ph type="title"/>
+          </p:nvPr>
+        </p:nvSpPr>
+        <p:spPr>
+          <a:xfrm>
+            <a:off x="675504" y="5523924"/>
+            <a:ext cx="8534400" cy="1507067"/>
+          </a:xfrm>
+        </p:spPr>
+        <p:txBody>
+          <a:bodyPr/>
+          <a:lstStyle/>
+          <a:p>
+            <a:r>
+              <a:rPr lang="en-US" dirty="0"/>
+              <a:t>Events</a:t>
+            </a:r>
+            <a:br>
+              <a:rPr lang="en-US" dirty="0"/>
+            </a:br>
+            <a:endParaRPr lang="en-US" dirty="0"/>
+          </a:p>
+        </p:txBody>
+      </p:sp>
+      <p:sp>
+        <p:nvSpPr>
+          <p:cNvPr id="3" name="Content Placeholder 2"/>
+          <p:cNvSpPr>
+            <a:spLocks noGrp="1"/>
+          </p:cNvSpPr>
+          <p:nvPr>
+            <p:ph idx="1"/>
+          </p:nvPr>
+        </p:nvSpPr>
+        <p:spPr>
+          <a:xfrm>
+            <a:off x="675504" y="701336"/>
+            <a:ext cx="8534400" cy="3615267"/>
+          </a:xfrm>
+        </p:spPr>
+        <p:txBody>
+          <a:bodyPr>
+            <a:normAutofit fontScale="85000" lnSpcReduction="20000"/>
+          </a:bodyPr>
+          <a:lstStyle/>
+          <a:p>
+            <a:endParaRPr lang="en-US" dirty="0">
+              <a:solidFill>
+                <a:schemeClr val="tx1"/>
+              </a:solidFill>
+            </a:endParaRPr>
+          </a:p>
+          <a:p>
+            <a:r>
+              <a:rPr lang="en-US" dirty="0">
+                <a:solidFill>
+                  <a:schemeClr val="tx1"/>
+                </a:solidFill>
+              </a:rPr>
+              <a:t>On Install: After registered and downloaded, </a:t>
+            </a:r>
+            <a:r>
+              <a:rPr lang="en-US" dirty="0" err="1">
+                <a:solidFill>
+                  <a:schemeClr val="tx1"/>
+                </a:solidFill>
+              </a:rPr>
+              <a:t>sw</a:t>
+            </a:r>
+            <a:r>
+              <a:rPr lang="en-US" dirty="0">
+                <a:solidFill>
+                  <a:schemeClr val="tx1"/>
+                </a:solidFill>
+              </a:rPr>
+              <a:t> get installed in the background. Suitable for static assets like </a:t>
+            </a:r>
+            <a:r>
+              <a:rPr lang="en-US" dirty="0" err="1">
+                <a:solidFill>
+                  <a:schemeClr val="tx1"/>
+                </a:solidFill>
+              </a:rPr>
+              <a:t>js,css,img</a:t>
+            </a:r>
+            <a:endParaRPr lang="en-US" dirty="0">
+              <a:solidFill>
+                <a:schemeClr val="tx1"/>
+              </a:solidFill>
+            </a:endParaRPr>
+          </a:p>
+          <a:p>
+            <a:r>
+              <a:rPr lang="en-US" dirty="0">
+                <a:solidFill>
+                  <a:schemeClr val="tx1"/>
+                </a:solidFill>
+              </a:rPr>
+              <a:t>On activate: After install stage is finished. SW now in control of things within its scope. Suitable for clean up old cache and update new version.</a:t>
+            </a:r>
+          </a:p>
+          <a:p>
+            <a:r>
+              <a:rPr lang="en-US" dirty="0">
+                <a:solidFill>
+                  <a:schemeClr val="tx1"/>
+                </a:solidFill>
+              </a:rPr>
+              <a:t>On network response (Fetch): When browser download data. Suitable for caching web request, response</a:t>
+            </a:r>
+          </a:p>
+          <a:p>
+            <a:endParaRPr lang="en-US" dirty="0">
+              <a:solidFill>
+                <a:schemeClr val="tx1"/>
+              </a:solidFill>
+            </a:endParaRPr>
+          </a:p>
+          <a:p>
+            <a:pPr marL="0" indent="0">
+              <a:buNone/>
+            </a:pPr>
+            <a:r>
+              <a:rPr lang="en-US" dirty="0">
+                <a:solidFill>
+                  <a:schemeClr val="tx1"/>
+                </a:solidFill>
+              </a:rPr>
+              <a:t>Demo:</a:t>
+            </a:r>
+          </a:p>
+          <a:p>
+            <a:pPr marL="457200" indent="-457200">
+              <a:buFont typeface="+mj-lt"/>
+              <a:buAutoNum type="arabicPeriod"/>
+            </a:pPr>
+            <a:r>
+              <a:rPr lang="en-US" dirty="0">
+                <a:solidFill>
+                  <a:schemeClr val="tx1"/>
+                </a:solidFill>
+              </a:rPr>
+              <a:t>Precaching during Service Worker installation</a:t>
+            </a:r>
+          </a:p>
+          <a:p>
+            <a:pPr marL="457200" indent="-457200">
+              <a:buFont typeface="+mj-lt"/>
+              <a:buAutoNum type="arabicPeriod"/>
+            </a:pPr>
+            <a:r>
+              <a:rPr lang="en-US" dirty="0">
+                <a:solidFill>
+                  <a:schemeClr val="tx1"/>
+                </a:solidFill>
+              </a:rPr>
+              <a:t>Cache First </a:t>
+            </a:r>
+          </a:p>
+          <a:p>
+            <a:endParaRPr lang="en-US" dirty="0">
+              <a:solidFill>
+                <a:schemeClr val="tx1"/>
+              </a:solidFill>
+            </a:endParaRPr>
+          </a:p>
+        </p:txBody>
+      </p:sp>
+    </p:spTree>
+    <p:extLst>
+      <p:ext uri="{BB962C8B-B14F-4D97-AF65-F5344CB8AC3E}">
+        <p14:creationId xmlns:p14="http://schemas.microsoft.com/office/powerpoint/2010/main" val="1112003914"/>
+      </p:ext>
+    </p:extLst>
+  </p:cSld>
+  <p:clrMapOvr>
+    <a:masterClrMapping/>
+  </p:clrMapOvr>
+  <mc:AlternateContent xmlns:mc="http://schemas.openxmlformats.org/markup-compatibility/2006">
+    <mc:Choice xmlns:p159="http://schemas.microsoft.com/office/powerpoint/2015/09/main" xmlns="" Requires="p159">
       <p:transition spd="slow">
         <p159:morph option="byObject"/>
       </p:transition>
@@ -8511,511 +12541,6 @@
                                         <p:tgtEl>
                                           <p:spTgt spid="3">
                                             <p:txEl>
-                                              <p:pRg st="4" end="4"/>
-                                            </p:txEl>
-                                          </p:spTgt>
-                                        </p:tgtEl>
-                                        <p:attrNameLst>
-                                          <p:attrName>style.visibility</p:attrName>
-                                        </p:attrNameLst>
-                                      </p:cBhvr>
-                                      <p:to>
-                                        <p:strVal val="visible"/>
-                                      </p:to>
-                                    </p:set>
-                                  </p:childTnLst>
-                                </p:cTn>
-                              </p:par>
-                            </p:childTnLst>
-                          </p:cTn>
-                        </p:par>
-                      </p:childTnLst>
-                    </p:cTn>
-                  </p:par>
-                </p:childTnLst>
-              </p:cTn>
-              <p:prevCondLst>
-                <p:cond evt="onPrev" delay="0">
-                  <p:tgtEl>
-                    <p:sldTgt/>
-                  </p:tgtEl>
-                </p:cond>
-              </p:prevCondLst>
-              <p:nextCondLst>
-                <p:cond evt="onNext" delay="0">
-                  <p:tgtEl>
-                    <p:sldTgt/>
-                  </p:tgtEl>
-                </p:cond>
-              </p:nextCondLst>
-            </p:seq>
-          </p:childTnLst>
-        </p:cTn>
-      </p:par>
-    </p:tnLst>
-    <p:bldLst>
-      <p:bldP spid="3" grpId="0" uiExpand="1" build="p"/>
-    </p:bldLst>
-  </p:timing>
-</p:sld>
-</file>
-
-<file path=ppt/slides/slide5.xml><?xml version="1.0" encoding="utf-8"?>
-<p:sld xmlns:a="http://schemas.openxmlformats.org/drawingml/2006/main" xmlns:r="http://schemas.openxmlformats.org/officeDocument/2006/relationships" xmlns:p="http://schemas.openxmlformats.org/presentationml/2006/main">
-  <p:cSld>
-    <p:spTree>
-      <p:nvGrpSpPr>
-        <p:cNvPr id="1" name=""/>
-        <p:cNvGrpSpPr/>
-        <p:nvPr/>
-      </p:nvGrpSpPr>
-      <p:grpSpPr>
-        <a:xfrm>
-          <a:off x="0" y="0"/>
-          <a:ext cx="0" cy="0"/>
-          <a:chOff x="0" y="0"/>
-          <a:chExt cx="0" cy="0"/>
-        </a:xfrm>
-      </p:grpSpPr>
-      <p:sp>
-        <p:nvSpPr>
-          <p:cNvPr id="2" name="Title 1">
-            <a:extLst>
-              <a:ext uri="{FF2B5EF4-FFF2-40B4-BE49-F238E27FC236}">
-                <a16:creationId xmlns:a16="http://schemas.microsoft.com/office/drawing/2014/main" id="{3F2B6B2B-52E3-44A1-B06E-81EDEADA04F5}"/>
-              </a:ext>
-            </a:extLst>
-          </p:cNvPr>
-          <p:cNvSpPr>
-            <a:spLocks noGrp="1"/>
-          </p:cNvSpPr>
-          <p:nvPr>
-            <p:ph type="title"/>
-          </p:nvPr>
-        </p:nvSpPr>
-        <p:spPr>
-          <a:xfrm>
-            <a:off x="684212" y="5144279"/>
-            <a:ext cx="8534400" cy="1507067"/>
-          </a:xfrm>
-        </p:spPr>
-        <p:txBody>
-          <a:bodyPr/>
-          <a:lstStyle/>
-          <a:p>
-            <a:r>
-              <a:rPr lang="en-US" dirty="0"/>
-              <a:t>Application Shell Architecture</a:t>
-            </a:r>
-            <a:br>
-              <a:rPr lang="en-US" dirty="0"/>
-            </a:br>
-            <a:endParaRPr lang="en-US" dirty="0"/>
-          </a:p>
-        </p:txBody>
-      </p:sp>
-      <p:sp>
-        <p:nvSpPr>
-          <p:cNvPr id="3" name="Content Placeholder 2">
-            <a:extLst>
-              <a:ext uri="{FF2B5EF4-FFF2-40B4-BE49-F238E27FC236}">
-                <a16:creationId xmlns:a16="http://schemas.microsoft.com/office/drawing/2014/main" id="{89426F1F-F7A3-44F6-B515-7260B22129D5}"/>
-              </a:ext>
-            </a:extLst>
-          </p:cNvPr>
-          <p:cNvSpPr>
-            <a:spLocks noGrp="1"/>
-          </p:cNvSpPr>
-          <p:nvPr>
-            <p:ph idx="1"/>
-          </p:nvPr>
-        </p:nvSpPr>
-        <p:spPr/>
-        <p:txBody>
-          <a:bodyPr/>
-          <a:lstStyle/>
-          <a:p>
-            <a:r>
-              <a:rPr lang="en-US" dirty="0">
-                <a:solidFill>
-                  <a:schemeClr val="tx1"/>
-                </a:solidFill>
-              </a:rPr>
-              <a:t>The app shell mean minimal HTML,CSS,JS powering the user interface. Since shell doesn’t  usually change we can cache and once loaded, dynamic content can populate the view.</a:t>
-            </a:r>
-          </a:p>
-          <a:p>
-            <a:r>
-              <a:rPr lang="en-US" dirty="0">
-                <a:solidFill>
-                  <a:schemeClr val="tx1"/>
-                </a:solidFill>
-              </a:rPr>
-              <a:t>Demo: https://github.com/GoogleChromeLabs/application-shell</a:t>
-            </a:r>
-          </a:p>
-        </p:txBody>
-      </p:sp>
-    </p:spTree>
-    <p:extLst>
-      <p:ext uri="{BB962C8B-B14F-4D97-AF65-F5344CB8AC3E}">
-        <p14:creationId xmlns:p14="http://schemas.microsoft.com/office/powerpoint/2010/main" val="1240040262"/>
-      </p:ext>
-    </p:extLst>
-  </p:cSld>
-  <p:clrMapOvr>
-    <a:masterClrMapping/>
-  </p:clrMapOvr>
-  <mc:AlternateContent xmlns:mc="http://schemas.openxmlformats.org/markup-compatibility/2006">
-    <mc:Choice xmlns:p159="http://schemas.microsoft.com/office/powerpoint/2015/09/main" Requires="p159">
-      <p:transition spd="slow">
-        <p159:morph option="byObject"/>
-      </p:transition>
-    </mc:Choice>
-    <mc:Fallback>
-      <p:transition spd="slow">
-        <p:fade/>
-      </p:transition>
-    </mc:Fallback>
-  </mc:AlternateContent>
-  <p:timing>
-    <p:tnLst>
-      <p:par>
-        <p:cTn id="1" dur="indefinite" restart="never" nodeType="tmRoot">
-          <p:childTnLst>
-            <p:seq concurrent="1" nextAc="seek">
-              <p:cTn id="2" dur="indefinite" nodeType="mainSeq">
-                <p:childTnLst>
-                  <p:par>
-                    <p:cTn id="3" fill="hold">
-                      <p:stCondLst>
-                        <p:cond delay="indefinite"/>
-                      </p:stCondLst>
-                      <p:childTnLst>
-                        <p:par>
-                          <p:cTn id="4" fill="hold">
-                            <p:stCondLst>
-                              <p:cond delay="0"/>
-                            </p:stCondLst>
-                            <p:childTnLst>
-                              <p:par>
-                                <p:cTn id="5" presetID="1" presetClass="entr" presetSubtype="0" fill="hold" grpId="0" nodeType="clickEffect">
-                                  <p:stCondLst>
-                                    <p:cond delay="0"/>
-                                  </p:stCondLst>
-                                  <p:childTnLst>
-                                    <p:set>
-                                      <p:cBhvr>
-                                        <p:cTn id="6" dur="1" fill="hold">
-                                          <p:stCondLst>
-                                            <p:cond delay="0"/>
-                                          </p:stCondLst>
-                                        </p:cTn>
-                                        <p:tgtEl>
-                                          <p:spTgt spid="3">
-                                            <p:txEl>
-                                              <p:pRg st="1" end="1"/>
-                                            </p:txEl>
-                                          </p:spTgt>
-                                        </p:tgtEl>
-                                        <p:attrNameLst>
-                                          <p:attrName>style.visibility</p:attrName>
-                                        </p:attrNameLst>
-                                      </p:cBhvr>
-                                      <p:to>
-                                        <p:strVal val="visible"/>
-                                      </p:to>
-                                    </p:set>
-                                  </p:childTnLst>
-                                </p:cTn>
-                              </p:par>
-                            </p:childTnLst>
-                          </p:cTn>
-                        </p:par>
-                      </p:childTnLst>
-                    </p:cTn>
-                  </p:par>
-                </p:childTnLst>
-              </p:cTn>
-              <p:prevCondLst>
-                <p:cond evt="onPrev" delay="0">
-                  <p:tgtEl>
-                    <p:sldTgt/>
-                  </p:tgtEl>
-                </p:cond>
-              </p:prevCondLst>
-              <p:nextCondLst>
-                <p:cond evt="onNext" delay="0">
-                  <p:tgtEl>
-                    <p:sldTgt/>
-                  </p:tgtEl>
-                </p:cond>
-              </p:nextCondLst>
-            </p:seq>
-          </p:childTnLst>
-        </p:cTn>
-      </p:par>
-    </p:tnLst>
-    <p:bldLst>
-      <p:bldP spid="3" grpId="0" uiExpand="1" build="p"/>
-    </p:bldLst>
-  </p:timing>
-</p:sld>
-</file>
-
-<file path=ppt/slides/slide6.xml><?xml version="1.0" encoding="utf-8"?>
-<p:sld xmlns:a="http://schemas.openxmlformats.org/drawingml/2006/main" xmlns:r="http://schemas.openxmlformats.org/officeDocument/2006/relationships" xmlns:p="http://schemas.openxmlformats.org/presentationml/2006/main">
-  <p:cSld>
-    <p:spTree>
-      <p:nvGrpSpPr>
-        <p:cNvPr id="1" name=""/>
-        <p:cNvGrpSpPr/>
-        <p:nvPr/>
-      </p:nvGrpSpPr>
-      <p:grpSpPr>
-        <a:xfrm>
-          <a:off x="0" y="0"/>
-          <a:ext cx="0" cy="0"/>
-          <a:chOff x="0" y="0"/>
-          <a:chExt cx="0" cy="0"/>
-        </a:xfrm>
-      </p:grpSpPr>
-      <p:sp>
-        <p:nvSpPr>
-          <p:cNvPr id="2" name="Title 1">
-            <a:extLst>
-              <a:ext uri="{FF2B5EF4-FFF2-40B4-BE49-F238E27FC236}">
-                <a16:creationId xmlns:a16="http://schemas.microsoft.com/office/drawing/2014/main" id="{5998A157-FCD1-4C27-8F6E-F674ED02688B}"/>
-              </a:ext>
-            </a:extLst>
-          </p:cNvPr>
-          <p:cNvSpPr>
-            <a:spLocks noGrp="1"/>
-          </p:cNvSpPr>
-          <p:nvPr>
-            <p:ph type="title"/>
-          </p:nvPr>
-        </p:nvSpPr>
-        <p:spPr>
-          <a:xfrm>
-            <a:off x="542169" y="5350933"/>
-            <a:ext cx="8534400" cy="1507067"/>
-          </a:xfrm>
-        </p:spPr>
-        <p:txBody>
-          <a:bodyPr/>
-          <a:lstStyle/>
-          <a:p>
-            <a:r>
-              <a:rPr lang="en-US" dirty="0"/>
-              <a:t>Service worker</a:t>
-            </a:r>
-          </a:p>
-        </p:txBody>
-      </p:sp>
-      <p:sp>
-        <p:nvSpPr>
-          <p:cNvPr id="3" name="Content Placeholder 2">
-            <a:extLst>
-              <a:ext uri="{FF2B5EF4-FFF2-40B4-BE49-F238E27FC236}">
-                <a16:creationId xmlns:a16="http://schemas.microsoft.com/office/drawing/2014/main" id="{267068F6-BE1B-4F5F-92E0-84E8573583EA}"/>
-              </a:ext>
-            </a:extLst>
-          </p:cNvPr>
-          <p:cNvSpPr>
-            <a:spLocks noGrp="1"/>
-          </p:cNvSpPr>
-          <p:nvPr>
-            <p:ph idx="1"/>
-          </p:nvPr>
-        </p:nvSpPr>
-        <p:spPr>
-          <a:xfrm>
-            <a:off x="684212" y="685800"/>
-            <a:ext cx="8534400" cy="5182340"/>
-          </a:xfrm>
-        </p:spPr>
-        <p:txBody>
-          <a:bodyPr>
-            <a:normAutofit lnSpcReduction="10000"/>
-          </a:bodyPr>
-          <a:lstStyle/>
-          <a:p>
-            <a:endParaRPr lang="en-US" dirty="0">
-              <a:solidFill>
-                <a:schemeClr val="tx1"/>
-              </a:solidFill>
-            </a:endParaRPr>
-          </a:p>
-          <a:p>
-            <a:r>
-              <a:rPr lang="en-US" dirty="0">
-                <a:solidFill>
-                  <a:schemeClr val="tx1"/>
-                </a:solidFill>
-              </a:rPr>
-              <a:t>Service worker is a script that browser runs in the background, completely separate from web page and don’t need user interaction</a:t>
-            </a:r>
-          </a:p>
-          <a:p>
-            <a:pPr marL="0" indent="0">
-              <a:buNone/>
-            </a:pPr>
-            <a:endParaRPr lang="en-US" dirty="0">
-              <a:solidFill>
-                <a:schemeClr val="tx1"/>
-              </a:solidFill>
-            </a:endParaRPr>
-          </a:p>
-          <a:p>
-            <a:r>
-              <a:rPr lang="en-US" dirty="0">
-                <a:solidFill>
-                  <a:schemeClr val="tx1"/>
-                </a:solidFill>
-              </a:rPr>
-              <a:t>Service worker characteristic:</a:t>
-            </a:r>
-          </a:p>
-          <a:p>
-            <a:pPr marL="457200" indent="-457200">
-              <a:buFont typeface="+mj-lt"/>
-              <a:buAutoNum type="arabicPeriod"/>
-            </a:pPr>
-            <a:r>
-              <a:rPr lang="en-US" dirty="0">
-                <a:solidFill>
-                  <a:schemeClr val="tx1"/>
-                </a:solidFill>
-              </a:rPr>
-              <a:t>Can't access the DOM directly. </a:t>
-            </a:r>
-          </a:p>
-          <a:p>
-            <a:pPr marL="457200" indent="-457200">
-              <a:buFont typeface="+mj-lt"/>
-              <a:buAutoNum type="arabicPeriod"/>
-            </a:pPr>
-            <a:r>
-              <a:rPr lang="en-US" dirty="0">
-                <a:solidFill>
-                  <a:schemeClr val="tx1"/>
-                </a:solidFill>
-              </a:rPr>
-              <a:t>Service worker allowing you to control how network requests from your page are handled.</a:t>
-            </a:r>
-          </a:p>
-          <a:p>
-            <a:pPr marL="457200" indent="-457200">
-              <a:buFont typeface="+mj-lt"/>
-              <a:buAutoNum type="arabicPeriod"/>
-            </a:pPr>
-            <a:r>
-              <a:rPr lang="en-US" dirty="0">
-                <a:solidFill>
-                  <a:schemeClr val="tx1"/>
-                </a:solidFill>
-              </a:rPr>
-              <a:t>It's terminated when not in use, and restarted when it's next needed. If there is information that you need to persist and reuse across restarts, service workers do have access to the </a:t>
-            </a:r>
-            <a:r>
-              <a:rPr lang="en-US" dirty="0" err="1">
-                <a:solidFill>
-                  <a:schemeClr val="tx1"/>
-                </a:solidFill>
-              </a:rPr>
-              <a:t>IndexedDB</a:t>
-            </a:r>
-            <a:r>
-              <a:rPr lang="en-US" dirty="0">
-                <a:solidFill>
-                  <a:schemeClr val="tx1"/>
-                </a:solidFill>
-              </a:rPr>
-              <a:t> API.</a:t>
-            </a:r>
-          </a:p>
-          <a:p>
-            <a:pPr marL="457200" indent="-457200">
-              <a:buFont typeface="+mj-lt"/>
-              <a:buAutoNum type="arabicPeriod"/>
-            </a:pPr>
-            <a:r>
-              <a:rPr lang="en-US" dirty="0">
-                <a:solidFill>
-                  <a:schemeClr val="tx1"/>
-                </a:solidFill>
-              </a:rPr>
-              <a:t>Service workers make extensive use of promises</a:t>
-            </a:r>
-          </a:p>
-          <a:p>
-            <a:endParaRPr lang="en-US" dirty="0">
-              <a:solidFill>
-                <a:schemeClr val="tx1"/>
-              </a:solidFill>
-            </a:endParaRPr>
-          </a:p>
-        </p:txBody>
-      </p:sp>
-    </p:spTree>
-    <p:extLst>
-      <p:ext uri="{BB962C8B-B14F-4D97-AF65-F5344CB8AC3E}">
-        <p14:creationId xmlns:p14="http://schemas.microsoft.com/office/powerpoint/2010/main" val="1739733815"/>
-      </p:ext>
-    </p:extLst>
-  </p:cSld>
-  <p:clrMapOvr>
-    <a:masterClrMapping/>
-  </p:clrMapOvr>
-  <mc:AlternateContent xmlns:mc="http://schemas.openxmlformats.org/markup-compatibility/2006">
-    <mc:Choice xmlns:p159="http://schemas.microsoft.com/office/powerpoint/2015/09/main" Requires="p159">
-      <p:transition spd="slow">
-        <p159:morph option="byObject"/>
-      </p:transition>
-    </mc:Choice>
-    <mc:Fallback>
-      <p:transition spd="slow">
-        <p:fade/>
-      </p:transition>
-    </mc:Fallback>
-  </mc:AlternateContent>
-  <p:timing>
-    <p:tnLst>
-      <p:par>
-        <p:cTn id="1" dur="indefinite" restart="never" nodeType="tmRoot">
-          <p:childTnLst>
-            <p:seq concurrent="1" nextAc="seek">
-              <p:cTn id="2" dur="indefinite" nodeType="mainSeq">
-                <p:childTnLst>
-                  <p:par>
-                    <p:cTn id="3" fill="hold">
-                      <p:stCondLst>
-                        <p:cond delay="indefinite"/>
-                      </p:stCondLst>
-                      <p:childTnLst>
-                        <p:par>
-                          <p:cTn id="4" fill="hold">
-                            <p:stCondLst>
-                              <p:cond delay="0"/>
-                            </p:stCondLst>
-                            <p:childTnLst>
-                              <p:par>
-                                <p:cTn id="5" presetID="1" presetClass="entr" presetSubtype="0" fill="hold" grpId="0" nodeType="clickEffect">
-                                  <p:stCondLst>
-                                    <p:cond delay="0"/>
-                                  </p:stCondLst>
-                                  <p:childTnLst>
-                                    <p:set>
-                                      <p:cBhvr>
-                                        <p:cTn id="6" dur="1" fill="hold">
-                                          <p:stCondLst>
-                                            <p:cond delay="0"/>
-                                          </p:stCondLst>
-                                        </p:cTn>
-                                        <p:tgtEl>
-                                          <p:spTgt spid="3">
-                                            <p:txEl>
                                               <p:pRg st="5" end="5"/>
                                             </p:txEl>
                                           </p:spTgt>
@@ -9038,26 +12563,26 @@
                     </p:cTn>
                   </p:par>
                   <p:par>
-                    <p:cTn id="7" fill="hold">
+                    <p:cTn id="19" fill="hold">
                       <p:stCondLst>
                         <p:cond delay="indefinite"/>
                       </p:stCondLst>
                       <p:childTnLst>
                         <p:par>
-                          <p:cTn id="8" fill="hold">
+                          <p:cTn id="20" fill="hold">
                             <p:stCondLst>
                               <p:cond delay="0"/>
                             </p:stCondLst>
                             <p:childTnLst>
                               <p:par>
-                                <p:cTn id="9" presetID="1" presetClass="entr" presetSubtype="0" fill="hold" grpId="0" nodeType="clickEffect">
+                                <p:cTn id="21" presetID="1" presetClass="entr" presetSubtype="0" fill="hold" grpId="0" nodeType="clickEffect">
                                   <p:stCondLst>
                                     <p:cond delay="0"/>
                                   </p:stCondLst>
                                   <p:childTnLst>
                                     <p:set>
                                       <p:cBhvr>
-                                        <p:cTn id="10" dur="1" fill="hold">
+                                        <p:cTn id="22" dur="1" fill="hold">
                                           <p:stCondLst>
                                             <p:cond delay="0"/>
                                           </p:stCondLst>
@@ -9087,26 +12612,26 @@
                     </p:cTn>
                   </p:par>
                   <p:par>
-                    <p:cTn id="11" fill="hold">
+                    <p:cTn id="23" fill="hold">
                       <p:stCondLst>
                         <p:cond delay="indefinite"/>
                       </p:stCondLst>
                       <p:childTnLst>
                         <p:par>
-                          <p:cTn id="12" fill="hold">
+                          <p:cTn id="24" fill="hold">
                             <p:stCondLst>
                               <p:cond delay="0"/>
                             </p:stCondLst>
                             <p:childTnLst>
                               <p:par>
-                                <p:cTn id="13" presetID="1" presetClass="entr" presetSubtype="0" fill="hold" grpId="0" nodeType="clickEffect">
+                                <p:cTn id="25" presetID="1" presetClass="entr" presetSubtype="0" fill="hold" grpId="0" nodeType="clickEffect">
                                   <p:stCondLst>
                                     <p:cond delay="0"/>
                                   </p:stCondLst>
                                   <p:childTnLst>
                                     <p:set>
                                       <p:cBhvr>
-                                        <p:cTn id="14" dur="1" fill="hold">
+                                        <p:cTn id="26" dur="1" fill="hold">
                                           <p:stCondLst>
                                             <p:cond delay="0"/>
                                           </p:stCondLst>
@@ -9157,572 +12682,9 @@
       </p:par>
     </p:tnLst>
     <p:bldLst>
-      <p:bldP spid="3" grpId="0" uiExpand="1" build="p"/>
+      <p:bldP spid="3" grpId="0" build="p"/>
     </p:bldLst>
   </p:timing>
-</p:sld>
-</file>
-
-<file path=ppt/slides/slide7.xml><?xml version="1.0" encoding="utf-8"?>
-<p:sld xmlns:a="http://schemas.openxmlformats.org/drawingml/2006/main" xmlns:r="http://schemas.openxmlformats.org/officeDocument/2006/relationships" xmlns:p="http://schemas.openxmlformats.org/presentationml/2006/main">
-  <p:cSld>
-    <p:spTree>
-      <p:nvGrpSpPr>
-        <p:cNvPr id="1" name=""/>
-        <p:cNvGrpSpPr/>
-        <p:nvPr/>
-      </p:nvGrpSpPr>
-      <p:grpSpPr>
-        <a:xfrm>
-          <a:off x="0" y="0"/>
-          <a:ext cx="0" cy="0"/>
-          <a:chOff x="0" y="0"/>
-          <a:chExt cx="0" cy="0"/>
-        </a:xfrm>
-      </p:grpSpPr>
-      <p:sp>
-        <p:nvSpPr>
-          <p:cNvPr id="2" name="Title 1">
-            <a:extLst>
-              <a:ext uri="{FF2B5EF4-FFF2-40B4-BE49-F238E27FC236}">
-                <a16:creationId xmlns:a16="http://schemas.microsoft.com/office/drawing/2014/main" id="{9CB72FEE-B902-40F9-AACA-EC55CA6C6720}"/>
-              </a:ext>
-            </a:extLst>
-          </p:cNvPr>
-          <p:cNvSpPr>
-            <a:spLocks noGrp="1"/>
-          </p:cNvSpPr>
-          <p:nvPr>
-            <p:ph type="title"/>
-          </p:nvPr>
-        </p:nvSpPr>
-        <p:spPr>
-          <a:xfrm>
-            <a:off x="637558" y="5544629"/>
-            <a:ext cx="8534400" cy="1507067"/>
-          </a:xfrm>
-        </p:spPr>
-        <p:txBody>
-          <a:bodyPr/>
-          <a:lstStyle/>
-          <a:p>
-            <a:r>
-              <a:rPr lang="en-US" dirty="0"/>
-              <a:t>Service worker lifecycle</a:t>
-            </a:r>
-          </a:p>
-        </p:txBody>
-      </p:sp>
-      <p:pic>
-        <p:nvPicPr>
-          <p:cNvPr id="5" name="Content Placeholder 4">
-            <a:extLst>
-              <a:ext uri="{FF2B5EF4-FFF2-40B4-BE49-F238E27FC236}">
-                <a16:creationId xmlns:a16="http://schemas.microsoft.com/office/drawing/2014/main" id="{0EEE8D40-76BA-4EA2-AD2D-6D9B6259AE63}"/>
-              </a:ext>
-            </a:extLst>
-          </p:cNvPr>
-          <p:cNvPicPr>
-            <a:picLocks noGrp="1" noChangeAspect="1"/>
-          </p:cNvPicPr>
-          <p:nvPr>
-            <p:ph idx="1"/>
-          </p:nvPr>
-        </p:nvPicPr>
-        <p:blipFill>
-          <a:blip r:embed="rId2">
-            <a:extLst>
-              <a:ext uri="{28A0092B-C50C-407E-A947-70E740481C1C}">
-                <a14:useLocalDpi xmlns:a14="http://schemas.microsoft.com/office/drawing/2010/main" val="0"/>
-              </a:ext>
-            </a:extLst>
-          </a:blip>
-          <a:stretch>
-            <a:fillRect/>
-          </a:stretch>
-        </p:blipFill>
-        <p:spPr>
-          <a:xfrm>
-            <a:off x="747213" y="559837"/>
-            <a:ext cx="10113620" cy="5150498"/>
-          </a:xfrm>
-        </p:spPr>
-      </p:pic>
-    </p:spTree>
-    <p:extLst>
-      <p:ext uri="{BB962C8B-B14F-4D97-AF65-F5344CB8AC3E}">
-        <p14:creationId xmlns:p14="http://schemas.microsoft.com/office/powerpoint/2010/main" val="224578707"/>
-      </p:ext>
-    </p:extLst>
-  </p:cSld>
-  <p:clrMapOvr>
-    <a:masterClrMapping/>
-  </p:clrMapOvr>
-  <mc:AlternateContent xmlns:mc="http://schemas.openxmlformats.org/markup-compatibility/2006">
-    <mc:Choice xmlns:p159="http://schemas.microsoft.com/office/powerpoint/2015/09/main" Requires="p159">
-      <p:transition spd="slow">
-        <p159:morph option="byObject"/>
-      </p:transition>
-    </mc:Choice>
-    <mc:Fallback>
-      <p:transition spd="slow">
-        <p:fade/>
-      </p:transition>
-    </mc:Fallback>
-  </mc:AlternateContent>
-</p:sld>
-</file>
-
-<file path=ppt/slides/slide8.xml><?xml version="1.0" encoding="utf-8"?>
-<p:sld xmlns:a="http://schemas.openxmlformats.org/drawingml/2006/main" xmlns:r="http://schemas.openxmlformats.org/officeDocument/2006/relationships" xmlns:p="http://schemas.openxmlformats.org/presentationml/2006/main">
-  <p:cSld>
-    <p:spTree>
-      <p:nvGrpSpPr>
-        <p:cNvPr id="1" name=""/>
-        <p:cNvGrpSpPr/>
-        <p:nvPr/>
-      </p:nvGrpSpPr>
-      <p:grpSpPr>
-        <a:xfrm>
-          <a:off x="0" y="0"/>
-          <a:ext cx="0" cy="0"/>
-          <a:chOff x="0" y="0"/>
-          <a:chExt cx="0" cy="0"/>
-        </a:xfrm>
-      </p:grpSpPr>
-      <p:sp>
-        <p:nvSpPr>
-          <p:cNvPr id="2" name="Title 1"/>
-          <p:cNvSpPr>
-            <a:spLocks noGrp="1"/>
-          </p:cNvSpPr>
-          <p:nvPr>
-            <p:ph type="title"/>
-          </p:nvPr>
-        </p:nvSpPr>
-        <p:spPr>
-          <a:xfrm>
-            <a:off x="675504" y="5523924"/>
-            <a:ext cx="8534400" cy="1507067"/>
-          </a:xfrm>
-        </p:spPr>
-        <p:txBody>
-          <a:bodyPr/>
-          <a:lstStyle/>
-          <a:p>
-            <a:r>
-              <a:rPr lang="en-US" dirty="0"/>
-              <a:t>Events</a:t>
-            </a:r>
-            <a:br>
-              <a:rPr lang="en-US" dirty="0"/>
-            </a:br>
-            <a:endParaRPr lang="en-US" dirty="0"/>
-          </a:p>
-        </p:txBody>
-      </p:sp>
-      <p:sp>
-        <p:nvSpPr>
-          <p:cNvPr id="3" name="Content Placeholder 2"/>
-          <p:cNvSpPr>
-            <a:spLocks noGrp="1"/>
-          </p:cNvSpPr>
-          <p:nvPr>
-            <p:ph idx="1"/>
-          </p:nvPr>
-        </p:nvSpPr>
-        <p:spPr>
-          <a:xfrm>
-            <a:off x="675504" y="701336"/>
-            <a:ext cx="8534400" cy="3615267"/>
-          </a:xfrm>
-        </p:spPr>
-        <p:txBody>
-          <a:bodyPr>
-            <a:normAutofit fontScale="85000" lnSpcReduction="20000"/>
-          </a:bodyPr>
-          <a:lstStyle/>
-          <a:p>
-            <a:endParaRPr lang="en-US" dirty="0">
-              <a:solidFill>
-                <a:schemeClr val="tx1"/>
-              </a:solidFill>
-            </a:endParaRPr>
-          </a:p>
-          <a:p>
-            <a:r>
-              <a:rPr lang="en-US" dirty="0">
-                <a:solidFill>
-                  <a:schemeClr val="tx1"/>
-                </a:solidFill>
-              </a:rPr>
-              <a:t>On Install: After registered and downloaded, </a:t>
-            </a:r>
-            <a:r>
-              <a:rPr lang="en-US" dirty="0" err="1">
-                <a:solidFill>
-                  <a:schemeClr val="tx1"/>
-                </a:solidFill>
-              </a:rPr>
-              <a:t>sw</a:t>
-            </a:r>
-            <a:r>
-              <a:rPr lang="en-US" dirty="0">
-                <a:solidFill>
-                  <a:schemeClr val="tx1"/>
-                </a:solidFill>
-              </a:rPr>
-              <a:t> get installed in the background. Suitable for static assets like </a:t>
-            </a:r>
-            <a:r>
-              <a:rPr lang="en-US" dirty="0" err="1">
-                <a:solidFill>
-                  <a:schemeClr val="tx1"/>
-                </a:solidFill>
-              </a:rPr>
-              <a:t>js,css,img</a:t>
-            </a:r>
-            <a:endParaRPr lang="en-US" dirty="0">
-              <a:solidFill>
-                <a:schemeClr val="tx1"/>
-              </a:solidFill>
-            </a:endParaRPr>
-          </a:p>
-          <a:p>
-            <a:r>
-              <a:rPr lang="en-US" dirty="0">
-                <a:solidFill>
-                  <a:schemeClr val="tx1"/>
-                </a:solidFill>
-              </a:rPr>
-              <a:t>On activate: After install stage is finished. SW now in control of things within its scope. Suitable for clean up old cache and update new version.</a:t>
-            </a:r>
-          </a:p>
-          <a:p>
-            <a:r>
-              <a:rPr lang="en-US" dirty="0">
-                <a:solidFill>
-                  <a:schemeClr val="tx1"/>
-                </a:solidFill>
-              </a:rPr>
-              <a:t>On network response (Fetch): When browser download data. Suitable for caching web request, response</a:t>
-            </a:r>
-          </a:p>
-          <a:p>
-            <a:endParaRPr lang="en-US" dirty="0">
-              <a:solidFill>
-                <a:schemeClr val="tx1"/>
-              </a:solidFill>
-            </a:endParaRPr>
-          </a:p>
-          <a:p>
-            <a:pPr marL="0" indent="0">
-              <a:buNone/>
-            </a:pPr>
-            <a:r>
-              <a:rPr lang="en-US" dirty="0">
-                <a:solidFill>
-                  <a:schemeClr val="tx1"/>
-                </a:solidFill>
-              </a:rPr>
-              <a:t>Demo:</a:t>
-            </a:r>
-          </a:p>
-          <a:p>
-            <a:pPr marL="457200" indent="-457200">
-              <a:buFont typeface="+mj-lt"/>
-              <a:buAutoNum type="arabicPeriod"/>
-            </a:pPr>
-            <a:r>
-              <a:rPr lang="en-US" dirty="0">
-                <a:solidFill>
-                  <a:schemeClr val="tx1"/>
-                </a:solidFill>
-              </a:rPr>
-              <a:t>Precaching during Service Worker installation</a:t>
-            </a:r>
-          </a:p>
-          <a:p>
-            <a:pPr marL="457200" indent="-457200">
-              <a:buFont typeface="+mj-lt"/>
-              <a:buAutoNum type="arabicPeriod"/>
-            </a:pPr>
-            <a:r>
-              <a:rPr lang="en-US" dirty="0">
-                <a:solidFill>
-                  <a:schemeClr val="tx1"/>
-                </a:solidFill>
-              </a:rPr>
-              <a:t>Cache First </a:t>
-            </a:r>
-          </a:p>
-          <a:p>
-            <a:endParaRPr lang="en-US" dirty="0">
-              <a:solidFill>
-                <a:schemeClr val="tx1"/>
-              </a:solidFill>
-            </a:endParaRPr>
-          </a:p>
-        </p:txBody>
-      </p:sp>
-    </p:spTree>
-    <p:extLst>
-      <p:ext uri="{BB962C8B-B14F-4D97-AF65-F5344CB8AC3E}">
-        <p14:creationId xmlns:p14="http://schemas.microsoft.com/office/powerpoint/2010/main" val="1112003914"/>
-      </p:ext>
-    </p:extLst>
-  </p:cSld>
-  <p:clrMapOvr>
-    <a:masterClrMapping/>
-  </p:clrMapOvr>
-  <mc:AlternateContent xmlns:mc="http://schemas.openxmlformats.org/markup-compatibility/2006">
-    <mc:Choice xmlns:p159="http://schemas.microsoft.com/office/powerpoint/2015/09/main" Requires="p159">
-      <p:transition spd="slow">
-        <p159:morph option="byObject"/>
-      </p:transition>
-    </mc:Choice>
-    <mc:Fallback>
-      <p:transition spd="slow">
-        <p:fade/>
-      </p:transition>
-    </mc:Fallback>
-  </mc:AlternateContent>
-  <p:timing>
-    <p:tnLst>
-      <p:par>
-        <p:cTn id="1" dur="indefinite" restart="never" nodeType="tmRoot">
-          <p:childTnLst>
-            <p:seq concurrent="1" nextAc="seek">
-              <p:cTn id="2" dur="indefinite" nodeType="mainSeq">
-                <p:childTnLst>
-                  <p:par>
-                    <p:cTn id="3" fill="hold">
-                      <p:stCondLst>
-                        <p:cond delay="indefinite"/>
-                      </p:stCondLst>
-                      <p:childTnLst>
-                        <p:par>
-                          <p:cTn id="4" fill="hold">
-                            <p:stCondLst>
-                              <p:cond delay="0"/>
-                            </p:stCondLst>
-                            <p:childTnLst>
-                              <p:par>
-                                <p:cTn id="5" presetID="1" presetClass="entr" presetSubtype="0" fill="hold" grpId="0" nodeType="clickEffect">
-                                  <p:stCondLst>
-                                    <p:cond delay="0"/>
-                                  </p:stCondLst>
-                                  <p:childTnLst>
-                                    <p:set>
-                                      <p:cBhvr>
-                                        <p:cTn id="6" dur="1" fill="hold">
-                                          <p:stCondLst>
-                                            <p:cond delay="0"/>
-                                          </p:stCondLst>
-                                        </p:cTn>
-                                        <p:tgtEl>
-                                          <p:spTgt spid="3">
-                                            <p:txEl>
-                                              <p:pRg st="2" end="2"/>
-                                            </p:txEl>
-                                          </p:spTgt>
-                                        </p:tgtEl>
-                                        <p:attrNameLst>
-                                          <p:attrName>style.visibility</p:attrName>
-                                        </p:attrNameLst>
-                                      </p:cBhvr>
-                                      <p:to>
-                                        <p:strVal val="visible"/>
-                                      </p:to>
-                                    </p:set>
-                                  </p:childTnLst>
-                                </p:cTn>
-                              </p:par>
-                            </p:childTnLst>
-                          </p:cTn>
-                        </p:par>
-                      </p:childTnLst>
-                    </p:cTn>
-                  </p:par>
-                  <p:par>
-                    <p:cTn id="7" fill="hold">
-                      <p:stCondLst>
-                        <p:cond delay="indefinite"/>
-                      </p:stCondLst>
-                      <p:childTnLst>
-                        <p:par>
-                          <p:cTn id="8" fill="hold">
-                            <p:stCondLst>
-                              <p:cond delay="0"/>
-                            </p:stCondLst>
-                            <p:childTnLst>
-                              <p:par>
-                                <p:cTn id="9" presetID="1" presetClass="entr" presetSubtype="0" fill="hold" grpId="0" nodeType="clickEffect">
-                                  <p:stCondLst>
-                                    <p:cond delay="0"/>
-                                  </p:stCondLst>
-                                  <p:childTnLst>
-                                    <p:set>
-                                      <p:cBhvr>
-                                        <p:cTn id="10" dur="1" fill="hold">
-                                          <p:stCondLst>
-                                            <p:cond delay="0"/>
-                                          </p:stCondLst>
-                                        </p:cTn>
-                                        <p:tgtEl>
-                                          <p:spTgt spid="3">
-                                            <p:txEl>
-                                              <p:pRg st="3" end="3"/>
-                                            </p:txEl>
-                                          </p:spTgt>
-                                        </p:tgtEl>
-                                        <p:attrNameLst>
-                                          <p:attrName>style.visibility</p:attrName>
-                                        </p:attrNameLst>
-                                      </p:cBhvr>
-                                      <p:to>
-                                        <p:strVal val="visible"/>
-                                      </p:to>
-                                    </p:set>
-                                  </p:childTnLst>
-                                </p:cTn>
-                              </p:par>
-                            </p:childTnLst>
-                          </p:cTn>
-                        </p:par>
-                      </p:childTnLst>
-                    </p:cTn>
-                  </p:par>
-                </p:childTnLst>
-              </p:cTn>
-              <p:prevCondLst>
-                <p:cond evt="onPrev" delay="0">
-                  <p:tgtEl>
-                    <p:sldTgt/>
-                  </p:tgtEl>
-                </p:cond>
-              </p:prevCondLst>
-              <p:nextCondLst>
-                <p:cond evt="onNext" delay="0">
-                  <p:tgtEl>
-                    <p:sldTgt/>
-                  </p:tgtEl>
-                </p:cond>
-              </p:nextCondLst>
-            </p:seq>
-          </p:childTnLst>
-        </p:cTn>
-      </p:par>
-    </p:tnLst>
-    <p:bldLst>
-      <p:bldP spid="3" grpId="0" uiExpand="1" build="p"/>
-    </p:bldLst>
-  </p:timing>
-</p:sld>
-</file>
-
-<file path=ppt/slides/slide9.xml><?xml version="1.0" encoding="utf-8"?>
-<p:sld xmlns:a="http://schemas.openxmlformats.org/drawingml/2006/main" xmlns:r="http://schemas.openxmlformats.org/officeDocument/2006/relationships" xmlns:p="http://schemas.openxmlformats.org/presentationml/2006/main">
-  <p:cSld>
-    <p:spTree>
-      <p:nvGrpSpPr>
-        <p:cNvPr id="1" name=""/>
-        <p:cNvGrpSpPr/>
-        <p:nvPr/>
-      </p:nvGrpSpPr>
-      <p:grpSpPr>
-        <a:xfrm>
-          <a:off x="0" y="0"/>
-          <a:ext cx="0" cy="0"/>
-          <a:chOff x="0" y="0"/>
-          <a:chExt cx="0" cy="0"/>
-        </a:xfrm>
-      </p:grpSpPr>
-      <p:sp>
-        <p:nvSpPr>
-          <p:cNvPr id="2" name="Title 1">
-            <a:extLst>
-              <a:ext uri="{FF2B5EF4-FFF2-40B4-BE49-F238E27FC236}">
-                <a16:creationId xmlns:a16="http://schemas.microsoft.com/office/drawing/2014/main" id="{C8B43DA7-2345-408B-AB8C-F23698E6052C}"/>
-              </a:ext>
-            </a:extLst>
-          </p:cNvPr>
-          <p:cNvSpPr>
-            <a:spLocks noGrp="1"/>
-          </p:cNvSpPr>
-          <p:nvPr>
-            <p:ph type="title"/>
-          </p:nvPr>
-        </p:nvSpPr>
-        <p:spPr/>
-        <p:txBody>
-          <a:bodyPr/>
-          <a:lstStyle/>
-          <a:p>
-            <a:endParaRPr lang="en-US"/>
-          </a:p>
-        </p:txBody>
-      </p:sp>
-      <p:pic>
-        <p:nvPicPr>
-          <p:cNvPr id="4" name="Content Placeholder 3">
-            <a:extLst>
-              <a:ext uri="{FF2B5EF4-FFF2-40B4-BE49-F238E27FC236}">
-                <a16:creationId xmlns:a16="http://schemas.microsoft.com/office/drawing/2014/main" id="{416C16D3-06DA-434A-A615-91B440249FC7}"/>
-              </a:ext>
-            </a:extLst>
-          </p:cNvPr>
-          <p:cNvPicPr>
-            <a:picLocks noGrp="1" noChangeAspect="1"/>
-          </p:cNvPicPr>
-          <p:nvPr>
-            <p:ph idx="1"/>
-          </p:nvPr>
-        </p:nvPicPr>
-        <p:blipFill>
-          <a:blip r:embed="rId2">
-            <a:extLst>
-              <a:ext uri="{28A0092B-C50C-407E-A947-70E740481C1C}">
-                <a14:useLocalDpi xmlns:a14="http://schemas.microsoft.com/office/drawing/2010/main" val="0"/>
-              </a:ext>
-            </a:extLst>
-          </a:blip>
-          <a:stretch>
-            <a:fillRect/>
-          </a:stretch>
-        </p:blipFill>
-        <p:spPr>
-          <a:xfrm>
-            <a:off x="684212" y="1036581"/>
-            <a:ext cx="8534400" cy="4337175"/>
-          </a:xfrm>
-          <a:prstGeom prst="rect">
-            <a:avLst/>
-          </a:prstGeom>
-        </p:spPr>
-      </p:pic>
-    </p:spTree>
-    <p:extLst>
-      <p:ext uri="{BB962C8B-B14F-4D97-AF65-F5344CB8AC3E}">
-        <p14:creationId xmlns:p14="http://schemas.microsoft.com/office/powerpoint/2010/main" val="1864608788"/>
-      </p:ext>
-    </p:extLst>
-  </p:cSld>
-  <p:clrMapOvr>
-    <a:masterClrMapping/>
-  </p:clrMapOvr>
-  <mc:AlternateContent xmlns:mc="http://schemas.openxmlformats.org/markup-compatibility/2006">
-    <mc:Choice xmlns:p159="http://schemas.microsoft.com/office/powerpoint/2015/09/main" Requires="p159">
-      <p:transition spd="slow">
-        <p159:morph option="byObject"/>
-      </p:transition>
-    </mc:Choice>
-    <mc:Fallback>
-      <p:transition spd="slow">
-        <p:fade/>
-      </p:transition>
-    </mc:Fallback>
-  </mc:AlternateContent>
 </p:sld>
 </file>
 

--- a/ProgressiveWebApp/PWA.pptx
+++ b/ProgressiveWebApp/PWA.pptx
@@ -7966,6 +7966,82 @@
                                           </p:stCondLst>
                                         </p:cTn>
                                         <p:tgtEl>
+                                          <p:spTgt spid="2"/>
+                                        </p:tgtEl>
+                                        <p:attrNameLst>
+                                          <p:attrName>style.visibility</p:attrName>
+                                        </p:attrNameLst>
+                                      </p:cBhvr>
+                                      <p:to>
+                                        <p:strVal val="visible"/>
+                                      </p:to>
+                                    </p:set>
+                                  </p:childTnLst>
+                                </p:cTn>
+                              </p:par>
+                              <p:par>
+                                <p:cTn id="7" presetID="1" presetClass="entr" presetSubtype="0" fill="hold" grpId="0" nodeType="withEffect">
+                                  <p:stCondLst>
+                                    <p:cond delay="0"/>
+                                  </p:stCondLst>
+                                  <p:childTnLst>
+                                    <p:set>
+                                      <p:cBhvr>
+                                        <p:cTn id="8" dur="1" fill="hold">
+                                          <p:stCondLst>
+                                            <p:cond delay="0"/>
+                                          </p:stCondLst>
+                                        </p:cTn>
+                                        <p:tgtEl>
+                                          <p:spTgt spid="3">
+                                            <p:txEl>
+                                              <p:pRg st="0" end="0"/>
+                                            </p:txEl>
+                                          </p:spTgt>
+                                        </p:tgtEl>
+                                        <p:attrNameLst>
+                                          <p:attrName>style.visibility</p:attrName>
+                                        </p:attrNameLst>
+                                      </p:cBhvr>
+                                      <p:to>
+                                        <p:strVal val="visible"/>
+                                      </p:to>
+                                    </p:set>
+                                  </p:childTnLst>
+                                </p:cTn>
+                              </p:par>
+                            </p:childTnLst>
+                          </p:cTn>
+                        </p:par>
+                      </p:childTnLst>
+                    </p:cTn>
+                  </p:par>
+                  <p:par>
+                    <p:cTn id="9" fill="hold">
+                      <p:stCondLst>
+                        <p:cond delay="indefinite"/>
+                      </p:stCondLst>
+                      <p:childTnLst>
+                        <p:par>
+                          <p:cTn id="10" fill="hold">
+                            <p:stCondLst>
+                              <p:cond delay="0"/>
+                            </p:stCondLst>
+                            <p:childTnLst>
+                              <p:par>
+                                <p:cTn id="11" presetID="1" presetClass="entr" presetSubtype="0" fill="hold" grpId="0" nodeType="clickEffect">
+                                  <p:stCondLst>
+                                    <p:cond delay="0"/>
+                                  </p:stCondLst>
+                                  <p:childTnLst>
+                                    <p:set>
+                                      <p:cBhvr>
+                                        <p:cTn id="12" dur="1" fill="hold">
+                                          <p:stCondLst>
+                                            <p:cond delay="0"/>
+                                          </p:stCondLst>
+                                        </p:cTn>
+                                        <p:tgtEl>
                                           <p:spTgt spid="3">
                                             <p:txEl>
                                               <p:pRg st="2" end="2"/>
@@ -8011,7 +8087,8 @@
       </p:par>
     </p:tnLst>
     <p:bldLst>
-      <p:bldP spid="3" grpId="0" uiExpand="1" build="p"/>
+      <p:bldP spid="2" grpId="0"/>
+      <p:bldP spid="3" grpId="0" build="p"/>
     </p:bldLst>
   </p:timing>
 </p:sld>
